--- a/ttm.pptx
+++ b/ttm.pptx
@@ -5,7 +5,7 @@
     <p:sldMasterId id="2147483720" r:id="rId1"/>
   </p:sldMasterIdLst>
   <p:notesMasterIdLst>
-    <p:notesMasterId r:id="rId22"/>
+    <p:notesMasterId r:id="rId23"/>
   </p:notesMasterIdLst>
   <p:sldIdLst>
     <p:sldId id="256" r:id="rId2"/>
@@ -28,6 +28,7 @@
     <p:sldId id="274" r:id="rId19"/>
     <p:sldId id="281" r:id="rId20"/>
     <p:sldId id="282" r:id="rId21"/>
+    <p:sldId id="283" r:id="rId22"/>
   </p:sldIdLst>
   <p:sldSz cx="9144000" cy="6858000" type="screen4x3"/>
   <p:notesSz cx="6858000" cy="9144000"/>
@@ -126,6 +127,22 @@
       </a:defRPr>
     </a:lvl9pPr>
   </p:defaultTextStyle>
+  <p:extLst>
+    <p:ext uri="{EFAFB233-063F-42B5-8137-9DF3F51BA10A}">
+      <p15:sldGuideLst xmlns:p15="http://schemas.microsoft.com/office/powerpoint/2012/main">
+        <p15:guide id="1" orient="horz" pos="2160">
+          <p15:clr>
+            <a:srgbClr val="A4A3A4"/>
+          </p15:clr>
+        </p15:guide>
+        <p15:guide id="2" pos="2880">
+          <p15:clr>
+            <a:srgbClr val="A4A3A4"/>
+          </p15:clr>
+        </p15:guide>
+      </p15:sldGuideLst>
+    </p:ext>
+  </p:extLst>
 </p:presentation>
 </file>
 
@@ -211,7 +228,7 @@
           <a:p>
             <a:fld id="{51B3EDB9-AE2D-442E-8E20-BF709BF04FAE}" type="datetimeFigureOut">
               <a:rPr lang="en-GB" smtClean="0"/>
-              <a:t>29/01/2020</a:t>
+              <a:t>20/11/2020</a:t>
             </a:fld>
             <a:endParaRPr lang="en-GB"/>
           </a:p>
@@ -275,35 +292,35 @@
           <a:p>
             <a:pPr lvl="0"/>
             <a:r>
-              <a:rPr lang="en-US" smtClean="0"/>
+              <a:rPr lang="en-US"/>
               <a:t>Click to edit Master text styles</a:t>
             </a:r>
           </a:p>
           <a:p>
             <a:pPr lvl="1"/>
             <a:r>
-              <a:rPr lang="en-US" smtClean="0"/>
+              <a:rPr lang="en-US"/>
               <a:t>Second level</a:t>
             </a:r>
           </a:p>
           <a:p>
             <a:pPr lvl="2"/>
             <a:r>
-              <a:rPr lang="en-US" smtClean="0"/>
+              <a:rPr lang="en-US"/>
               <a:t>Third level</a:t>
             </a:r>
           </a:p>
           <a:p>
             <a:pPr lvl="3"/>
             <a:r>
-              <a:rPr lang="en-US" smtClean="0"/>
+              <a:rPr lang="en-US"/>
               <a:t>Fourth level</a:t>
             </a:r>
           </a:p>
           <a:p>
             <a:pPr lvl="4"/>
             <a:r>
-              <a:rPr lang="en-US" smtClean="0"/>
+              <a:rPr lang="en-US"/>
               <a:t>Fifth level</a:t>
             </a:r>
             <a:endParaRPr lang="en-GB"/>
@@ -769,7 +786,7 @@
           <a:lstStyle/>
           <a:p>
             <a:r>
-              <a:rPr lang="en-US" smtClean="0"/>
+              <a:rPr lang="en-US"/>
               <a:t>Click to edit Master title style</a:t>
             </a:r>
             <a:endParaRPr lang="en-GB"/>
@@ -888,7 +905,7 @@
           </a:lstStyle>
           <a:p>
             <a:r>
-              <a:rPr lang="en-US" smtClean="0"/>
+              <a:rPr lang="en-US"/>
               <a:t>Click to edit Master subtitle style</a:t>
             </a:r>
             <a:endParaRPr lang="en-GB"/>
@@ -913,7 +930,7 @@
             <a:fld id="{1D8BD707-D9CF-40AE-B4C6-C98DA3205C09}" type="datetimeFigureOut">
               <a:rPr lang="en-US" smtClean="0"/>
               <a:pPr/>
-              <a:t>1/29/2020</a:t>
+              <a:t>11/20/2020</a:t>
             </a:fld>
             <a:endParaRPr lang="en-US"/>
           </a:p>
@@ -1008,7 +1025,7 @@
           <a:lstStyle/>
           <a:p>
             <a:r>
-              <a:rPr lang="en-US" smtClean="0"/>
+              <a:rPr lang="en-US"/>
               <a:t>Click to edit Master title style</a:t>
             </a:r>
             <a:endParaRPr lang="en-GB"/>
@@ -1032,35 +1049,35 @@
           <a:p>
             <a:pPr lvl="0"/>
             <a:r>
-              <a:rPr lang="en-US" smtClean="0"/>
+              <a:rPr lang="en-US"/>
               <a:t>Click to edit Master text styles</a:t>
             </a:r>
           </a:p>
           <a:p>
             <a:pPr lvl="1"/>
             <a:r>
-              <a:rPr lang="en-US" smtClean="0"/>
+              <a:rPr lang="en-US"/>
               <a:t>Second level</a:t>
             </a:r>
           </a:p>
           <a:p>
             <a:pPr lvl="2"/>
             <a:r>
-              <a:rPr lang="en-US" smtClean="0"/>
+              <a:rPr lang="en-US"/>
               <a:t>Third level</a:t>
             </a:r>
           </a:p>
           <a:p>
             <a:pPr lvl="3"/>
             <a:r>
-              <a:rPr lang="en-US" smtClean="0"/>
+              <a:rPr lang="en-US"/>
               <a:t>Fourth level</a:t>
             </a:r>
           </a:p>
           <a:p>
             <a:pPr lvl="4"/>
             <a:r>
-              <a:rPr lang="en-US" smtClean="0"/>
+              <a:rPr lang="en-US"/>
               <a:t>Fifth level</a:t>
             </a:r>
             <a:endParaRPr lang="en-GB"/>
@@ -1085,7 +1102,7 @@
             <a:fld id="{1D8BD707-D9CF-40AE-B4C6-C98DA3205C09}" type="datetimeFigureOut">
               <a:rPr lang="en-US" smtClean="0"/>
               <a:pPr/>
-              <a:t>1/29/2020</a:t>
+              <a:t>11/20/2020</a:t>
             </a:fld>
             <a:endParaRPr lang="en-US"/>
           </a:p>
@@ -1185,7 +1202,7 @@
           <a:lstStyle/>
           <a:p>
             <a:r>
-              <a:rPr lang="en-US" smtClean="0"/>
+              <a:rPr lang="en-US"/>
               <a:t>Click to edit Master title style</a:t>
             </a:r>
             <a:endParaRPr lang="en-GB"/>
@@ -1214,35 +1231,35 @@
           <a:p>
             <a:pPr lvl="0"/>
             <a:r>
-              <a:rPr lang="en-US" smtClean="0"/>
+              <a:rPr lang="en-US"/>
               <a:t>Click to edit Master text styles</a:t>
             </a:r>
           </a:p>
           <a:p>
             <a:pPr lvl="1"/>
             <a:r>
-              <a:rPr lang="en-US" smtClean="0"/>
+              <a:rPr lang="en-US"/>
               <a:t>Second level</a:t>
             </a:r>
           </a:p>
           <a:p>
             <a:pPr lvl="2"/>
             <a:r>
-              <a:rPr lang="en-US" smtClean="0"/>
+              <a:rPr lang="en-US"/>
               <a:t>Third level</a:t>
             </a:r>
           </a:p>
           <a:p>
             <a:pPr lvl="3"/>
             <a:r>
-              <a:rPr lang="en-US" smtClean="0"/>
+              <a:rPr lang="en-US"/>
               <a:t>Fourth level</a:t>
             </a:r>
           </a:p>
           <a:p>
             <a:pPr lvl="4"/>
             <a:r>
-              <a:rPr lang="en-US" smtClean="0"/>
+              <a:rPr lang="en-US"/>
               <a:t>Fifth level</a:t>
             </a:r>
             <a:endParaRPr lang="en-GB"/>
@@ -1267,7 +1284,7 @@
             <a:fld id="{1D8BD707-D9CF-40AE-B4C6-C98DA3205C09}" type="datetimeFigureOut">
               <a:rPr lang="en-US" smtClean="0"/>
               <a:pPr/>
-              <a:t>1/29/2020</a:t>
+              <a:t>11/20/2020</a:t>
             </a:fld>
             <a:endParaRPr lang="en-US"/>
           </a:p>
@@ -1362,7 +1379,7 @@
           <a:lstStyle/>
           <a:p>
             <a:r>
-              <a:rPr lang="en-US" smtClean="0"/>
+              <a:rPr lang="en-US"/>
               <a:t>Click to edit Master title style</a:t>
             </a:r>
             <a:endParaRPr lang="en-GB"/>
@@ -1386,35 +1403,35 @@
           <a:p>
             <a:pPr lvl="0"/>
             <a:r>
-              <a:rPr lang="en-US" smtClean="0"/>
+              <a:rPr lang="en-US"/>
               <a:t>Click to edit Master text styles</a:t>
             </a:r>
           </a:p>
           <a:p>
             <a:pPr lvl="1"/>
             <a:r>
-              <a:rPr lang="en-US" smtClean="0"/>
+              <a:rPr lang="en-US"/>
               <a:t>Second level</a:t>
             </a:r>
           </a:p>
           <a:p>
             <a:pPr lvl="2"/>
             <a:r>
-              <a:rPr lang="en-US" smtClean="0"/>
+              <a:rPr lang="en-US"/>
               <a:t>Third level</a:t>
             </a:r>
           </a:p>
           <a:p>
             <a:pPr lvl="3"/>
             <a:r>
-              <a:rPr lang="en-US" smtClean="0"/>
+              <a:rPr lang="en-US"/>
               <a:t>Fourth level</a:t>
             </a:r>
           </a:p>
           <a:p>
             <a:pPr lvl="4"/>
             <a:r>
-              <a:rPr lang="en-US" smtClean="0"/>
+              <a:rPr lang="en-US"/>
               <a:t>Fifth level</a:t>
             </a:r>
             <a:endParaRPr lang="en-GB"/>
@@ -1439,7 +1456,7 @@
             <a:fld id="{1D8BD707-D9CF-40AE-B4C6-C98DA3205C09}" type="datetimeFigureOut">
               <a:rPr lang="en-US" smtClean="0"/>
               <a:pPr/>
-              <a:t>1/29/2020</a:t>
+              <a:t>11/20/2020</a:t>
             </a:fld>
             <a:endParaRPr lang="en-US"/>
           </a:p>
@@ -1543,7 +1560,7 @@
           </a:lstStyle>
           <a:p>
             <a:r>
-              <a:rPr lang="en-US" smtClean="0"/>
+              <a:rPr lang="en-US"/>
               <a:t>Click to edit Master title style</a:t>
             </a:r>
             <a:endParaRPr lang="en-GB"/>
@@ -1663,7 +1680,7 @@
           <a:p>
             <a:pPr lvl="0"/>
             <a:r>
-              <a:rPr lang="en-US" smtClean="0"/>
+              <a:rPr lang="en-US"/>
               <a:t>Click to edit Master text styles</a:t>
             </a:r>
           </a:p>
@@ -1687,7 +1704,7 @@
             <a:fld id="{1D8BD707-D9CF-40AE-B4C6-C98DA3205C09}" type="datetimeFigureOut">
               <a:rPr lang="en-US" smtClean="0"/>
               <a:pPr/>
-              <a:t>1/29/2020</a:t>
+              <a:t>11/20/2020</a:t>
             </a:fld>
             <a:endParaRPr lang="en-US"/>
           </a:p>
@@ -1782,7 +1799,7 @@
           <a:lstStyle/>
           <a:p>
             <a:r>
-              <a:rPr lang="en-US" smtClean="0"/>
+              <a:rPr lang="en-US"/>
               <a:t>Click to edit Master title style</a:t>
             </a:r>
             <a:endParaRPr lang="en-GB"/>
@@ -1839,35 +1856,35 @@
           <a:p>
             <a:pPr lvl="0"/>
             <a:r>
-              <a:rPr lang="en-US" smtClean="0"/>
+              <a:rPr lang="en-US"/>
               <a:t>Click to edit Master text styles</a:t>
             </a:r>
           </a:p>
           <a:p>
             <a:pPr lvl="1"/>
             <a:r>
-              <a:rPr lang="en-US" smtClean="0"/>
+              <a:rPr lang="en-US"/>
               <a:t>Second level</a:t>
             </a:r>
           </a:p>
           <a:p>
             <a:pPr lvl="2"/>
             <a:r>
-              <a:rPr lang="en-US" smtClean="0"/>
+              <a:rPr lang="en-US"/>
               <a:t>Third level</a:t>
             </a:r>
           </a:p>
           <a:p>
             <a:pPr lvl="3"/>
             <a:r>
-              <a:rPr lang="en-US" smtClean="0"/>
+              <a:rPr lang="en-US"/>
               <a:t>Fourth level</a:t>
             </a:r>
           </a:p>
           <a:p>
             <a:pPr lvl="4"/>
             <a:r>
-              <a:rPr lang="en-US" smtClean="0"/>
+              <a:rPr lang="en-US"/>
               <a:t>Fifth level</a:t>
             </a:r>
             <a:endParaRPr lang="en-GB"/>
@@ -1924,35 +1941,35 @@
           <a:p>
             <a:pPr lvl="0"/>
             <a:r>
-              <a:rPr lang="en-US" smtClean="0"/>
+              <a:rPr lang="en-US"/>
               <a:t>Click to edit Master text styles</a:t>
             </a:r>
           </a:p>
           <a:p>
             <a:pPr lvl="1"/>
             <a:r>
-              <a:rPr lang="en-US" smtClean="0"/>
+              <a:rPr lang="en-US"/>
               <a:t>Second level</a:t>
             </a:r>
           </a:p>
           <a:p>
             <a:pPr lvl="2"/>
             <a:r>
-              <a:rPr lang="en-US" smtClean="0"/>
+              <a:rPr lang="en-US"/>
               <a:t>Third level</a:t>
             </a:r>
           </a:p>
           <a:p>
             <a:pPr lvl="3"/>
             <a:r>
-              <a:rPr lang="en-US" smtClean="0"/>
+              <a:rPr lang="en-US"/>
               <a:t>Fourth level</a:t>
             </a:r>
           </a:p>
           <a:p>
             <a:pPr lvl="4"/>
             <a:r>
-              <a:rPr lang="en-US" smtClean="0"/>
+              <a:rPr lang="en-US"/>
               <a:t>Fifth level</a:t>
             </a:r>
             <a:endParaRPr lang="en-GB"/>
@@ -1977,7 +1994,7 @@
             <a:fld id="{1D8BD707-D9CF-40AE-B4C6-C98DA3205C09}" type="datetimeFigureOut">
               <a:rPr lang="en-US" smtClean="0"/>
               <a:pPr/>
-              <a:t>1/29/2020</a:t>
+              <a:t>11/20/2020</a:t>
             </a:fld>
             <a:endParaRPr lang="en-US"/>
           </a:p>
@@ -2076,7 +2093,7 @@
           </a:lstStyle>
           <a:p>
             <a:r>
-              <a:rPr lang="en-US" smtClean="0"/>
+              <a:rPr lang="en-US"/>
               <a:t>Click to edit Master title style</a:t>
             </a:r>
             <a:endParaRPr lang="en-GB"/>
@@ -2142,7 +2159,7 @@
           <a:p>
             <a:pPr lvl="0"/>
             <a:r>
-              <a:rPr lang="en-US" smtClean="0"/>
+              <a:rPr lang="en-US"/>
               <a:t>Click to edit Master text styles</a:t>
             </a:r>
           </a:p>
@@ -2198,35 +2215,35 @@
           <a:p>
             <a:pPr lvl="0"/>
             <a:r>
-              <a:rPr lang="en-US" smtClean="0"/>
+              <a:rPr lang="en-US"/>
               <a:t>Click to edit Master text styles</a:t>
             </a:r>
           </a:p>
           <a:p>
             <a:pPr lvl="1"/>
             <a:r>
-              <a:rPr lang="en-US" smtClean="0"/>
+              <a:rPr lang="en-US"/>
               <a:t>Second level</a:t>
             </a:r>
           </a:p>
           <a:p>
             <a:pPr lvl="2"/>
             <a:r>
-              <a:rPr lang="en-US" smtClean="0"/>
+              <a:rPr lang="en-US"/>
               <a:t>Third level</a:t>
             </a:r>
           </a:p>
           <a:p>
             <a:pPr lvl="3"/>
             <a:r>
-              <a:rPr lang="en-US" smtClean="0"/>
+              <a:rPr lang="en-US"/>
               <a:t>Fourth level</a:t>
             </a:r>
           </a:p>
           <a:p>
             <a:pPr lvl="4"/>
             <a:r>
-              <a:rPr lang="en-US" smtClean="0"/>
+              <a:rPr lang="en-US"/>
               <a:t>Fifth level</a:t>
             </a:r>
             <a:endParaRPr lang="en-GB"/>
@@ -2292,7 +2309,7 @@
           <a:p>
             <a:pPr lvl="0"/>
             <a:r>
-              <a:rPr lang="en-US" smtClean="0"/>
+              <a:rPr lang="en-US"/>
               <a:t>Click to edit Master text styles</a:t>
             </a:r>
           </a:p>
@@ -2348,35 +2365,35 @@
           <a:p>
             <a:pPr lvl="0"/>
             <a:r>
-              <a:rPr lang="en-US" smtClean="0"/>
+              <a:rPr lang="en-US"/>
               <a:t>Click to edit Master text styles</a:t>
             </a:r>
           </a:p>
           <a:p>
             <a:pPr lvl="1"/>
             <a:r>
-              <a:rPr lang="en-US" smtClean="0"/>
+              <a:rPr lang="en-US"/>
               <a:t>Second level</a:t>
             </a:r>
           </a:p>
           <a:p>
             <a:pPr lvl="2"/>
             <a:r>
-              <a:rPr lang="en-US" smtClean="0"/>
+              <a:rPr lang="en-US"/>
               <a:t>Third level</a:t>
             </a:r>
           </a:p>
           <a:p>
             <a:pPr lvl="3"/>
             <a:r>
-              <a:rPr lang="en-US" smtClean="0"/>
+              <a:rPr lang="en-US"/>
               <a:t>Fourth level</a:t>
             </a:r>
           </a:p>
           <a:p>
             <a:pPr lvl="4"/>
             <a:r>
-              <a:rPr lang="en-US" smtClean="0"/>
+              <a:rPr lang="en-US"/>
               <a:t>Fifth level</a:t>
             </a:r>
             <a:endParaRPr lang="en-GB"/>
@@ -2401,7 +2418,7 @@
             <a:fld id="{1D8BD707-D9CF-40AE-B4C6-C98DA3205C09}" type="datetimeFigureOut">
               <a:rPr lang="en-US" smtClean="0"/>
               <a:pPr/>
-              <a:t>1/29/2020</a:t>
+              <a:t>11/20/2020</a:t>
             </a:fld>
             <a:endParaRPr lang="en-US"/>
           </a:p>
@@ -2496,7 +2513,7 @@
           <a:lstStyle/>
           <a:p>
             <a:r>
-              <a:rPr lang="en-US" smtClean="0"/>
+              <a:rPr lang="en-US"/>
               <a:t>Click to edit Master title style</a:t>
             </a:r>
             <a:endParaRPr lang="en-GB"/>
@@ -2521,7 +2538,7 @@
             <a:fld id="{1D8BD707-D9CF-40AE-B4C6-C98DA3205C09}" type="datetimeFigureOut">
               <a:rPr lang="en-US" smtClean="0"/>
               <a:pPr/>
-              <a:t>1/29/2020</a:t>
+              <a:t>11/20/2020</a:t>
             </a:fld>
             <a:endParaRPr lang="en-US"/>
           </a:p>
@@ -2618,7 +2635,7 @@
             <a:fld id="{1D8BD707-D9CF-40AE-B4C6-C98DA3205C09}" type="datetimeFigureOut">
               <a:rPr lang="en-US" smtClean="0"/>
               <a:pPr/>
-              <a:t>1/29/2020</a:t>
+              <a:t>11/20/2020</a:t>
             </a:fld>
             <a:endParaRPr lang="en-US"/>
           </a:p>
@@ -2722,7 +2739,7 @@
           </a:lstStyle>
           <a:p>
             <a:r>
-              <a:rPr lang="en-US" smtClean="0"/>
+              <a:rPr lang="en-US"/>
               <a:t>Click to edit Master title style</a:t>
             </a:r>
             <a:endParaRPr lang="en-GB"/>
@@ -2779,35 +2796,35 @@
           <a:p>
             <a:pPr lvl="0"/>
             <a:r>
-              <a:rPr lang="en-US" smtClean="0"/>
+              <a:rPr lang="en-US"/>
               <a:t>Click to edit Master text styles</a:t>
             </a:r>
           </a:p>
           <a:p>
             <a:pPr lvl="1"/>
             <a:r>
-              <a:rPr lang="en-US" smtClean="0"/>
+              <a:rPr lang="en-US"/>
               <a:t>Second level</a:t>
             </a:r>
           </a:p>
           <a:p>
             <a:pPr lvl="2"/>
             <a:r>
-              <a:rPr lang="en-US" smtClean="0"/>
+              <a:rPr lang="en-US"/>
               <a:t>Third level</a:t>
             </a:r>
           </a:p>
           <a:p>
             <a:pPr lvl="3"/>
             <a:r>
-              <a:rPr lang="en-US" smtClean="0"/>
+              <a:rPr lang="en-US"/>
               <a:t>Fourth level</a:t>
             </a:r>
           </a:p>
           <a:p>
             <a:pPr lvl="4"/>
             <a:r>
-              <a:rPr lang="en-US" smtClean="0"/>
+              <a:rPr lang="en-US"/>
               <a:t>Fifth level</a:t>
             </a:r>
             <a:endParaRPr lang="en-GB"/>
@@ -2873,7 +2890,7 @@
           <a:p>
             <a:pPr lvl="0"/>
             <a:r>
-              <a:rPr lang="en-US" smtClean="0"/>
+              <a:rPr lang="en-US"/>
               <a:t>Click to edit Master text styles</a:t>
             </a:r>
           </a:p>
@@ -2897,7 +2914,7 @@
             <a:fld id="{1D8BD707-D9CF-40AE-B4C6-C98DA3205C09}" type="datetimeFigureOut">
               <a:rPr lang="en-US" smtClean="0"/>
               <a:pPr/>
-              <a:t>1/29/2020</a:t>
+              <a:t>11/20/2020</a:t>
             </a:fld>
             <a:endParaRPr lang="en-US"/>
           </a:p>
@@ -3001,7 +3018,7 @@
           </a:lstStyle>
           <a:p>
             <a:r>
-              <a:rPr lang="en-US" smtClean="0"/>
+              <a:rPr lang="en-US"/>
               <a:t>Click to edit Master title style</a:t>
             </a:r>
             <a:endParaRPr lang="en-GB"/>
@@ -3128,7 +3145,7 @@
           <a:p>
             <a:pPr lvl="0"/>
             <a:r>
-              <a:rPr lang="en-US" smtClean="0"/>
+              <a:rPr lang="en-US"/>
               <a:t>Click to edit Master text styles</a:t>
             </a:r>
           </a:p>
@@ -3152,7 +3169,7 @@
             <a:fld id="{1D8BD707-D9CF-40AE-B4C6-C98DA3205C09}" type="datetimeFigureOut">
               <a:rPr lang="en-US" smtClean="0"/>
               <a:pPr/>
-              <a:t>1/29/2020</a:t>
+              <a:t>11/20/2020</a:t>
             </a:fld>
             <a:endParaRPr lang="en-US"/>
           </a:p>
@@ -3262,7 +3279,7 @@
           <a:lstStyle/>
           <a:p>
             <a:r>
-              <a:rPr lang="en-US" smtClean="0"/>
+              <a:rPr lang="en-US"/>
               <a:t>Click to edit Master title style</a:t>
             </a:r>
             <a:endParaRPr lang="en-GB"/>
@@ -3296,35 +3313,35 @@
           <a:p>
             <a:pPr lvl="0"/>
             <a:r>
-              <a:rPr lang="en-US" smtClean="0"/>
+              <a:rPr lang="en-US"/>
               <a:t>Click to edit Master text styles</a:t>
             </a:r>
           </a:p>
           <a:p>
             <a:pPr lvl="1"/>
             <a:r>
-              <a:rPr lang="en-US" smtClean="0"/>
+              <a:rPr lang="en-US"/>
               <a:t>Second level</a:t>
             </a:r>
           </a:p>
           <a:p>
             <a:pPr lvl="2"/>
             <a:r>
-              <a:rPr lang="en-US" smtClean="0"/>
+              <a:rPr lang="en-US"/>
               <a:t>Third level</a:t>
             </a:r>
           </a:p>
           <a:p>
             <a:pPr lvl="3"/>
             <a:r>
-              <a:rPr lang="en-US" smtClean="0"/>
+              <a:rPr lang="en-US"/>
               <a:t>Fourth level</a:t>
             </a:r>
           </a:p>
           <a:p>
             <a:pPr lvl="4"/>
             <a:r>
-              <a:rPr lang="en-US" smtClean="0"/>
+              <a:rPr lang="en-US"/>
               <a:t>Fifth level</a:t>
             </a:r>
             <a:endParaRPr lang="en-GB"/>
@@ -3367,7 +3384,7 @@
             <a:fld id="{1D8BD707-D9CF-40AE-B4C6-C98DA3205C09}" type="datetimeFigureOut">
               <a:rPr lang="en-US" smtClean="0"/>
               <a:pPr/>
-              <a:t>1/29/2020</a:t>
+              <a:t>11/20/2020</a:t>
             </a:fld>
             <a:endParaRPr lang="en-US"/>
           </a:p>
@@ -3476,7 +3493,7 @@
           <a:p>
             <a:pPr algn="ctr"/>
             <a:r>
-              <a:rPr lang="en-GB" sz="1000" b="0" i="0" u="none" baseline="0" smtClean="0">
+              <a:rPr lang="en-GB" sz="1000" b="0" i="0" u="none" baseline="0">
                 <a:solidFill>
                   <a:srgbClr val="000000"/>
                 </a:solidFill>
@@ -3484,12 +3501,6 @@
               </a:rPr>
               <a:t> </a:t>
             </a:r>
-            <a:endParaRPr lang="en-GB" sz="1000" b="0" i="0" u="none" baseline="0">
-              <a:solidFill>
-                <a:srgbClr val="000000"/>
-              </a:solidFill>
-              <a:latin typeface="arial"/>
-            </a:endParaRPr>
           </a:p>
         </p:txBody>
       </p:sp>
@@ -3517,7 +3528,7 @@
           <a:p>
             <a:pPr algn="ctr"/>
             <a:r>
-              <a:rPr lang="en-GB" sz="1000" b="0" i="0" u="none" baseline="0" smtClean="0">
+              <a:rPr lang="en-GB" sz="1000" b="0" i="0" u="none" baseline="0">
                 <a:solidFill>
                   <a:srgbClr val="000000"/>
                 </a:solidFill>
@@ -3529,7 +3540,7 @@
           <a:p>
             <a:pPr algn="ctr"/>
             <a:r>
-              <a:rPr lang="en-GB" sz="1000" b="0" i="0" u="none" baseline="0" smtClean="0">
+              <a:rPr lang="en-GB" sz="1000" b="0" i="0" u="none" baseline="0">
                 <a:solidFill>
                   <a:srgbClr val="000000"/>
                 </a:solidFill>
@@ -3537,12 +3548,6 @@
               </a:rPr>
               <a:t> </a:t>
             </a:r>
-            <a:endParaRPr lang="en-GB" sz="1000" b="0" i="0" u="none" baseline="0">
-              <a:solidFill>
-                <a:srgbClr val="000000"/>
-              </a:solidFill>
-              <a:latin typeface="arial"/>
-            </a:endParaRPr>
           </a:p>
         </p:txBody>
       </p:sp>
@@ -3853,10 +3858,9 @@
           <a:lstStyle/>
           <a:p>
             <a:r>
-              <a:rPr lang="en-GB" dirty="0" smtClean="0"/>
+              <a:rPr lang="en-GB" dirty="0"/>
               <a:t>TTM Design</a:t>
             </a:r>
-            <a:endParaRPr lang="en-GB" dirty="0"/>
           </a:p>
         </p:txBody>
       </p:sp>
@@ -3906,10 +3910,9 @@
           <a:lstStyle/>
           <a:p>
             <a:r>
-              <a:rPr lang="en-GB" dirty="0" smtClean="0"/>
+              <a:rPr lang="en-GB" dirty="0"/>
               <a:t>Price(4)</a:t>
             </a:r>
-            <a:endParaRPr lang="en-GB" dirty="0"/>
           </a:p>
         </p:txBody>
       </p:sp>
@@ -3992,18 +3995,13 @@
           <a:p>
             <a:pPr algn="ctr"/>
             <a:r>
-              <a:rPr lang="en-GB" sz="1000" dirty="0" smtClean="0">
+              <a:rPr lang="en-GB" sz="1000" dirty="0">
                 <a:solidFill>
                   <a:schemeClr val="tx1"/>
                 </a:solidFill>
               </a:rPr>
               <a:t>Home</a:t>
             </a:r>
-            <a:endParaRPr lang="en-GB" sz="1000" dirty="0">
-              <a:solidFill>
-                <a:schemeClr val="tx1"/>
-              </a:solidFill>
-            </a:endParaRPr>
           </a:p>
         </p:txBody>
       </p:sp>
@@ -4045,18 +4043,13 @@
           <a:p>
             <a:pPr algn="ctr"/>
             <a:r>
-              <a:rPr lang="en-GB" sz="1000" dirty="0" smtClean="0">
+              <a:rPr lang="en-GB" sz="1000" dirty="0">
                 <a:solidFill>
                   <a:schemeClr val="tx1"/>
                 </a:solidFill>
               </a:rPr>
               <a:t>Our mission</a:t>
             </a:r>
-            <a:endParaRPr lang="en-GB" sz="1000" dirty="0">
-              <a:solidFill>
-                <a:schemeClr val="tx1"/>
-              </a:solidFill>
-            </a:endParaRPr>
           </a:p>
         </p:txBody>
       </p:sp>
@@ -4098,18 +4091,13 @@
           <a:p>
             <a:pPr algn="ctr"/>
             <a:r>
-              <a:rPr lang="en-GB" sz="1000" dirty="0" smtClean="0">
+              <a:rPr lang="en-GB" sz="1000" dirty="0">
                 <a:solidFill>
                   <a:schemeClr val="tx1"/>
                 </a:solidFill>
               </a:rPr>
               <a:t>Education</a:t>
             </a:r>
-            <a:endParaRPr lang="en-GB" sz="1000" dirty="0">
-              <a:solidFill>
-                <a:schemeClr val="tx1"/>
-              </a:solidFill>
-            </a:endParaRPr>
           </a:p>
         </p:txBody>
       </p:sp>
@@ -4151,18 +4139,13 @@
           <a:p>
             <a:pPr algn="ctr"/>
             <a:r>
-              <a:rPr lang="en-GB" sz="1000" dirty="0" smtClean="0">
+              <a:rPr lang="en-GB" sz="1000" dirty="0">
                 <a:solidFill>
                   <a:schemeClr val="tx1"/>
                 </a:solidFill>
               </a:rPr>
               <a:t>Price</a:t>
             </a:r>
-            <a:endParaRPr lang="en-GB" sz="1000" dirty="0">
-              <a:solidFill>
-                <a:schemeClr val="tx1"/>
-              </a:solidFill>
-            </a:endParaRPr>
           </a:p>
         </p:txBody>
       </p:sp>
@@ -4204,18 +4187,13 @@
           <a:p>
             <a:pPr algn="ctr"/>
             <a:r>
-              <a:rPr lang="en-GB" sz="1000" dirty="0" smtClean="0">
+              <a:rPr lang="en-GB" sz="1000" dirty="0">
                 <a:solidFill>
                   <a:schemeClr val="tx1"/>
                 </a:solidFill>
               </a:rPr>
               <a:t>Student Login</a:t>
             </a:r>
-            <a:endParaRPr lang="en-GB" sz="1000" dirty="0">
-              <a:solidFill>
-                <a:schemeClr val="tx1"/>
-              </a:solidFill>
-            </a:endParaRPr>
           </a:p>
         </p:txBody>
       </p:sp>
@@ -4257,18 +4235,13 @@
           <a:p>
             <a:pPr algn="ctr"/>
             <a:r>
-              <a:rPr lang="en-GB" sz="1000" dirty="0" smtClean="0">
+              <a:rPr lang="en-GB" sz="1000" dirty="0">
                 <a:solidFill>
                   <a:schemeClr val="tx1"/>
                 </a:solidFill>
               </a:rPr>
               <a:t>Mentor Login</a:t>
             </a:r>
-            <a:endParaRPr lang="en-GB" sz="1000" dirty="0">
-              <a:solidFill>
-                <a:schemeClr val="tx1"/>
-              </a:solidFill>
-            </a:endParaRPr>
           </a:p>
         </p:txBody>
       </p:sp>
@@ -4355,7 +4328,7 @@
           <a:p>
             <a:pPr algn="ctr"/>
             <a:r>
-              <a:rPr lang="en-GB" sz="1000" dirty="0" err="1" smtClean="0">
+              <a:rPr lang="en-GB" sz="1000" dirty="0" err="1">
                 <a:solidFill>
                   <a:schemeClr val="tx1"/>
                 </a:solidFill>
@@ -4363,18 +4336,13 @@
               <a:t>DeCom</a:t>
             </a:r>
             <a:r>
-              <a:rPr lang="en-GB" sz="1000" dirty="0" smtClean="0">
+              <a:rPr lang="en-GB" sz="1000" dirty="0">
                 <a:solidFill>
                   <a:schemeClr val="tx1"/>
                 </a:solidFill>
               </a:rPr>
               <a:t> Technology Ltd 2018 - 2019</a:t>
             </a:r>
-            <a:endParaRPr lang="en-GB" sz="1000" dirty="0">
-              <a:solidFill>
-                <a:schemeClr val="tx1"/>
-              </a:solidFill>
-            </a:endParaRPr>
           </a:p>
         </p:txBody>
       </p:sp>
@@ -4403,9 +4371,27 @@
                 <a:tableStyleId>{5C22544A-7EE6-4342-B048-85BDC9FD1C3A}</a:tableStyleId>
               </a:tblPr>
               <a:tblGrid>
-                <a:gridCol w="1524000"/>
-                <a:gridCol w="1524000"/>
-                <a:gridCol w="1524000"/>
+                <a:gridCol w="1524000">
+                  <a:extLst>
+                    <a:ext uri="{9D8B030D-6E8A-4147-A177-3AD203B41FA5}">
+                      <a16:colId xmlns:a16="http://schemas.microsoft.com/office/drawing/2014/main" val="20000"/>
+                    </a:ext>
+                  </a:extLst>
+                </a:gridCol>
+                <a:gridCol w="1524000">
+                  <a:extLst>
+                    <a:ext uri="{9D8B030D-6E8A-4147-A177-3AD203B41FA5}">
+                      <a16:colId xmlns:a16="http://schemas.microsoft.com/office/drawing/2014/main" val="20001"/>
+                    </a:ext>
+                  </a:extLst>
+                </a:gridCol>
+                <a:gridCol w="1524000">
+                  <a:extLst>
+                    <a:ext uri="{9D8B030D-6E8A-4147-A177-3AD203B41FA5}">
+                      <a16:colId xmlns:a16="http://schemas.microsoft.com/office/drawing/2014/main" val="20002"/>
+                    </a:ext>
+                  </a:extLst>
+                </a:gridCol>
               </a:tblGrid>
               <a:tr h="389467">
                 <a:tc>
@@ -4438,6 +4424,11 @@
                   </a:txBody>
                   <a:tcPr/>
                 </a:tc>
+                <a:extLst>
+                  <a:ext uri="{0D108BD9-81ED-4DB2-BD59-A6C34878D82A}">
+                    <a16:rowId xmlns:a16="http://schemas.microsoft.com/office/drawing/2014/main" val="10000"/>
+                  </a:ext>
+                </a:extLst>
               </a:tr>
               <a:tr h="389467">
                 <a:tc>
@@ -4446,10 +4437,9 @@
                     <a:lstStyle/>
                     <a:p>
                       <a:r>
-                        <a:rPr lang="en-GB" sz="1200" dirty="0" smtClean="0"/>
+                        <a:rPr lang="en-GB" sz="1200" dirty="0"/>
                         <a:t>One Month Demo</a:t>
                       </a:r>
-                      <a:endParaRPr lang="en-GB" sz="1200" dirty="0"/>
                     </a:p>
                   </a:txBody>
                   <a:tcPr/>
@@ -4470,14 +4460,18 @@
                     <a:lstStyle/>
                     <a:p>
                       <a:r>
-                        <a:rPr lang="en-GB" sz="1200" dirty="0" smtClean="0"/>
+                        <a:rPr lang="en-GB" sz="1200" dirty="0"/>
                         <a:t>Apply</a:t>
                       </a:r>
-                      <a:endParaRPr lang="en-GB" sz="1200" dirty="0"/>
                     </a:p>
                   </a:txBody>
                   <a:tcPr/>
                 </a:tc>
+                <a:extLst>
+                  <a:ext uri="{0D108BD9-81ED-4DB2-BD59-A6C34878D82A}">
+                    <a16:rowId xmlns:a16="http://schemas.microsoft.com/office/drawing/2014/main" val="10001"/>
+                  </a:ext>
+                </a:extLst>
               </a:tr>
               <a:tr h="389467">
                 <a:tc>
@@ -4486,11 +4480,11 @@
                     <a:lstStyle/>
                     <a:p>
                       <a:r>
-                        <a:rPr lang="en-GB" sz="1200" dirty="0" smtClean="0"/>
+                        <a:rPr lang="en-GB" sz="1200" dirty="0"/>
                         <a:t>One Year</a:t>
                       </a:r>
                       <a:r>
-                        <a:rPr lang="en-GB" sz="1200" baseline="0" dirty="0" smtClean="0"/>
+                        <a:rPr lang="en-GB" sz="1200" baseline="0" dirty="0"/>
                         <a:t> Math</a:t>
                       </a:r>
                       <a:endParaRPr lang="en-GB" sz="1200" dirty="0"/>
@@ -4518,6 +4512,11 @@
                   </a:txBody>
                   <a:tcPr/>
                 </a:tc>
+                <a:extLst>
+                  <a:ext uri="{0D108BD9-81ED-4DB2-BD59-A6C34878D82A}">
+                    <a16:rowId xmlns:a16="http://schemas.microsoft.com/office/drawing/2014/main" val="10002"/>
+                  </a:ext>
+                </a:extLst>
               </a:tr>
               <a:tr h="389467">
                 <a:tc>
@@ -4526,10 +4525,9 @@
                     <a:lstStyle/>
                     <a:p>
                       <a:r>
-                        <a:rPr lang="en-GB" sz="1200" dirty="0" smtClean="0"/>
+                        <a:rPr lang="en-GB" sz="1200" dirty="0"/>
                         <a:t>One Year English</a:t>
                       </a:r>
-                      <a:endParaRPr lang="en-GB" sz="1200" dirty="0"/>
                     </a:p>
                   </a:txBody>
                   <a:tcPr/>
@@ -4554,6 +4552,11 @@
                   </a:txBody>
                   <a:tcPr/>
                 </a:tc>
+                <a:extLst>
+                  <a:ext uri="{0D108BD9-81ED-4DB2-BD59-A6C34878D82A}">
+                    <a16:rowId xmlns:a16="http://schemas.microsoft.com/office/drawing/2014/main" val="10003"/>
+                  </a:ext>
+                </a:extLst>
               </a:tr>
               <a:tr h="389467">
                 <a:tc>
@@ -4562,7 +4565,7 @@
                     <a:lstStyle/>
                     <a:p>
                       <a:r>
-                        <a:rPr lang="en-GB" sz="1200" baseline="0" dirty="0" smtClean="0"/>
+                        <a:rPr lang="en-GB" sz="1200" baseline="0" dirty="0"/>
                         <a:t>Monthly subscribe</a:t>
                       </a:r>
                       <a:endParaRPr lang="en-GB" sz="1200" dirty="0"/>
@@ -4576,17 +4579,17 @@
                     <a:lstStyle/>
                     <a:p>
                       <a:r>
-                        <a:rPr lang="en-GB" sz="1200" dirty="0" smtClean="0"/>
+                        <a:rPr lang="en-GB" sz="1200" dirty="0"/>
                         <a:t>Cancel</a:t>
                       </a:r>
                       <a:r>
-                        <a:rPr lang="en-GB" sz="1200" baseline="0" dirty="0" smtClean="0"/>
+                        <a:rPr lang="en-GB" sz="1200" baseline="0" dirty="0"/>
                         <a:t> at anytime</a:t>
                       </a:r>
                     </a:p>
                     <a:p>
                       <a:r>
-                        <a:rPr lang="en-GB" sz="1200" baseline="0" dirty="0" smtClean="0"/>
+                        <a:rPr lang="en-GB" sz="1200" baseline="0" dirty="0"/>
                         <a:t>One Student</a:t>
                       </a:r>
                       <a:endParaRPr lang="en-GB" sz="1200" dirty="0"/>
@@ -4600,14 +4603,18 @@
                     <a:lstStyle/>
                     <a:p>
                       <a:r>
-                        <a:rPr lang="en-GB" sz="1200" dirty="0" smtClean="0"/>
+                        <a:rPr lang="en-GB" sz="1200" dirty="0"/>
                         <a:t>5.99 Buy</a:t>
                       </a:r>
-                      <a:endParaRPr lang="en-GB" sz="1200" dirty="0"/>
                     </a:p>
                   </a:txBody>
                   <a:tcPr/>
                 </a:tc>
+                <a:extLst>
+                  <a:ext uri="{0D108BD9-81ED-4DB2-BD59-A6C34878D82A}">
+                    <a16:rowId xmlns:a16="http://schemas.microsoft.com/office/drawing/2014/main" val="10004"/>
+                  </a:ext>
+                </a:extLst>
               </a:tr>
               <a:tr h="389467">
                 <a:tc>
@@ -4626,10 +4633,9 @@
                     <a:lstStyle/>
                     <a:p>
                       <a:r>
-                        <a:rPr lang="en-GB" sz="1200" dirty="0" smtClean="0"/>
+                        <a:rPr lang="en-GB" sz="1200" dirty="0"/>
                         <a:t>Any more students</a:t>
                       </a:r>
-                      <a:endParaRPr lang="en-GB" sz="1200" dirty="0"/>
                     </a:p>
                   </a:txBody>
                   <a:tcPr/>
@@ -4640,14 +4646,18 @@
                     <a:lstStyle/>
                     <a:p>
                       <a:r>
-                        <a:rPr lang="en-GB" sz="1200" dirty="0" smtClean="0"/>
+                        <a:rPr lang="en-GB" sz="1200" dirty="0"/>
                         <a:t>2.99</a:t>
                       </a:r>
-                      <a:endParaRPr lang="en-GB" sz="1200" dirty="0"/>
                     </a:p>
                   </a:txBody>
                   <a:tcPr/>
                 </a:tc>
+                <a:extLst>
+                  <a:ext uri="{0D108BD9-81ED-4DB2-BD59-A6C34878D82A}">
+                    <a16:rowId xmlns:a16="http://schemas.microsoft.com/office/drawing/2014/main" val="10005"/>
+                  </a:ext>
+                </a:extLst>
               </a:tr>
             </a:tbl>
           </a:graphicData>
@@ -4699,10 +4709,9 @@
           <a:lstStyle/>
           <a:p>
             <a:r>
-              <a:rPr lang="en-GB" dirty="0" smtClean="0"/>
+              <a:rPr lang="en-GB" dirty="0"/>
               <a:t>Student Home(5)</a:t>
             </a:r>
-            <a:endParaRPr lang="en-GB" dirty="0"/>
           </a:p>
         </p:txBody>
       </p:sp>
@@ -4785,18 +4794,13 @@
           <a:p>
             <a:pPr algn="ctr"/>
             <a:r>
-              <a:rPr lang="en-GB" sz="1000" dirty="0" smtClean="0">
+              <a:rPr lang="en-GB" sz="1000" dirty="0">
                 <a:solidFill>
                   <a:schemeClr val="tx1"/>
                 </a:solidFill>
               </a:rPr>
               <a:t>Home</a:t>
             </a:r>
-            <a:endParaRPr lang="en-GB" sz="1000" dirty="0">
-              <a:solidFill>
-                <a:schemeClr val="tx1"/>
-              </a:solidFill>
-            </a:endParaRPr>
           </a:p>
         </p:txBody>
       </p:sp>
@@ -4838,18 +4842,13 @@
           <a:p>
             <a:pPr algn="ctr"/>
             <a:r>
-              <a:rPr lang="en-GB" sz="1000" dirty="0" smtClean="0">
+              <a:rPr lang="en-GB" sz="1000" dirty="0">
                 <a:solidFill>
                   <a:schemeClr val="tx1"/>
                 </a:solidFill>
               </a:rPr>
               <a:t>Start Now</a:t>
             </a:r>
-            <a:endParaRPr lang="en-GB" sz="1000" dirty="0">
-              <a:solidFill>
-                <a:schemeClr val="tx1"/>
-              </a:solidFill>
-            </a:endParaRPr>
           </a:p>
         </p:txBody>
       </p:sp>
@@ -4891,18 +4890,13 @@
           <a:p>
             <a:pPr algn="ctr"/>
             <a:r>
-              <a:rPr lang="en-GB" sz="1000" dirty="0" smtClean="0">
+              <a:rPr lang="en-GB" sz="1000" dirty="0">
                 <a:solidFill>
                   <a:schemeClr val="tx1"/>
                 </a:solidFill>
               </a:rPr>
               <a:t>Math</a:t>
             </a:r>
-            <a:endParaRPr lang="en-GB" sz="1000" dirty="0">
-              <a:solidFill>
-                <a:schemeClr val="tx1"/>
-              </a:solidFill>
-            </a:endParaRPr>
           </a:p>
         </p:txBody>
       </p:sp>
@@ -4989,7 +4983,7 @@
           <a:p>
             <a:pPr algn="ctr"/>
             <a:r>
-              <a:rPr lang="en-GB" sz="1000" dirty="0" err="1" smtClean="0">
+              <a:rPr lang="en-GB" sz="1000" dirty="0" err="1">
                 <a:solidFill>
                   <a:schemeClr val="tx1"/>
                 </a:solidFill>
@@ -4997,18 +4991,13 @@
               <a:t>DeCom</a:t>
             </a:r>
             <a:r>
-              <a:rPr lang="en-GB" sz="1000" dirty="0" smtClean="0">
+              <a:rPr lang="en-GB" sz="1000" dirty="0">
                 <a:solidFill>
                   <a:schemeClr val="tx1"/>
                 </a:solidFill>
               </a:rPr>
               <a:t> Technology Ltd 2018 - 2019</a:t>
             </a:r>
-            <a:endParaRPr lang="en-GB" sz="1000" dirty="0">
-              <a:solidFill>
-                <a:schemeClr val="tx1"/>
-              </a:solidFill>
-            </a:endParaRPr>
           </a:p>
         </p:txBody>
       </p:sp>
@@ -5050,18 +5039,13 @@
           <a:p>
             <a:pPr algn="ctr"/>
             <a:r>
-              <a:rPr lang="en-GB" sz="1000" dirty="0" smtClean="0">
+              <a:rPr lang="en-GB" sz="1000" dirty="0">
                 <a:solidFill>
                   <a:schemeClr val="tx1"/>
                 </a:solidFill>
               </a:rPr>
               <a:t>English</a:t>
             </a:r>
-            <a:endParaRPr lang="en-GB" sz="1000" dirty="0">
-              <a:solidFill>
-                <a:schemeClr val="tx1"/>
-              </a:solidFill>
-            </a:endParaRPr>
           </a:p>
         </p:txBody>
       </p:sp>
@@ -5103,7 +5087,7 @@
           <a:p>
             <a:pPr algn="ctr"/>
             <a:r>
-              <a:rPr lang="en-GB" sz="1000" dirty="0" err="1" smtClean="0">
+              <a:rPr lang="en-GB" sz="1000" dirty="0" err="1">
                 <a:solidFill>
                   <a:schemeClr val="tx1"/>
                 </a:solidFill>
@@ -5156,18 +5140,13 @@
           <a:p>
             <a:pPr algn="ctr"/>
             <a:r>
-              <a:rPr lang="en-GB" sz="1000" dirty="0" smtClean="0">
+              <a:rPr lang="en-GB" sz="1000" dirty="0">
                 <a:solidFill>
                   <a:schemeClr val="tx1"/>
                 </a:solidFill>
               </a:rPr>
               <a:t>Current status</a:t>
             </a:r>
-            <a:endParaRPr lang="en-GB" sz="1000" dirty="0">
-              <a:solidFill>
-                <a:schemeClr val="tx1"/>
-              </a:solidFill>
-            </a:endParaRPr>
           </a:p>
         </p:txBody>
       </p:sp>
@@ -5196,9 +5175,27 @@
                 <a:tableStyleId>{5C22544A-7EE6-4342-B048-85BDC9FD1C3A}</a:tableStyleId>
               </a:tblPr>
               <a:tblGrid>
-                <a:gridCol w="1524000"/>
-                <a:gridCol w="1524000"/>
-                <a:gridCol w="1524000"/>
+                <a:gridCol w="1524000">
+                  <a:extLst>
+                    <a:ext uri="{9D8B030D-6E8A-4147-A177-3AD203B41FA5}">
+                      <a16:colId xmlns:a16="http://schemas.microsoft.com/office/drawing/2014/main" val="20000"/>
+                    </a:ext>
+                  </a:extLst>
+                </a:gridCol>
+                <a:gridCol w="1524000">
+                  <a:extLst>
+                    <a:ext uri="{9D8B030D-6E8A-4147-A177-3AD203B41FA5}">
+                      <a16:colId xmlns:a16="http://schemas.microsoft.com/office/drawing/2014/main" val="20001"/>
+                    </a:ext>
+                  </a:extLst>
+                </a:gridCol>
+                <a:gridCol w="1524000">
+                  <a:extLst>
+                    <a:ext uri="{9D8B030D-6E8A-4147-A177-3AD203B41FA5}">
+                      <a16:colId xmlns:a16="http://schemas.microsoft.com/office/drawing/2014/main" val="20002"/>
+                    </a:ext>
+                  </a:extLst>
+                </a:gridCol>
               </a:tblGrid>
               <a:tr h="389467">
                 <a:tc>
@@ -5231,6 +5228,11 @@
                   </a:txBody>
                   <a:tcPr/>
                 </a:tc>
+                <a:extLst>
+                  <a:ext uri="{0D108BD9-81ED-4DB2-BD59-A6C34878D82A}">
+                    <a16:rowId xmlns:a16="http://schemas.microsoft.com/office/drawing/2014/main" val="10000"/>
+                  </a:ext>
+                </a:extLst>
               </a:tr>
               <a:tr h="389467">
                 <a:tc>
@@ -5239,10 +5241,9 @@
                     <a:lstStyle/>
                     <a:p>
                       <a:r>
-                        <a:rPr lang="en-GB" sz="1200" dirty="0" smtClean="0"/>
+                        <a:rPr lang="en-GB" sz="1200" dirty="0"/>
                         <a:t>Date 1</a:t>
                       </a:r>
-                      <a:endParaRPr lang="en-GB" sz="1200" dirty="0"/>
                     </a:p>
                   </a:txBody>
                   <a:tcPr/>
@@ -5253,10 +5254,9 @@
                     <a:lstStyle/>
                     <a:p>
                       <a:r>
-                        <a:rPr lang="en-GB" sz="1200" dirty="0" smtClean="0"/>
+                        <a:rPr lang="en-GB" sz="1200" dirty="0"/>
                         <a:t>Topic</a:t>
                       </a:r>
-                      <a:endParaRPr lang="en-GB" sz="1200" dirty="0"/>
                     </a:p>
                   </a:txBody>
                   <a:tcPr/>
@@ -5267,14 +5267,18 @@
                     <a:lstStyle/>
                     <a:p>
                       <a:r>
-                        <a:rPr lang="en-GB" sz="1200" dirty="0" smtClean="0"/>
+                        <a:rPr lang="en-GB" sz="1200" dirty="0"/>
                         <a:t>Results</a:t>
                       </a:r>
-                      <a:endParaRPr lang="en-GB" sz="1200" dirty="0"/>
                     </a:p>
                   </a:txBody>
                   <a:tcPr/>
                 </a:tc>
+                <a:extLst>
+                  <a:ext uri="{0D108BD9-81ED-4DB2-BD59-A6C34878D82A}">
+                    <a16:rowId xmlns:a16="http://schemas.microsoft.com/office/drawing/2014/main" val="10001"/>
+                  </a:ext>
+                </a:extLst>
               </a:tr>
               <a:tr h="389467">
                 <a:tc>
@@ -5283,10 +5287,9 @@
                     <a:lstStyle/>
                     <a:p>
                       <a:r>
-                        <a:rPr lang="en-GB" sz="1200" dirty="0" smtClean="0"/>
+                        <a:rPr lang="en-GB" sz="1200" dirty="0"/>
                         <a:t>Date 2</a:t>
                       </a:r>
-                      <a:endParaRPr lang="en-GB" sz="1200" dirty="0"/>
                     </a:p>
                   </a:txBody>
                   <a:tcPr/>
@@ -5297,10 +5300,9 @@
                     <a:lstStyle/>
                     <a:p>
                       <a:r>
-                        <a:rPr lang="en-GB" sz="1200" dirty="0" smtClean="0"/>
+                        <a:rPr lang="en-GB" sz="1200" dirty="0"/>
                         <a:t>Topic</a:t>
                       </a:r>
-                      <a:endParaRPr lang="en-GB" sz="1200" dirty="0"/>
                     </a:p>
                   </a:txBody>
                   <a:tcPr/>
@@ -5311,14 +5313,18 @@
                     <a:lstStyle/>
                     <a:p>
                       <a:r>
-                        <a:rPr lang="en-GB" sz="1200" dirty="0" smtClean="0"/>
+                        <a:rPr lang="en-GB" sz="1200" dirty="0"/>
                         <a:t>Results</a:t>
                       </a:r>
-                      <a:endParaRPr lang="en-GB" sz="1200" dirty="0"/>
                     </a:p>
                   </a:txBody>
                   <a:tcPr/>
                 </a:tc>
+                <a:extLst>
+                  <a:ext uri="{0D108BD9-81ED-4DB2-BD59-A6C34878D82A}">
+                    <a16:rowId xmlns:a16="http://schemas.microsoft.com/office/drawing/2014/main" val="10002"/>
+                  </a:ext>
+                </a:extLst>
               </a:tr>
               <a:tr h="389467">
                 <a:tc>
@@ -5327,10 +5333,9 @@
                     <a:lstStyle/>
                     <a:p>
                       <a:r>
-                        <a:rPr lang="en-GB" sz="1200" dirty="0" smtClean="0"/>
+                        <a:rPr lang="en-GB" sz="1200" dirty="0"/>
                         <a:t>Date 3</a:t>
                       </a:r>
-                      <a:endParaRPr lang="en-GB" sz="1200" dirty="0"/>
                     </a:p>
                   </a:txBody>
                   <a:tcPr/>
@@ -5341,10 +5346,9 @@
                     <a:lstStyle/>
                     <a:p>
                       <a:r>
-                        <a:rPr lang="en-GB" sz="1200" dirty="0" smtClean="0"/>
+                        <a:rPr lang="en-GB" sz="1200" dirty="0"/>
                         <a:t>Topic</a:t>
                       </a:r>
-                      <a:endParaRPr lang="en-GB" sz="1200" dirty="0"/>
                     </a:p>
                   </a:txBody>
                   <a:tcPr/>
@@ -5355,14 +5359,18 @@
                     <a:lstStyle/>
                     <a:p>
                       <a:r>
-                        <a:rPr lang="en-GB" sz="1200" dirty="0" smtClean="0"/>
+                        <a:rPr lang="en-GB" sz="1200" dirty="0"/>
                         <a:t>Results</a:t>
                       </a:r>
-                      <a:endParaRPr lang="en-GB" sz="1200" dirty="0"/>
                     </a:p>
                   </a:txBody>
                   <a:tcPr/>
                 </a:tc>
+                <a:extLst>
+                  <a:ext uri="{0D108BD9-81ED-4DB2-BD59-A6C34878D82A}">
+                    <a16:rowId xmlns:a16="http://schemas.microsoft.com/office/drawing/2014/main" val="10003"/>
+                  </a:ext>
+                </a:extLst>
               </a:tr>
             </a:tbl>
           </a:graphicData>
@@ -5414,10 +5422,9 @@
           <a:lstStyle/>
           <a:p>
             <a:r>
-              <a:rPr lang="en-GB" dirty="0" smtClean="0"/>
+              <a:rPr lang="en-GB" dirty="0"/>
               <a:t>Student Study(6)</a:t>
             </a:r>
-            <a:endParaRPr lang="en-GB" dirty="0"/>
           </a:p>
         </p:txBody>
       </p:sp>
@@ -5500,18 +5507,13 @@
           <a:p>
             <a:pPr algn="ctr"/>
             <a:r>
-              <a:rPr lang="en-GB" sz="1000" dirty="0" smtClean="0">
+              <a:rPr lang="en-GB" sz="1000" dirty="0">
                 <a:solidFill>
                   <a:schemeClr val="tx1"/>
                 </a:solidFill>
               </a:rPr>
               <a:t>Question</a:t>
             </a:r>
-            <a:endParaRPr lang="en-GB" sz="1000" dirty="0">
-              <a:solidFill>
-                <a:schemeClr val="tx1"/>
-              </a:solidFill>
-            </a:endParaRPr>
           </a:p>
         </p:txBody>
       </p:sp>
@@ -5598,18 +5600,13 @@
           <a:p>
             <a:pPr algn="ctr"/>
             <a:r>
-              <a:rPr lang="en-GB" sz="1000" dirty="0" smtClean="0">
+              <a:rPr lang="en-GB" sz="1000" dirty="0">
                 <a:solidFill>
                   <a:schemeClr val="tx1"/>
                 </a:solidFill>
               </a:rPr>
               <a:t>Answer</a:t>
             </a:r>
-            <a:endParaRPr lang="en-GB" sz="1000" dirty="0">
-              <a:solidFill>
-                <a:schemeClr val="tx1"/>
-              </a:solidFill>
-            </a:endParaRPr>
           </a:p>
         </p:txBody>
       </p:sp>
@@ -5651,18 +5648,13 @@
           <a:p>
             <a:pPr algn="ctr"/>
             <a:r>
-              <a:rPr lang="en-GB" sz="1000" dirty="0" smtClean="0">
+              <a:rPr lang="en-GB" sz="1000" dirty="0">
                 <a:solidFill>
                   <a:schemeClr val="tx1"/>
                 </a:solidFill>
               </a:rPr>
               <a:t>Score</a:t>
             </a:r>
-            <a:endParaRPr lang="en-GB" sz="1000" dirty="0">
-              <a:solidFill>
-                <a:schemeClr val="tx1"/>
-              </a:solidFill>
-            </a:endParaRPr>
           </a:p>
         </p:txBody>
       </p:sp>
@@ -5704,18 +5696,13 @@
           <a:p>
             <a:pPr algn="ctr"/>
             <a:r>
-              <a:rPr lang="en-GB" sz="1000" dirty="0" smtClean="0">
+              <a:rPr lang="en-GB" sz="1000" dirty="0">
                 <a:solidFill>
                   <a:schemeClr val="tx1"/>
                 </a:solidFill>
               </a:rPr>
               <a:t>Finish</a:t>
             </a:r>
-            <a:endParaRPr lang="en-GB" sz="1000" dirty="0">
-              <a:solidFill>
-                <a:schemeClr val="tx1"/>
-              </a:solidFill>
-            </a:endParaRPr>
           </a:p>
         </p:txBody>
       </p:sp>
@@ -5757,18 +5744,13 @@
           <a:p>
             <a:pPr algn="ctr"/>
             <a:r>
-              <a:rPr lang="en-GB" sz="1000" dirty="0" smtClean="0">
+              <a:rPr lang="en-GB" sz="1000" dirty="0">
                 <a:solidFill>
                   <a:schemeClr val="tx1"/>
                 </a:solidFill>
               </a:rPr>
               <a:t>Timer</a:t>
             </a:r>
-            <a:endParaRPr lang="en-GB" sz="1000" dirty="0">
-              <a:solidFill>
-                <a:schemeClr val="tx1"/>
-              </a:solidFill>
-            </a:endParaRPr>
           </a:p>
         </p:txBody>
       </p:sp>
@@ -5818,10 +5800,9 @@
           <a:lstStyle/>
           <a:p>
             <a:r>
-              <a:rPr lang="en-GB" dirty="0" smtClean="0"/>
+              <a:rPr lang="en-GB" dirty="0"/>
               <a:t>Mentor Home (7)</a:t>
             </a:r>
-            <a:endParaRPr lang="en-GB" dirty="0"/>
           </a:p>
         </p:txBody>
       </p:sp>
@@ -5904,18 +5885,13 @@
           <a:p>
             <a:pPr algn="ctr"/>
             <a:r>
-              <a:rPr lang="en-GB" sz="1000" dirty="0" smtClean="0">
+              <a:rPr lang="en-GB" sz="1000" dirty="0">
                 <a:solidFill>
                   <a:schemeClr val="tx1"/>
                 </a:solidFill>
               </a:rPr>
               <a:t>Home</a:t>
             </a:r>
-            <a:endParaRPr lang="en-GB" sz="1000" dirty="0">
-              <a:solidFill>
-                <a:schemeClr val="tx1"/>
-              </a:solidFill>
-            </a:endParaRPr>
           </a:p>
         </p:txBody>
       </p:sp>
@@ -6002,7 +5978,7 @@
           <a:p>
             <a:pPr algn="ctr"/>
             <a:r>
-              <a:rPr lang="en-GB" sz="1000" dirty="0" err="1" smtClean="0">
+              <a:rPr lang="en-GB" sz="1000" dirty="0" err="1">
                 <a:solidFill>
                   <a:schemeClr val="tx1"/>
                 </a:solidFill>
@@ -6010,18 +5986,13 @@
               <a:t>DeCom</a:t>
             </a:r>
             <a:r>
-              <a:rPr lang="en-GB" sz="1000" dirty="0" smtClean="0">
+              <a:rPr lang="en-GB" sz="1000" dirty="0">
                 <a:solidFill>
                   <a:schemeClr val="tx1"/>
                 </a:solidFill>
               </a:rPr>
               <a:t> Technology Ltd 2018 - 2019</a:t>
             </a:r>
-            <a:endParaRPr lang="en-GB" sz="1000" dirty="0">
-              <a:solidFill>
-                <a:schemeClr val="tx1"/>
-              </a:solidFill>
-            </a:endParaRPr>
           </a:p>
         </p:txBody>
       </p:sp>
@@ -6063,18 +6034,13 @@
           <a:p>
             <a:pPr algn="ctr"/>
             <a:r>
-              <a:rPr lang="en-GB" sz="1000" dirty="0" smtClean="0">
+              <a:rPr lang="en-GB" sz="1000" dirty="0">
                 <a:solidFill>
                   <a:schemeClr val="tx1"/>
                 </a:solidFill>
               </a:rPr>
               <a:t>Math</a:t>
             </a:r>
-            <a:endParaRPr lang="en-GB" sz="1000" dirty="0">
-              <a:solidFill>
-                <a:schemeClr val="tx1"/>
-              </a:solidFill>
-            </a:endParaRPr>
           </a:p>
         </p:txBody>
       </p:sp>
@@ -6116,18 +6082,13 @@
           <a:p>
             <a:pPr algn="ctr"/>
             <a:r>
-              <a:rPr lang="en-GB" sz="1000" dirty="0" smtClean="0">
+              <a:rPr lang="en-GB" sz="1000" dirty="0">
                 <a:solidFill>
                   <a:schemeClr val="tx1"/>
                 </a:solidFill>
               </a:rPr>
               <a:t>English</a:t>
             </a:r>
-            <a:endParaRPr lang="en-GB" sz="1000" dirty="0">
-              <a:solidFill>
-                <a:schemeClr val="tx1"/>
-              </a:solidFill>
-            </a:endParaRPr>
           </a:p>
         </p:txBody>
       </p:sp>
@@ -6169,18 +6130,13 @@
           <a:p>
             <a:pPr algn="ctr"/>
             <a:r>
-              <a:rPr lang="en-GB" sz="1000" dirty="0" smtClean="0">
+              <a:rPr lang="en-GB" sz="1000" dirty="0">
                 <a:solidFill>
                   <a:schemeClr val="tx1"/>
                 </a:solidFill>
               </a:rPr>
               <a:t>Student 1</a:t>
             </a:r>
-            <a:endParaRPr lang="en-GB" sz="1000" dirty="0">
-              <a:solidFill>
-                <a:schemeClr val="tx1"/>
-              </a:solidFill>
-            </a:endParaRPr>
           </a:p>
         </p:txBody>
       </p:sp>
@@ -6222,18 +6178,13 @@
           <a:p>
             <a:pPr algn="ctr"/>
             <a:r>
-              <a:rPr lang="en-GB" sz="1000" dirty="0" smtClean="0">
+              <a:rPr lang="en-GB" sz="1000" dirty="0">
                 <a:solidFill>
                   <a:schemeClr val="tx1"/>
                 </a:solidFill>
               </a:rPr>
               <a:t>Student 2</a:t>
             </a:r>
-            <a:endParaRPr lang="en-GB" sz="1000" dirty="0">
-              <a:solidFill>
-                <a:schemeClr val="tx1"/>
-              </a:solidFill>
-            </a:endParaRPr>
           </a:p>
         </p:txBody>
       </p:sp>
@@ -6275,18 +6226,13 @@
           <a:p>
             <a:pPr algn="ctr"/>
             <a:r>
-              <a:rPr lang="en-GB" sz="1000" dirty="0" smtClean="0">
+              <a:rPr lang="en-GB" sz="1000" dirty="0">
                 <a:solidFill>
                   <a:schemeClr val="tx1"/>
                 </a:solidFill>
               </a:rPr>
               <a:t>Student 3</a:t>
             </a:r>
-            <a:endParaRPr lang="en-GB" sz="1000" dirty="0">
-              <a:solidFill>
-                <a:schemeClr val="tx1"/>
-              </a:solidFill>
-            </a:endParaRPr>
           </a:p>
         </p:txBody>
       </p:sp>
@@ -6328,18 +6274,13 @@
           <a:p>
             <a:pPr algn="ctr"/>
             <a:r>
-              <a:rPr lang="en-GB" sz="1000" dirty="0" smtClean="0">
+              <a:rPr lang="en-GB" sz="1000" dirty="0">
                 <a:solidFill>
                   <a:schemeClr val="tx1"/>
                 </a:solidFill>
               </a:rPr>
               <a:t>Setting</a:t>
             </a:r>
-            <a:endParaRPr lang="en-GB" sz="1000" dirty="0">
-              <a:solidFill>
-                <a:schemeClr val="tx1"/>
-              </a:solidFill>
-            </a:endParaRPr>
           </a:p>
         </p:txBody>
       </p:sp>
@@ -6425,18 +6366,13 @@
           <a:p>
             <a:pPr algn="ctr"/>
             <a:r>
-              <a:rPr lang="en-GB" sz="1000" dirty="0" smtClean="0">
+              <a:rPr lang="en-GB" sz="1000" dirty="0">
                 <a:solidFill>
                   <a:schemeClr val="tx1"/>
                 </a:solidFill>
               </a:rPr>
               <a:t>Assignment</a:t>
             </a:r>
-            <a:endParaRPr lang="en-GB" sz="1000" dirty="0">
-              <a:solidFill>
-                <a:schemeClr val="tx1"/>
-              </a:solidFill>
-            </a:endParaRPr>
           </a:p>
         </p:txBody>
       </p:sp>
@@ -6478,18 +6414,13 @@
           <a:p>
             <a:pPr algn="ctr"/>
             <a:r>
-              <a:rPr lang="en-GB" sz="1000" dirty="0" smtClean="0">
+              <a:rPr lang="en-GB" sz="1000" dirty="0">
                 <a:solidFill>
                   <a:schemeClr val="tx1"/>
                 </a:solidFill>
               </a:rPr>
               <a:t>Time</a:t>
             </a:r>
-            <a:endParaRPr lang="en-GB" sz="1000" dirty="0">
-              <a:solidFill>
-                <a:schemeClr val="tx1"/>
-              </a:solidFill>
-            </a:endParaRPr>
           </a:p>
         </p:txBody>
       </p:sp>
@@ -6541,42 +6472,33 @@
           <a:lstStyle/>
           <a:p>
             <a:r>
-              <a:rPr lang="en-GB" sz="2400" dirty="0" smtClean="0"/>
+              <a:rPr lang="en-GB" sz="2400" dirty="0"/>
               <a:t>1. Keep doing the work until the progress bar to the 100%</a:t>
             </a:r>
           </a:p>
           <a:p>
             <a:r>
-              <a:rPr lang="en-GB" sz="2400" dirty="0" smtClean="0"/>
-              <a:t>2. </a:t>
-            </a:r>
-            <a:r>
               <a:rPr lang="en-GB" sz="2400" dirty="0"/>
-              <a:t>If percentage of all assignments above 90 %, you got a sticker</a:t>
-            </a:r>
-            <a:r>
-              <a:rPr lang="en-GB" sz="2400" dirty="0" smtClean="0"/>
-              <a:t>!</a:t>
-            </a:r>
-          </a:p>
-          <a:p>
-            <a:r>
-              <a:rPr lang="en-GB" sz="2400" dirty="0" smtClean="0"/>
+              <a:t>2. If percentage of all assignments above 90 %, you got a sticker!</a:t>
+            </a:r>
+          </a:p>
+          <a:p>
+            <a:r>
+              <a:rPr lang="en-GB" sz="2400" dirty="0"/>
               <a:t>3. When Sticker Chart full, you got a STAR</a:t>
             </a:r>
           </a:p>
           <a:p>
             <a:r>
-              <a:rPr lang="en-GB" sz="2400" dirty="0" smtClean="0"/>
+              <a:rPr lang="en-GB" sz="2400" dirty="0"/>
               <a:t>4. When you got a STAR, you could use it to exchange a gift</a:t>
             </a:r>
           </a:p>
           <a:p>
             <a:r>
-              <a:rPr lang="en-GB" sz="2400" dirty="0" smtClean="0"/>
+              <a:rPr lang="en-GB" sz="2400" dirty="0"/>
               <a:t>5. If there is anything wrong during you work or you think question or answer not correct, please press “Report Error” button.</a:t>
             </a:r>
-            <a:endParaRPr lang="en-GB" sz="2400" dirty="0"/>
           </a:p>
         </p:txBody>
       </p:sp>
@@ -6633,70 +6555,69 @@
           <a:lstStyle/>
           <a:p>
             <a:r>
-              <a:rPr lang="en-GB" sz="2400" dirty="0" smtClean="0"/>
+              <a:rPr lang="en-GB" sz="2400" dirty="0"/>
               <a:t>We have more than 100k questions in the bank so far</a:t>
             </a:r>
           </a:p>
           <a:p>
             <a:r>
-              <a:rPr lang="en-GB" sz="2400" dirty="0" smtClean="0"/>
+              <a:rPr lang="en-GB" sz="2400" dirty="0"/>
               <a:t>We will fully cover the curriculum of KS1 and KS2</a:t>
             </a:r>
           </a:p>
           <a:p>
             <a:r>
-              <a:rPr lang="en-GB" sz="2400" dirty="0" smtClean="0"/>
+              <a:rPr lang="en-GB" sz="2400" dirty="0"/>
               <a:t>The powerful AI looks after the pupil:</a:t>
             </a:r>
           </a:p>
           <a:p>
             <a:pPr lvl="1"/>
             <a:r>
-              <a:rPr lang="en-GB" sz="2000" dirty="0" smtClean="0"/>
+              <a:rPr lang="en-GB" sz="2000" dirty="0"/>
               <a:t>It evaluation each practice paper</a:t>
             </a:r>
           </a:p>
           <a:p>
             <a:pPr lvl="1"/>
             <a:r>
-              <a:rPr lang="en-GB" sz="2000" dirty="0" smtClean="0"/>
+              <a:rPr lang="en-GB" sz="2000" dirty="0"/>
               <a:t>It traces the progress of the study</a:t>
             </a:r>
           </a:p>
           <a:p>
             <a:pPr lvl="1"/>
             <a:r>
-              <a:rPr lang="en-GB" sz="2000" dirty="0" smtClean="0"/>
+              <a:rPr lang="en-GB" sz="2000" dirty="0"/>
               <a:t>It assigns the proper assignment for pupil depends on his level</a:t>
             </a:r>
           </a:p>
           <a:p>
             <a:pPr lvl="1"/>
             <a:r>
-              <a:rPr lang="en-GB" sz="2000" dirty="0" smtClean="0"/>
+              <a:rPr lang="en-GB" sz="2000" dirty="0"/>
               <a:t>It set up revise plan to solid the knowledge</a:t>
             </a:r>
           </a:p>
           <a:p>
             <a:pPr lvl="1"/>
             <a:r>
-              <a:rPr lang="en-GB" sz="2000" dirty="0" smtClean="0"/>
+              <a:rPr lang="en-GB" sz="2000" dirty="0"/>
               <a:t>It manage the learning curve to  make it efficient for everyone</a:t>
             </a:r>
           </a:p>
           <a:p>
             <a:pPr lvl="1"/>
             <a:r>
-              <a:rPr lang="en-GB" sz="2000" dirty="0" smtClean="0"/>
+              <a:rPr lang="en-GB" sz="2000" dirty="0"/>
               <a:t>It logs all the practice result for review and statistics</a:t>
             </a:r>
           </a:p>
           <a:p>
             <a:r>
-              <a:rPr lang="en-GB" sz="2400" dirty="0" smtClean="0"/>
+              <a:rPr lang="en-GB" sz="2400" dirty="0"/>
               <a:t>Each assignment was designed to be complete within 10 minutes</a:t>
             </a:r>
-            <a:endParaRPr lang="en-GB" sz="2400" dirty="0"/>
           </a:p>
         </p:txBody>
       </p:sp>
@@ -6746,10 +6667,9 @@
           <a:lstStyle/>
           <a:p>
             <a:r>
-              <a:rPr lang="en-GB" dirty="0" smtClean="0"/>
+              <a:rPr lang="en-GB" dirty="0"/>
               <a:t>Run Task</a:t>
             </a:r>
-            <a:endParaRPr lang="en-GB" dirty="0"/>
           </a:p>
         </p:txBody>
       </p:sp>
@@ -6877,18 +6797,13 @@
           <a:p>
             <a:pPr algn="ctr"/>
             <a:r>
-              <a:rPr lang="en-GB" sz="1000" dirty="0" smtClean="0">
+              <a:rPr lang="en-GB" sz="1000" dirty="0">
                 <a:solidFill>
                   <a:schemeClr val="tx1"/>
                 </a:solidFill>
               </a:rPr>
               <a:t>Answer</a:t>
             </a:r>
-            <a:endParaRPr lang="en-GB" sz="1000" dirty="0">
-              <a:solidFill>
-                <a:schemeClr val="tx1"/>
-              </a:solidFill>
-            </a:endParaRPr>
           </a:p>
         </p:txBody>
       </p:sp>
@@ -6930,18 +6845,13 @@
           <a:p>
             <a:pPr algn="ctr"/>
             <a:r>
-              <a:rPr lang="en-GB" sz="1000" dirty="0" smtClean="0">
+              <a:rPr lang="en-GB" sz="1000" dirty="0">
                 <a:solidFill>
                   <a:schemeClr val="tx1"/>
                 </a:solidFill>
               </a:rPr>
               <a:t>Score</a:t>
             </a:r>
-            <a:endParaRPr lang="en-GB" sz="1000" dirty="0">
-              <a:solidFill>
-                <a:schemeClr val="tx1"/>
-              </a:solidFill>
-            </a:endParaRPr>
           </a:p>
         </p:txBody>
       </p:sp>
@@ -6983,18 +6893,13 @@
           <a:p>
             <a:pPr algn="ctr"/>
             <a:r>
-              <a:rPr lang="en-GB" sz="1000" dirty="0" smtClean="0">
+              <a:rPr lang="en-GB" sz="1000" dirty="0">
                 <a:solidFill>
                   <a:schemeClr val="tx1"/>
                 </a:solidFill>
               </a:rPr>
               <a:t>Finish</a:t>
             </a:r>
-            <a:endParaRPr lang="en-GB" sz="1000" dirty="0">
-              <a:solidFill>
-                <a:schemeClr val="tx1"/>
-              </a:solidFill>
-            </a:endParaRPr>
           </a:p>
         </p:txBody>
       </p:sp>
@@ -7036,18 +6941,13 @@
           <a:p>
             <a:pPr algn="ctr"/>
             <a:r>
-              <a:rPr lang="en-GB" sz="1000" dirty="0" smtClean="0">
+              <a:rPr lang="en-GB" sz="1000" dirty="0">
                 <a:solidFill>
                   <a:schemeClr val="tx1"/>
                 </a:solidFill>
               </a:rPr>
               <a:t>Timer</a:t>
             </a:r>
-            <a:endParaRPr lang="en-GB" sz="1000" dirty="0">
-              <a:solidFill>
-                <a:schemeClr val="tx1"/>
-              </a:solidFill>
-            </a:endParaRPr>
           </a:p>
         </p:txBody>
       </p:sp>
@@ -7089,18 +6989,13 @@
           <a:p>
             <a:pPr algn="ctr"/>
             <a:r>
-              <a:rPr lang="en-GB" sz="1000" dirty="0" smtClean="0">
+              <a:rPr lang="en-GB" sz="1000" dirty="0">
                 <a:solidFill>
                   <a:schemeClr val="tx1"/>
                 </a:solidFill>
               </a:rPr>
               <a:t>Progress Bar</a:t>
             </a:r>
-            <a:endParaRPr lang="en-GB" sz="1000" dirty="0">
-              <a:solidFill>
-                <a:schemeClr val="tx1"/>
-              </a:solidFill>
-            </a:endParaRPr>
           </a:p>
         </p:txBody>
       </p:sp>
@@ -7142,18 +7037,13 @@
           <a:p>
             <a:pPr algn="ctr"/>
             <a:r>
-              <a:rPr lang="en-GB" sz="1000" dirty="0" smtClean="0">
+              <a:rPr lang="en-GB" sz="1000" dirty="0">
                 <a:solidFill>
                   <a:schemeClr val="tx1"/>
                 </a:solidFill>
               </a:rPr>
               <a:t>Report Error</a:t>
             </a:r>
-            <a:endParaRPr lang="en-GB" sz="1000" dirty="0">
-              <a:solidFill>
-                <a:schemeClr val="tx1"/>
-              </a:solidFill>
-            </a:endParaRPr>
           </a:p>
         </p:txBody>
       </p:sp>
@@ -7195,18 +7085,13 @@
           <a:p>
             <a:pPr algn="ctr"/>
             <a:r>
-              <a:rPr lang="en-GB" sz="1000" dirty="0" smtClean="0">
+              <a:rPr lang="en-GB" sz="1000" dirty="0">
                 <a:solidFill>
                   <a:schemeClr val="tx1"/>
                 </a:solidFill>
               </a:rPr>
               <a:t>Answer Indicator</a:t>
             </a:r>
-            <a:endParaRPr lang="en-GB" sz="1000" dirty="0">
-              <a:solidFill>
-                <a:schemeClr val="tx1"/>
-              </a:solidFill>
-            </a:endParaRPr>
           </a:p>
         </p:txBody>
       </p:sp>
@@ -7233,10 +7118,9 @@
           <a:lstStyle/>
           <a:p>
             <a:r>
-              <a:rPr lang="en-GB" dirty="0" smtClean="0"/>
+              <a:rPr lang="en-GB" dirty="0"/>
               <a:t>Question - 1</a:t>
             </a:r>
-            <a:endParaRPr lang="en-GB" dirty="0"/>
           </a:p>
         </p:txBody>
       </p:sp>
@@ -7263,10 +7147,9 @@
           <a:lstStyle/>
           <a:p>
             <a:r>
-              <a:rPr lang="en-GB" dirty="0" smtClean="0"/>
+              <a:rPr lang="en-GB" dirty="0"/>
               <a:t>Question Content</a:t>
             </a:r>
-            <a:endParaRPr lang="en-GB" dirty="0"/>
           </a:p>
         </p:txBody>
       </p:sp>
@@ -7338,7 +7221,7 @@
           <a:p>
             <a:pPr algn="ctr"/>
             <a:r>
-              <a:rPr lang="en-GB" sz="1000" dirty="0" err="1" smtClean="0">
+              <a:rPr lang="en-GB" sz="1000" dirty="0" err="1">
                 <a:solidFill>
                   <a:schemeClr val="tx1"/>
                 </a:solidFill>
@@ -7391,7 +7274,7 @@
           <a:p>
             <a:pPr algn="ctr"/>
             <a:r>
-              <a:rPr lang="en-GB" sz="1000" dirty="0" err="1" smtClean="0">
+              <a:rPr lang="en-GB" sz="1000" dirty="0" err="1">
                 <a:solidFill>
                   <a:schemeClr val="tx1"/>
                 </a:solidFill>
@@ -7429,11 +7312,11 @@
           <a:lstStyle/>
           <a:p>
             <a:r>
-              <a:rPr lang="en-GB" sz="1100" dirty="0" smtClean="0"/>
+              <a:rPr lang="en-GB" sz="1100" dirty="0"/>
               <a:t>Email, </a:t>
             </a:r>
             <a:r>
-              <a:rPr lang="en-GB" sz="1100" dirty="0" err="1" smtClean="0"/>
+              <a:rPr lang="en-GB" sz="1100" dirty="0" err="1"/>
               <a:t>pw</a:t>
             </a:r>
             <a:endParaRPr lang="en-GB" sz="1100" dirty="0"/>
@@ -7478,18 +7361,13 @@
           <a:p>
             <a:pPr algn="ctr"/>
             <a:r>
-              <a:rPr lang="en-GB" sz="1000" dirty="0" smtClean="0">
+              <a:rPr lang="en-GB" sz="1000" dirty="0">
                 <a:solidFill>
                   <a:schemeClr val="tx1"/>
                 </a:solidFill>
               </a:rPr>
               <a:t>If email  and token exist in local mentor</a:t>
             </a:r>
-            <a:endParaRPr lang="en-GB" sz="1000" dirty="0">
-              <a:solidFill>
-                <a:schemeClr val="tx1"/>
-              </a:solidFill>
-            </a:endParaRPr>
           </a:p>
         </p:txBody>
       </p:sp>
@@ -7567,18 +7445,13 @@
           <a:p>
             <a:pPr algn="ctr"/>
             <a:r>
-              <a:rPr lang="en-GB" sz="1000" dirty="0" smtClean="0">
+              <a:rPr lang="en-GB" sz="1000" dirty="0">
                 <a:solidFill>
                   <a:schemeClr val="tx1"/>
                 </a:solidFill>
               </a:rPr>
               <a:t>Verify token</a:t>
             </a:r>
-            <a:endParaRPr lang="en-GB" sz="1000" dirty="0">
-              <a:solidFill>
-                <a:schemeClr val="tx1"/>
-              </a:solidFill>
-            </a:endParaRPr>
           </a:p>
         </p:txBody>
       </p:sp>
@@ -7641,11 +7514,11 @@
           <a:lstStyle/>
           <a:p>
             <a:r>
-              <a:rPr lang="en-GB" sz="1100" dirty="0" smtClean="0"/>
+              <a:rPr lang="en-GB" sz="1100" dirty="0"/>
               <a:t>Email, </a:t>
             </a:r>
             <a:r>
-              <a:rPr lang="en-GB" sz="1100" dirty="0" err="1" smtClean="0"/>
+              <a:rPr lang="en-GB" sz="1100" dirty="0" err="1"/>
               <a:t>pw</a:t>
             </a:r>
             <a:endParaRPr lang="en-GB" sz="1100" dirty="0"/>
@@ -7690,7 +7563,7 @@
           <a:p>
             <a:pPr algn="ctr"/>
             <a:r>
-              <a:rPr lang="en-GB" sz="1000" dirty="0" err="1" smtClean="0">
+              <a:rPr lang="en-GB" sz="1000" dirty="0" err="1">
                 <a:solidFill>
                   <a:schemeClr val="tx1"/>
                 </a:solidFill>
@@ -7698,18 +7571,13 @@
               <a:t>AuthToken</a:t>
             </a:r>
             <a:r>
-              <a:rPr lang="en-GB" sz="1000" dirty="0" smtClean="0">
+              <a:rPr lang="en-GB" sz="1000" dirty="0">
                 <a:solidFill>
                   <a:schemeClr val="tx1"/>
                 </a:solidFill>
               </a:rPr>
               <a:t> (get token)</a:t>
             </a:r>
-            <a:endParaRPr lang="en-GB" sz="1000" dirty="0">
-              <a:solidFill>
-                <a:schemeClr val="tx1"/>
-              </a:solidFill>
-            </a:endParaRPr>
           </a:p>
         </p:txBody>
       </p:sp>
@@ -7787,7 +7655,7 @@
           <a:p>
             <a:pPr algn="ctr"/>
             <a:r>
-              <a:rPr lang="en-GB" sz="1000" dirty="0" err="1" smtClean="0">
+              <a:rPr lang="en-GB" sz="1000" dirty="0" err="1">
                 <a:solidFill>
                   <a:schemeClr val="tx1"/>
                 </a:solidFill>
@@ -7825,10 +7693,9 @@
           <a:lstStyle/>
           <a:p>
             <a:r>
-              <a:rPr lang="en-GB" sz="1100" dirty="0" smtClean="0"/>
+              <a:rPr lang="en-GB" sz="1100" dirty="0"/>
               <a:t>Token</a:t>
             </a:r>
-            <a:endParaRPr lang="en-GB" sz="1100" dirty="0"/>
           </a:p>
         </p:txBody>
       </p:sp>
@@ -7870,18 +7737,13 @@
           <a:p>
             <a:pPr algn="ctr"/>
             <a:r>
-              <a:rPr lang="en-GB" sz="1000" dirty="0" smtClean="0">
+              <a:rPr lang="en-GB" sz="1000" dirty="0">
                 <a:solidFill>
                   <a:schemeClr val="tx1"/>
                 </a:solidFill>
               </a:rPr>
               <a:t>Normal operation</a:t>
             </a:r>
-            <a:endParaRPr lang="en-GB" sz="1000" dirty="0">
-              <a:solidFill>
-                <a:schemeClr val="tx1"/>
-              </a:solidFill>
-            </a:endParaRPr>
           </a:p>
         </p:txBody>
       </p:sp>
@@ -7944,10 +7806,9 @@
           <a:lstStyle/>
           <a:p>
             <a:r>
-              <a:rPr lang="en-GB" sz="1100" dirty="0" smtClean="0"/>
+              <a:rPr lang="en-GB" sz="1100" dirty="0"/>
               <a:t>token</a:t>
             </a:r>
-            <a:endParaRPr lang="en-GB" sz="1100" dirty="0"/>
           </a:p>
         </p:txBody>
       </p:sp>
@@ -7989,18 +7850,13 @@
           <a:p>
             <a:pPr algn="ctr"/>
             <a:r>
-              <a:rPr lang="en-GB" sz="1000" dirty="0" smtClean="0">
+              <a:rPr lang="en-GB" sz="1000" dirty="0">
                 <a:solidFill>
                   <a:schemeClr val="tx1"/>
                 </a:solidFill>
               </a:rPr>
               <a:t>Token ok</a:t>
             </a:r>
-            <a:endParaRPr lang="en-GB" sz="1000" dirty="0">
-              <a:solidFill>
-                <a:schemeClr val="tx1"/>
-              </a:solidFill>
-            </a:endParaRPr>
           </a:p>
         </p:txBody>
       </p:sp>
@@ -8042,18 +7898,13 @@
           <a:p>
             <a:pPr algn="ctr"/>
             <a:r>
-              <a:rPr lang="en-GB" sz="1000" dirty="0" smtClean="0">
+              <a:rPr lang="en-GB" sz="1000" dirty="0">
                 <a:solidFill>
                   <a:schemeClr val="tx1"/>
                 </a:solidFill>
               </a:rPr>
               <a:t>Save Token in Session</a:t>
             </a:r>
-            <a:endParaRPr lang="en-GB" sz="1000" dirty="0">
-              <a:solidFill>
-                <a:schemeClr val="tx1"/>
-              </a:solidFill>
-            </a:endParaRPr>
           </a:p>
         </p:txBody>
       </p:sp>
@@ -8188,10 +8039,9 @@
           <a:lstStyle/>
           <a:p>
             <a:r>
-              <a:rPr lang="en-GB" sz="1100" dirty="0" smtClean="0"/>
+              <a:rPr lang="en-GB" sz="1100" dirty="0"/>
               <a:t>Not in local</a:t>
             </a:r>
-            <a:endParaRPr lang="en-GB" sz="1100" dirty="0"/>
           </a:p>
         </p:txBody>
       </p:sp>
@@ -8233,18 +8083,13 @@
           <a:p>
             <a:pPr algn="ctr"/>
             <a:r>
-              <a:rPr lang="en-GB" sz="1000" dirty="0" smtClean="0">
+              <a:rPr lang="en-GB" sz="1000" dirty="0">
                 <a:solidFill>
                   <a:schemeClr val="tx1"/>
                 </a:solidFill>
               </a:rPr>
               <a:t>Get token failed, new user?</a:t>
             </a:r>
-            <a:endParaRPr lang="en-GB" sz="1000" dirty="0">
-              <a:solidFill>
-                <a:schemeClr val="tx1"/>
-              </a:solidFill>
-            </a:endParaRPr>
           </a:p>
         </p:txBody>
       </p:sp>
@@ -8286,18 +8131,13 @@
           <a:p>
             <a:pPr algn="ctr"/>
             <a:r>
-              <a:rPr lang="en-GB" sz="1000" dirty="0" smtClean="0">
+              <a:rPr lang="en-GB" sz="1000" dirty="0">
                 <a:solidFill>
                   <a:schemeClr val="tx1"/>
                 </a:solidFill>
               </a:rPr>
               <a:t>Create User</a:t>
             </a:r>
-            <a:endParaRPr lang="en-GB" sz="1000" dirty="0">
-              <a:solidFill>
-                <a:schemeClr val="tx1"/>
-              </a:solidFill>
-            </a:endParaRPr>
           </a:p>
         </p:txBody>
       </p:sp>
@@ -8411,18 +8251,13 @@
           <a:p>
             <a:pPr algn="ctr"/>
             <a:r>
-              <a:rPr lang="en-GB" sz="1000" dirty="0" smtClean="0">
+              <a:rPr lang="en-GB" sz="1000" dirty="0">
                 <a:solidFill>
                   <a:schemeClr val="tx1"/>
                 </a:solidFill>
               </a:rPr>
               <a:t>Get Token</a:t>
             </a:r>
-            <a:endParaRPr lang="en-GB" sz="1000" dirty="0">
-              <a:solidFill>
-                <a:schemeClr val="tx1"/>
-              </a:solidFill>
-            </a:endParaRPr>
           </a:p>
         </p:txBody>
       </p:sp>
@@ -8591,10 +8426,34 @@
                 <a:tableStyleId>{5C22544A-7EE6-4342-B048-85BDC9FD1C3A}</a:tableStyleId>
               </a:tblPr>
               <a:tblGrid>
-                <a:gridCol w="2057400"/>
-                <a:gridCol w="2057400"/>
-                <a:gridCol w="2057400"/>
-                <a:gridCol w="2057400"/>
+                <a:gridCol w="2057400">
+                  <a:extLst>
+                    <a:ext uri="{9D8B030D-6E8A-4147-A177-3AD203B41FA5}">
+                      <a16:colId xmlns:a16="http://schemas.microsoft.com/office/drawing/2014/main" val="20000"/>
+                    </a:ext>
+                  </a:extLst>
+                </a:gridCol>
+                <a:gridCol w="2057400">
+                  <a:extLst>
+                    <a:ext uri="{9D8B030D-6E8A-4147-A177-3AD203B41FA5}">
+                      <a16:colId xmlns:a16="http://schemas.microsoft.com/office/drawing/2014/main" val="20001"/>
+                    </a:ext>
+                  </a:extLst>
+                </a:gridCol>
+                <a:gridCol w="2057400">
+                  <a:extLst>
+                    <a:ext uri="{9D8B030D-6E8A-4147-A177-3AD203B41FA5}">
+                      <a16:colId xmlns:a16="http://schemas.microsoft.com/office/drawing/2014/main" val="20002"/>
+                    </a:ext>
+                  </a:extLst>
+                </a:gridCol>
+                <a:gridCol w="2057400">
+                  <a:extLst>
+                    <a:ext uri="{9D8B030D-6E8A-4147-A177-3AD203B41FA5}">
+                      <a16:colId xmlns:a16="http://schemas.microsoft.com/office/drawing/2014/main" val="20003"/>
+                    </a:ext>
+                  </a:extLst>
+                </a:gridCol>
               </a:tblGrid>
               <a:tr h="369276">
                 <a:tc>
@@ -8603,10 +8462,9 @@
                     <a:lstStyle/>
                     <a:p>
                       <a:r>
-                        <a:rPr lang="en-GB" sz="1400" dirty="0" smtClean="0"/>
+                        <a:rPr lang="en-GB" sz="1400" dirty="0"/>
                         <a:t>Question Type</a:t>
                       </a:r>
-                      <a:endParaRPr lang="en-GB" sz="1400" dirty="0"/>
                     </a:p>
                   </a:txBody>
                   <a:tcPr/>
@@ -8617,10 +8475,9 @@
                     <a:lstStyle/>
                     <a:p>
                       <a:r>
-                        <a:rPr lang="en-GB" sz="1400" dirty="0" smtClean="0"/>
+                        <a:rPr lang="en-GB" sz="1400" dirty="0"/>
                         <a:t>Show Question</a:t>
                       </a:r>
-                      <a:endParaRPr lang="en-GB" sz="1400" dirty="0"/>
                     </a:p>
                   </a:txBody>
                   <a:tcPr/>
@@ -8631,11 +8488,11 @@
                     <a:lstStyle/>
                     <a:p>
                       <a:r>
-                        <a:rPr lang="en-GB" sz="1400" dirty="0" smtClean="0"/>
+                        <a:rPr lang="en-GB" sz="1400" dirty="0"/>
                         <a:t>Show</a:t>
                       </a:r>
                       <a:r>
-                        <a:rPr lang="en-GB" sz="1400" baseline="0" dirty="0" smtClean="0"/>
+                        <a:rPr lang="en-GB" sz="1400" baseline="0" dirty="0"/>
                         <a:t> Answer</a:t>
                       </a:r>
                       <a:endParaRPr lang="en-GB" sz="1400" dirty="0"/>
@@ -8649,14 +8506,18 @@
                     <a:lstStyle/>
                     <a:p>
                       <a:r>
-                        <a:rPr lang="en-GB" sz="1400" dirty="0" smtClean="0"/>
+                        <a:rPr lang="en-GB" sz="1400" dirty="0"/>
                         <a:t>Process Result</a:t>
                       </a:r>
-                      <a:endParaRPr lang="en-GB" sz="1400" dirty="0"/>
                     </a:p>
                   </a:txBody>
                   <a:tcPr/>
                 </a:tc>
+                <a:extLst>
+                  <a:ext uri="{0D108BD9-81ED-4DB2-BD59-A6C34878D82A}">
+                    <a16:rowId xmlns:a16="http://schemas.microsoft.com/office/drawing/2014/main" val="10000"/>
+                  </a:ext>
+                </a:extLst>
               </a:tr>
               <a:tr h="759655">
                 <a:tc>
@@ -8665,10 +8526,9 @@
                     <a:lstStyle/>
                     <a:p>
                       <a:r>
-                        <a:rPr lang="en-GB" sz="1100" dirty="0" smtClean="0"/>
+                        <a:rPr lang="en-GB" sz="1100" dirty="0"/>
                         <a:t>Math: SC normal question</a:t>
                       </a:r>
-                      <a:endParaRPr lang="en-GB" sz="1100" dirty="0"/>
                     </a:p>
                   </a:txBody>
                   <a:tcPr/>
@@ -8679,11 +8539,11 @@
                     <a:lstStyle/>
                     <a:p>
                       <a:r>
-                        <a:rPr lang="en-GB" sz="1100" dirty="0" err="1" smtClean="0"/>
+                        <a:rPr lang="en-GB" sz="1100" dirty="0" err="1"/>
                         <a:t>Mathjax</a:t>
                       </a:r>
                       <a:r>
-                        <a:rPr lang="en-GB" sz="1100" dirty="0" smtClean="0"/>
+                        <a:rPr lang="en-GB" sz="1100" dirty="0"/>
                         <a:t> display  question</a:t>
                       </a:r>
                     </a:p>
@@ -8696,17 +8556,17 @@
                     <a:lstStyle/>
                     <a:p>
                       <a:r>
-                        <a:rPr lang="en-GB" sz="1100" dirty="0" smtClean="0"/>
+                        <a:rPr lang="en-GB" sz="1100" dirty="0"/>
                         <a:t>SC answer</a:t>
                       </a:r>
                     </a:p>
                     <a:p>
                       <a:r>
-                        <a:rPr lang="en-GB" sz="1100" dirty="0" smtClean="0"/>
+                        <a:rPr lang="en-GB" sz="1100" dirty="0"/>
                         <a:t>IT</a:t>
                       </a:r>
                       <a:r>
-                        <a:rPr lang="en-GB" sz="1100" baseline="0" dirty="0" smtClean="0"/>
+                        <a:rPr lang="en-GB" sz="1100" baseline="0" dirty="0"/>
                         <a:t> answer</a:t>
                       </a:r>
                       <a:endParaRPr lang="en-GB" sz="1100" dirty="0"/>
@@ -8737,7 +8597,7 @@
                         <a:defRPr/>
                       </a:pPr>
                       <a:r>
-                        <a:rPr lang="en-GB" sz="1100" dirty="0" smtClean="0"/>
+                        <a:rPr lang="en-GB" sz="1100" dirty="0"/>
                         <a:t>Check SC, IT</a:t>
                       </a:r>
                     </a:p>
@@ -8747,6 +8607,11 @@
                   </a:txBody>
                   <a:tcPr/>
                 </a:tc>
+                <a:extLst>
+                  <a:ext uri="{0D108BD9-81ED-4DB2-BD59-A6C34878D82A}">
+                    <a16:rowId xmlns:a16="http://schemas.microsoft.com/office/drawing/2014/main" val="10001"/>
+                  </a:ext>
+                </a:extLst>
               </a:tr>
               <a:tr h="759655">
                 <a:tc>
@@ -8755,11 +8620,11 @@
                     <a:lstStyle/>
                     <a:p>
                       <a:r>
-                        <a:rPr lang="en-GB" sz="1100" dirty="0" smtClean="0"/>
+                        <a:rPr lang="en-GB" sz="1100" dirty="0"/>
                         <a:t>Math, clock</a:t>
                       </a:r>
                       <a:r>
-                        <a:rPr lang="en-GB" sz="1100" baseline="0" dirty="0" smtClean="0"/>
+                        <a:rPr lang="en-GB" sz="1100" baseline="0" dirty="0"/>
                         <a:t> question</a:t>
                       </a:r>
                       <a:endParaRPr lang="en-GB" sz="1100" dirty="0"/>
@@ -8773,37 +8638,37 @@
                     <a:lstStyle/>
                     <a:p>
                       <a:r>
-                        <a:rPr lang="en-GB" sz="1100" dirty="0" smtClean="0"/>
+                        <a:rPr lang="en-GB" sz="1100" dirty="0"/>
                         <a:t>Canvas show analogy</a:t>
                       </a:r>
                       <a:r>
-                        <a:rPr lang="en-GB" sz="1100" baseline="0" dirty="0" smtClean="0"/>
+                        <a:rPr lang="en-GB" sz="1100" baseline="0" dirty="0"/>
                         <a:t> </a:t>
                       </a:r>
                       <a:r>
-                        <a:rPr lang="en-GB" sz="1100" dirty="0" smtClean="0"/>
+                        <a:rPr lang="en-GB" sz="1100" dirty="0"/>
                         <a:t>clock</a:t>
                       </a:r>
                     </a:p>
                     <a:p>
                       <a:r>
-                        <a:rPr lang="en-GB" sz="1100" dirty="0" smtClean="0"/>
+                        <a:rPr lang="en-GB" sz="1100" dirty="0"/>
                         <a:t>(</a:t>
                       </a:r>
                       <a:r>
-                        <a:rPr lang="en-GB" sz="1100" baseline="0" dirty="0" smtClean="0"/>
+                        <a:rPr lang="en-GB" sz="1100" baseline="0" dirty="0"/>
                         <a:t>Will need drag clock legs)</a:t>
                       </a:r>
                     </a:p>
                     <a:p>
                       <a:r>
-                        <a:rPr lang="en-GB" sz="1100" baseline="0" dirty="0" smtClean="0"/>
+                        <a:rPr lang="en-GB" sz="1100" baseline="0" dirty="0"/>
                         <a:t>(will need show multiple clocks)</a:t>
                       </a:r>
                     </a:p>
                     <a:p>
                       <a:r>
-                        <a:rPr lang="en-GB" sz="1100" baseline="0" dirty="0" smtClean="0"/>
+                        <a:rPr lang="en-GB" sz="1100" baseline="0" dirty="0"/>
                         <a:t>(Canvas Show digital clock)</a:t>
                       </a:r>
                       <a:endParaRPr lang="en-GB" sz="1100" dirty="0"/>
@@ -8817,16 +8682,15 @@
                     <a:lstStyle/>
                     <a:p>
                       <a:r>
-                        <a:rPr lang="en-GB" sz="1100" dirty="0" smtClean="0"/>
+                        <a:rPr lang="en-GB" sz="1100" dirty="0"/>
                         <a:t>SC answers</a:t>
                       </a:r>
                     </a:p>
                     <a:p>
                       <a:r>
-                        <a:rPr lang="en-GB" sz="1100" dirty="0" smtClean="0"/>
+                        <a:rPr lang="en-GB" sz="1100" dirty="0"/>
                         <a:t>(will drag clock legs)</a:t>
                       </a:r>
-                      <a:endParaRPr lang="en-GB" sz="1100" dirty="0"/>
                     </a:p>
                   </a:txBody>
                   <a:tcPr/>
@@ -8837,20 +8701,24 @@
                     <a:lstStyle/>
                     <a:p>
                       <a:r>
-                        <a:rPr lang="en-GB" sz="1100" dirty="0" smtClean="0"/>
+                        <a:rPr lang="en-GB" sz="1100" dirty="0"/>
                         <a:t>Check SC, IT</a:t>
                       </a:r>
                     </a:p>
                     <a:p>
                       <a:r>
-                        <a:rPr lang="en-GB" sz="1100" dirty="0" smtClean="0"/>
+                        <a:rPr lang="en-GB" sz="1100" dirty="0"/>
                         <a:t>Detect clock leg values</a:t>
                       </a:r>
-                      <a:endParaRPr lang="en-GB" sz="1100" dirty="0"/>
                     </a:p>
                   </a:txBody>
                   <a:tcPr/>
                 </a:tc>
+                <a:extLst>
+                  <a:ext uri="{0D108BD9-81ED-4DB2-BD59-A6C34878D82A}">
+                    <a16:rowId xmlns:a16="http://schemas.microsoft.com/office/drawing/2014/main" val="10002"/>
+                  </a:ext>
+                </a:extLst>
               </a:tr>
               <a:tr h="759655">
                 <a:tc>
@@ -8859,10 +8727,9 @@
                     <a:lstStyle/>
                     <a:p>
                       <a:r>
-                        <a:rPr lang="en-GB" sz="1100" dirty="0" smtClean="0"/>
+                        <a:rPr lang="en-GB" sz="1100" dirty="0"/>
                         <a:t>Math, 2D, 3D shape</a:t>
                       </a:r>
-                      <a:endParaRPr lang="en-GB" sz="1100" dirty="0"/>
                     </a:p>
                   </a:txBody>
                   <a:tcPr/>
@@ -8873,23 +8740,23 @@
                     <a:lstStyle/>
                     <a:p>
                       <a:r>
-                        <a:rPr lang="en-GB" sz="1100" dirty="0" smtClean="0"/>
+                        <a:rPr lang="en-GB" sz="1100" dirty="0"/>
                         <a:t>(Canvas draw</a:t>
                       </a:r>
                       <a:r>
-                        <a:rPr lang="en-GB" sz="1100" baseline="0" dirty="0" smtClean="0"/>
+                        <a:rPr lang="en-GB" sz="1100" baseline="0" dirty="0"/>
                         <a:t> shapes)</a:t>
                       </a:r>
                     </a:p>
                     <a:p>
                       <a:r>
-                        <a:rPr lang="en-GB" sz="1100" baseline="0" dirty="0" smtClean="0"/>
+                        <a:rPr lang="en-GB" sz="1100" baseline="0" dirty="0"/>
                         <a:t>(Show multiple shapes)</a:t>
                       </a:r>
                     </a:p>
                     <a:p>
                       <a:r>
-                        <a:rPr lang="en-GB" sz="1100" baseline="0" dirty="0" smtClean="0"/>
+                        <a:rPr lang="en-GB" sz="1100" baseline="0" dirty="0"/>
                         <a:t>(will need turn/spinning 3D shapes)</a:t>
                       </a:r>
                       <a:endParaRPr lang="en-GB" sz="1100" dirty="0"/>
@@ -8903,17 +8770,17 @@
                     <a:lstStyle/>
                     <a:p>
                       <a:r>
-                        <a:rPr lang="en-GB" sz="1100" dirty="0" smtClean="0"/>
+                        <a:rPr lang="en-GB" sz="1100" dirty="0"/>
                         <a:t>SC</a:t>
                       </a:r>
                       <a:r>
-                        <a:rPr lang="en-GB" sz="1100" baseline="0" dirty="0" smtClean="0"/>
+                        <a:rPr lang="en-GB" sz="1100" baseline="0" dirty="0"/>
                         <a:t> answers</a:t>
                       </a:r>
                     </a:p>
                     <a:p>
                       <a:r>
-                        <a:rPr lang="en-GB" sz="1100" baseline="0" dirty="0" smtClean="0"/>
+                        <a:rPr lang="en-GB" sz="1100" baseline="0" dirty="0"/>
                         <a:t>(2D or 3D shapes as SC answers)</a:t>
                       </a:r>
                       <a:endParaRPr lang="en-GB" sz="1100" dirty="0"/>
@@ -8927,14 +8794,18 @@
                     <a:lstStyle/>
                     <a:p>
                       <a:r>
-                        <a:rPr lang="en-GB" sz="1100" dirty="0" smtClean="0"/>
+                        <a:rPr lang="en-GB" sz="1100" dirty="0"/>
                         <a:t>Check SC, IT</a:t>
                       </a:r>
-                      <a:endParaRPr lang="en-GB" sz="1100" dirty="0"/>
                     </a:p>
                   </a:txBody>
                   <a:tcPr/>
                 </a:tc>
+                <a:extLst>
+                  <a:ext uri="{0D108BD9-81ED-4DB2-BD59-A6C34878D82A}">
+                    <a16:rowId xmlns:a16="http://schemas.microsoft.com/office/drawing/2014/main" val="10003"/>
+                  </a:ext>
+                </a:extLst>
               </a:tr>
               <a:tr h="759655">
                 <a:tc>
@@ -8943,10 +8814,9 @@
                     <a:lstStyle/>
                     <a:p>
                       <a:r>
-                        <a:rPr lang="en-GB" sz="1100" dirty="0" smtClean="0"/>
+                        <a:rPr lang="en-GB" sz="1100" dirty="0"/>
                         <a:t>Math, chart</a:t>
                       </a:r>
-                      <a:endParaRPr lang="en-GB" sz="1100" dirty="0"/>
                     </a:p>
                   </a:txBody>
                   <a:tcPr/>
@@ -8957,23 +8827,23 @@
                     <a:lstStyle/>
                     <a:p>
                       <a:r>
-                        <a:rPr lang="en-GB" sz="1100" dirty="0" smtClean="0"/>
+                        <a:rPr lang="en-GB" sz="1100" dirty="0"/>
                         <a:t>(Canvas</a:t>
                       </a:r>
                       <a:r>
-                        <a:rPr lang="en-GB" sz="1100" baseline="0" dirty="0" smtClean="0"/>
+                        <a:rPr lang="en-GB" sz="1100" baseline="0" dirty="0"/>
                         <a:t> show chart)</a:t>
                       </a:r>
                     </a:p>
                     <a:p>
                       <a:r>
-                        <a:rPr lang="en-GB" sz="1100" baseline="0" dirty="0" smtClean="0"/>
+                        <a:rPr lang="en-GB" sz="1100" baseline="0" dirty="0"/>
                         <a:t>(Multiple chart)</a:t>
                       </a:r>
                     </a:p>
                     <a:p>
                       <a:r>
-                        <a:rPr lang="en-GB" sz="1100" baseline="0" dirty="0" smtClean="0"/>
+                        <a:rPr lang="en-GB" sz="1100" baseline="0" dirty="0"/>
                         <a:t>(will need drag/draw chart by user)</a:t>
                       </a:r>
                       <a:endParaRPr lang="en-GB" sz="1100" dirty="0"/>
@@ -8987,10 +8857,9 @@
                     <a:lstStyle/>
                     <a:p>
                       <a:r>
-                        <a:rPr lang="en-GB" sz="1100" dirty="0" smtClean="0"/>
+                        <a:rPr lang="en-GB" sz="1100" dirty="0"/>
                         <a:t>SC answer</a:t>
                       </a:r>
-                      <a:endParaRPr lang="en-GB" sz="1100" dirty="0"/>
                     </a:p>
                   </a:txBody>
                   <a:tcPr/>
@@ -9018,7 +8887,7 @@
                         <a:defRPr/>
                       </a:pPr>
                       <a:r>
-                        <a:rPr lang="en-GB" sz="1100" dirty="0" smtClean="0"/>
+                        <a:rPr lang="en-GB" sz="1100" dirty="0"/>
                         <a:t>Check SC, IT</a:t>
                       </a:r>
                     </a:p>
@@ -9028,6 +8897,11 @@
                   </a:txBody>
                   <a:tcPr/>
                 </a:tc>
+                <a:extLst>
+                  <a:ext uri="{0D108BD9-81ED-4DB2-BD59-A6C34878D82A}">
+                    <a16:rowId xmlns:a16="http://schemas.microsoft.com/office/drawing/2014/main" val="10004"/>
+                  </a:ext>
+                </a:extLst>
               </a:tr>
               <a:tr h="759655">
                 <a:tc>
@@ -9036,11 +8910,11 @@
                     <a:lstStyle/>
                     <a:p>
                       <a:r>
-                        <a:rPr lang="en-GB" sz="1100" dirty="0" smtClean="0"/>
+                        <a:rPr lang="en-GB" sz="1100" dirty="0"/>
                         <a:t>English,</a:t>
                       </a:r>
                       <a:r>
-                        <a:rPr lang="en-GB" sz="1100" baseline="0" dirty="0" smtClean="0"/>
+                        <a:rPr lang="en-GB" sz="1100" baseline="0" dirty="0"/>
                         <a:t> tense, plural</a:t>
                       </a:r>
                       <a:endParaRPr lang="en-GB" sz="1100" dirty="0"/>
@@ -9054,17 +8928,17 @@
                     <a:lstStyle/>
                     <a:p>
                       <a:r>
-                        <a:rPr lang="en-GB" sz="1100" dirty="0" smtClean="0"/>
+                        <a:rPr lang="en-GB" sz="1100" dirty="0"/>
                         <a:t>Show</a:t>
                       </a:r>
                       <a:r>
-                        <a:rPr lang="en-GB" sz="1100" baseline="0" dirty="0" smtClean="0"/>
+                        <a:rPr lang="en-GB" sz="1100" baseline="0" dirty="0"/>
                         <a:t> word -&gt; ask for Inputting</a:t>
                       </a:r>
                     </a:p>
                     <a:p>
                       <a:r>
-                        <a:rPr lang="en-GB" sz="1100" baseline="0" dirty="0" smtClean="0"/>
+                        <a:rPr lang="en-GB" sz="1100" baseline="0" dirty="0"/>
                         <a:t>Show raw word, ask for Inputting</a:t>
                       </a:r>
                     </a:p>
@@ -9080,10 +8954,9 @@
                     <a:lstStyle/>
                     <a:p>
                       <a:r>
-                        <a:rPr lang="en-GB" sz="1100" dirty="0" smtClean="0"/>
+                        <a:rPr lang="en-GB" sz="1100" dirty="0"/>
                         <a:t>IT answer</a:t>
                       </a:r>
-                      <a:endParaRPr lang="en-GB" sz="1100" dirty="0"/>
                     </a:p>
                   </a:txBody>
                   <a:tcPr/>
@@ -9094,14 +8967,18 @@
                     <a:lstStyle/>
                     <a:p>
                       <a:r>
-                        <a:rPr lang="en-GB" sz="1100" dirty="0" smtClean="0"/>
+                        <a:rPr lang="en-GB" sz="1100" dirty="0"/>
                         <a:t>Check IT</a:t>
                       </a:r>
-                      <a:endParaRPr lang="en-GB" sz="1100" dirty="0"/>
                     </a:p>
                   </a:txBody>
                   <a:tcPr/>
                 </a:tc>
+                <a:extLst>
+                  <a:ext uri="{0D108BD9-81ED-4DB2-BD59-A6C34878D82A}">
+                    <a16:rowId xmlns:a16="http://schemas.microsoft.com/office/drawing/2014/main" val="10005"/>
+                  </a:ext>
+                </a:extLst>
               </a:tr>
               <a:tr h="559193">
                 <a:tc>
@@ -9110,10 +8987,9 @@
                     <a:lstStyle/>
                     <a:p>
                       <a:r>
-                        <a:rPr lang="en-GB" sz="1100" dirty="0" smtClean="0"/>
+                        <a:rPr lang="en-GB" sz="1100" dirty="0"/>
                         <a:t>English, learn new words</a:t>
                       </a:r>
-                      <a:endParaRPr lang="en-GB" sz="1100" dirty="0"/>
                     </a:p>
                   </a:txBody>
                   <a:tcPr/>
@@ -9124,11 +9000,11 @@
                     <a:lstStyle/>
                     <a:p>
                       <a:r>
-                        <a:rPr lang="en-GB" sz="1100" dirty="0" smtClean="0"/>
+                        <a:rPr lang="en-GB" sz="1100" dirty="0"/>
                         <a:t>(Show</a:t>
                       </a:r>
                       <a:r>
-                        <a:rPr lang="en-GB" sz="1100" baseline="0" dirty="0" smtClean="0"/>
+                        <a:rPr lang="en-GB" sz="1100" baseline="0" dirty="0"/>
                         <a:t> 5 new words and 5 sentences) </a:t>
                       </a:r>
                       <a:endParaRPr lang="en-GB" sz="1100" dirty="0"/>
@@ -9142,10 +9018,9 @@
                     <a:lstStyle/>
                     <a:p>
                       <a:r>
-                        <a:rPr lang="en-GB" sz="1100" dirty="0" smtClean="0"/>
+                        <a:rPr lang="en-GB" sz="1100" dirty="0"/>
                         <a:t>(drag words to sentences)</a:t>
                       </a:r>
-                      <a:endParaRPr lang="en-GB" sz="1100" dirty="0"/>
                     </a:p>
                   </a:txBody>
                   <a:tcPr/>
@@ -9160,6 +9035,11 @@
                   </a:txBody>
                   <a:tcPr/>
                 </a:tc>
+                <a:extLst>
+                  <a:ext uri="{0D108BD9-81ED-4DB2-BD59-A6C34878D82A}">
+                    <a16:rowId xmlns:a16="http://schemas.microsoft.com/office/drawing/2014/main" val="10006"/>
+                  </a:ext>
+                </a:extLst>
               </a:tr>
               <a:tr h="597875">
                 <a:tc>
@@ -9168,10 +9048,9 @@
                     <a:lstStyle/>
                     <a:p>
                       <a:r>
-                        <a:rPr lang="en-GB" sz="1100" dirty="0" smtClean="0"/>
+                        <a:rPr lang="en-GB" sz="1100" dirty="0"/>
                         <a:t>English, learn grammar</a:t>
                       </a:r>
-                      <a:endParaRPr lang="en-GB" sz="1100" dirty="0"/>
                     </a:p>
                   </a:txBody>
                   <a:tcPr/>
@@ -9182,11 +9061,11 @@
                     <a:lstStyle/>
                     <a:p>
                       <a:r>
-                        <a:rPr lang="en-GB" sz="1100" dirty="0" smtClean="0"/>
+                        <a:rPr lang="en-GB" sz="1100" dirty="0"/>
                         <a:t>(show</a:t>
                       </a:r>
                       <a:r>
-                        <a:rPr lang="en-GB" sz="1100" baseline="0" dirty="0" smtClean="0"/>
+                        <a:rPr lang="en-GB" sz="1100" baseline="0" dirty="0"/>
                         <a:t> sentences, fix one mistake, need inline editor)</a:t>
                       </a:r>
                       <a:endParaRPr lang="en-GB" sz="1100" dirty="0"/>
@@ -9200,10 +9079,9 @@
                     <a:lstStyle/>
                     <a:p>
                       <a:r>
-                        <a:rPr lang="en-GB" sz="1100" dirty="0" smtClean="0"/>
+                        <a:rPr lang="en-GB" sz="1100" dirty="0"/>
                         <a:t>(IT answer)</a:t>
                       </a:r>
-                      <a:endParaRPr lang="en-GB" sz="1100" dirty="0"/>
                     </a:p>
                   </a:txBody>
                   <a:tcPr/>
@@ -9214,14 +9092,18 @@
                     <a:lstStyle/>
                     <a:p>
                       <a:r>
-                        <a:rPr lang="en-GB" sz="1100" dirty="0" smtClean="0"/>
+                        <a:rPr lang="en-GB" sz="1100" dirty="0"/>
                         <a:t>Check IT</a:t>
                       </a:r>
-                      <a:endParaRPr lang="en-GB" sz="1100" dirty="0"/>
                     </a:p>
                   </a:txBody>
                   <a:tcPr/>
                 </a:tc>
+                <a:extLst>
+                  <a:ext uri="{0D108BD9-81ED-4DB2-BD59-A6C34878D82A}">
+                    <a16:rowId xmlns:a16="http://schemas.microsoft.com/office/drawing/2014/main" val="10007"/>
+                  </a:ext>
+                </a:extLst>
               </a:tr>
               <a:tr h="759655">
                 <a:tc>
@@ -9230,11 +9112,11 @@
                     <a:lstStyle/>
                     <a:p>
                       <a:r>
-                        <a:rPr lang="en-GB" sz="1100" dirty="0" smtClean="0"/>
+                        <a:rPr lang="en-GB" sz="1100" dirty="0"/>
                         <a:t>English,</a:t>
                       </a:r>
                       <a:r>
-                        <a:rPr lang="en-GB" sz="1100" baseline="0" dirty="0" smtClean="0"/>
+                        <a:rPr lang="en-GB" sz="1100" baseline="0" dirty="0"/>
                         <a:t> mixed grammar, punctuation  etc.</a:t>
                       </a:r>
                       <a:endParaRPr lang="en-GB" sz="1100" dirty="0"/>
@@ -9248,11 +9130,11 @@
                     <a:lstStyle/>
                     <a:p>
                       <a:r>
-                        <a:rPr lang="en-GB" sz="1100" dirty="0" smtClean="0"/>
+                        <a:rPr lang="en-GB" sz="1100" dirty="0"/>
                         <a:t>(show short</a:t>
                       </a:r>
                       <a:r>
-                        <a:rPr lang="en-GB" sz="1100" baseline="0" dirty="0" smtClean="0"/>
+                        <a:rPr lang="en-GB" sz="1100" baseline="0" dirty="0"/>
                         <a:t> article, fix all mistakes, need inline editor)</a:t>
                       </a:r>
                       <a:endParaRPr lang="en-GB" sz="1100" dirty="0"/>
@@ -9283,7 +9165,7 @@
                         <a:defRPr/>
                       </a:pPr>
                       <a:r>
-                        <a:rPr lang="en-GB" sz="1100" dirty="0" smtClean="0"/>
+                        <a:rPr lang="en-GB" sz="1100" dirty="0"/>
                         <a:t>(IT answer)</a:t>
                       </a:r>
                     </a:p>
@@ -9300,6 +9182,11 @@
                   </a:txBody>
                   <a:tcPr/>
                 </a:tc>
+                <a:extLst>
+                  <a:ext uri="{0D108BD9-81ED-4DB2-BD59-A6C34878D82A}">
+                    <a16:rowId xmlns:a16="http://schemas.microsoft.com/office/drawing/2014/main" val="10008"/>
+                  </a:ext>
+                </a:extLst>
               </a:tr>
             </a:tbl>
           </a:graphicData>
@@ -9373,7 +9260,7 @@
           <a:p>
             <a:pPr algn="ctr"/>
             <a:r>
-              <a:rPr lang="en-GB" sz="1000" dirty="0" smtClean="0">
+              <a:rPr lang="en-GB" sz="1000" dirty="0">
                 <a:solidFill>
                   <a:schemeClr val="tx1"/>
                 </a:solidFill>
@@ -9381,7 +9268,7 @@
               <a:t>Mentor </a:t>
             </a:r>
             <a:r>
-              <a:rPr lang="en-GB" sz="1000" dirty="0" err="1" smtClean="0">
+              <a:rPr lang="en-GB" sz="1000" dirty="0" err="1">
                 <a:solidFill>
                   <a:schemeClr val="tx1"/>
                 </a:solidFill>
@@ -9434,7 +9321,7 @@
           <a:p>
             <a:pPr algn="ctr"/>
             <a:r>
-              <a:rPr lang="en-GB" sz="1000" dirty="0" smtClean="0">
+              <a:rPr lang="en-GB" sz="1000" dirty="0">
                 <a:solidFill>
                   <a:schemeClr val="tx1"/>
                 </a:solidFill>
@@ -9442,7 +9329,7 @@
               <a:t>Mentor </a:t>
             </a:r>
             <a:r>
-              <a:rPr lang="en-GB" sz="1000" dirty="0" err="1" smtClean="0">
+              <a:rPr lang="en-GB" sz="1000" dirty="0" err="1">
                 <a:solidFill>
                   <a:schemeClr val="tx1"/>
                 </a:solidFill>
@@ -9480,11 +9367,11 @@
           <a:lstStyle/>
           <a:p>
             <a:r>
-              <a:rPr lang="en-GB" sz="1100" dirty="0" smtClean="0"/>
+              <a:rPr lang="en-GB" sz="1100" dirty="0"/>
               <a:t>Email, </a:t>
             </a:r>
             <a:r>
-              <a:rPr lang="en-GB" sz="1100" dirty="0" err="1" smtClean="0"/>
+              <a:rPr lang="en-GB" sz="1100" dirty="0" err="1"/>
               <a:t>pw</a:t>
             </a:r>
             <a:endParaRPr lang="en-GB" sz="1100" dirty="0"/>
@@ -9529,18 +9416,13 @@
           <a:p>
             <a:pPr algn="ctr"/>
             <a:r>
-              <a:rPr lang="en-GB" sz="1000" dirty="0" smtClean="0">
+              <a:rPr lang="en-GB" sz="1000" dirty="0">
                 <a:solidFill>
                   <a:schemeClr val="tx1"/>
                 </a:solidFill>
               </a:rPr>
               <a:t>If email  and token exist in local mentor</a:t>
             </a:r>
-            <a:endParaRPr lang="en-GB" sz="1000" dirty="0">
-              <a:solidFill>
-                <a:schemeClr val="tx1"/>
-              </a:solidFill>
-            </a:endParaRPr>
           </a:p>
         </p:txBody>
       </p:sp>
@@ -9618,18 +9500,13 @@
           <a:p>
             <a:pPr algn="ctr"/>
             <a:r>
-              <a:rPr lang="en-GB" sz="1000" dirty="0" smtClean="0">
+              <a:rPr lang="en-GB" sz="1000" dirty="0">
                 <a:solidFill>
                   <a:schemeClr val="tx1"/>
                 </a:solidFill>
               </a:rPr>
               <a:t>Verify token</a:t>
             </a:r>
-            <a:endParaRPr lang="en-GB" sz="1000" dirty="0">
-              <a:solidFill>
-                <a:schemeClr val="tx1"/>
-              </a:solidFill>
-            </a:endParaRPr>
           </a:p>
         </p:txBody>
       </p:sp>
@@ -9692,11 +9569,11 @@
           <a:lstStyle/>
           <a:p>
             <a:r>
-              <a:rPr lang="en-GB" sz="1100" dirty="0" smtClean="0"/>
+              <a:rPr lang="en-GB" sz="1100" dirty="0"/>
               <a:t>Email, </a:t>
             </a:r>
             <a:r>
-              <a:rPr lang="en-GB" sz="1100" dirty="0" err="1" smtClean="0"/>
+              <a:rPr lang="en-GB" sz="1100" dirty="0" err="1"/>
               <a:t>pw</a:t>
             </a:r>
             <a:endParaRPr lang="en-GB" sz="1100" dirty="0"/>
@@ -9741,7 +9618,7 @@
           <a:p>
             <a:pPr algn="ctr"/>
             <a:r>
-              <a:rPr lang="en-GB" sz="1000" dirty="0" err="1" smtClean="0">
+              <a:rPr lang="en-GB" sz="1000" dirty="0" err="1">
                 <a:solidFill>
                   <a:schemeClr val="tx1"/>
                 </a:solidFill>
@@ -9749,18 +9626,13 @@
               <a:t>AuthToken</a:t>
             </a:r>
             <a:r>
-              <a:rPr lang="en-GB" sz="1000" dirty="0" smtClean="0">
+              <a:rPr lang="en-GB" sz="1000" dirty="0">
                 <a:solidFill>
                   <a:schemeClr val="tx1"/>
                 </a:solidFill>
               </a:rPr>
               <a:t> (get token)</a:t>
             </a:r>
-            <a:endParaRPr lang="en-GB" sz="1000" dirty="0">
-              <a:solidFill>
-                <a:schemeClr val="tx1"/>
-              </a:solidFill>
-            </a:endParaRPr>
           </a:p>
         </p:txBody>
       </p:sp>
@@ -9838,18 +9710,13 @@
           <a:p>
             <a:pPr algn="ctr"/>
             <a:r>
-              <a:rPr lang="en-GB" sz="1000" dirty="0" smtClean="0">
+              <a:rPr lang="en-GB" sz="1000" dirty="0">
                 <a:solidFill>
                   <a:schemeClr val="tx1"/>
                 </a:solidFill>
               </a:rPr>
               <a:t>Token ok</a:t>
             </a:r>
-            <a:endParaRPr lang="en-GB" sz="1000" dirty="0">
-              <a:solidFill>
-                <a:schemeClr val="tx1"/>
-              </a:solidFill>
-            </a:endParaRPr>
           </a:p>
         </p:txBody>
       </p:sp>
@@ -9891,7 +9758,7 @@
           <a:p>
             <a:pPr algn="ctr"/>
             <a:r>
-              <a:rPr lang="en-GB" sz="1000" dirty="0" smtClean="0">
+              <a:rPr lang="en-GB" sz="1000" dirty="0">
                 <a:solidFill>
                   <a:schemeClr val="tx1"/>
                 </a:solidFill>
@@ -9899,7 +9766,7 @@
               <a:t>Set </a:t>
             </a:r>
             <a:r>
-              <a:rPr lang="en-GB" sz="1000" dirty="0" err="1" smtClean="0">
+              <a:rPr lang="en-GB" sz="1000" dirty="0" err="1">
                 <a:solidFill>
                   <a:schemeClr val="tx1"/>
                 </a:solidFill>
@@ -9907,18 +9774,13 @@
               <a:t>CurrentUser</a:t>
             </a:r>
             <a:r>
-              <a:rPr lang="en-GB" sz="1000" dirty="0" smtClean="0">
+              <a:rPr lang="en-GB" sz="1000" dirty="0">
                 <a:solidFill>
                   <a:schemeClr val="tx1"/>
                 </a:solidFill>
               </a:rPr>
               <a:t> as “mentor”</a:t>
             </a:r>
-            <a:endParaRPr lang="en-GB" sz="1000" dirty="0">
-              <a:solidFill>
-                <a:schemeClr val="tx1"/>
-              </a:solidFill>
-            </a:endParaRPr>
           </a:p>
         </p:txBody>
       </p:sp>
@@ -10053,10 +9915,9 @@
           <a:lstStyle/>
           <a:p>
             <a:r>
-              <a:rPr lang="en-GB" sz="1100" dirty="0" smtClean="0"/>
+              <a:rPr lang="en-GB" sz="1100" dirty="0"/>
               <a:t>Not in local</a:t>
             </a:r>
-            <a:endParaRPr lang="en-GB" sz="1100" dirty="0"/>
           </a:p>
         </p:txBody>
       </p:sp>
@@ -10098,18 +9959,13 @@
           <a:p>
             <a:pPr algn="ctr"/>
             <a:r>
-              <a:rPr lang="en-GB" sz="1000" dirty="0" smtClean="0">
+              <a:rPr lang="en-GB" sz="1000" dirty="0">
                 <a:solidFill>
                   <a:schemeClr val="tx1"/>
                 </a:solidFill>
               </a:rPr>
               <a:t>Get Mentor and set mentor</a:t>
             </a:r>
-            <a:endParaRPr lang="en-GB" sz="1000" dirty="0">
-              <a:solidFill>
-                <a:schemeClr val="tx1"/>
-              </a:solidFill>
-            </a:endParaRPr>
           </a:p>
         </p:txBody>
       </p:sp>
@@ -10222,18 +10078,13 @@
           <a:p>
             <a:pPr algn="ctr"/>
             <a:r>
-              <a:rPr lang="en-GB" sz="1000" dirty="0" smtClean="0">
+              <a:rPr lang="en-GB" sz="1000" dirty="0">
                 <a:solidFill>
                   <a:schemeClr val="tx1"/>
                 </a:solidFill>
               </a:rPr>
               <a:t>Student Login</a:t>
             </a:r>
-            <a:endParaRPr lang="en-GB" sz="1000" dirty="0">
-              <a:solidFill>
-                <a:schemeClr val="tx1"/>
-              </a:solidFill>
-            </a:endParaRPr>
           </a:p>
         </p:txBody>
       </p:sp>
@@ -10275,18 +10126,13 @@
           <a:p>
             <a:pPr algn="ctr"/>
             <a:r>
-              <a:rPr lang="en-GB" sz="1000" dirty="0" smtClean="0">
+              <a:rPr lang="en-GB" sz="1000" dirty="0">
                 <a:solidFill>
                   <a:schemeClr val="tx1"/>
                 </a:solidFill>
               </a:rPr>
               <a:t>Get student data</a:t>
             </a:r>
-            <a:endParaRPr lang="en-GB" sz="1000" dirty="0">
-              <a:solidFill>
-                <a:schemeClr val="tx1"/>
-              </a:solidFill>
-            </a:endParaRPr>
           </a:p>
         </p:txBody>
       </p:sp>
@@ -10364,7 +10210,7 @@
           <a:p>
             <a:pPr algn="ctr"/>
             <a:r>
-              <a:rPr lang="en-GB" sz="1000" dirty="0" smtClean="0">
+              <a:rPr lang="en-GB" sz="1000" dirty="0">
                 <a:solidFill>
                   <a:schemeClr val="tx1"/>
                 </a:solidFill>
@@ -10372,7 +10218,7 @@
               <a:t>Set </a:t>
             </a:r>
             <a:r>
-              <a:rPr lang="en-GB" sz="1000" dirty="0" err="1" smtClean="0">
+              <a:rPr lang="en-GB" sz="1000" dirty="0" err="1">
                 <a:solidFill>
                   <a:schemeClr val="tx1"/>
                 </a:solidFill>
@@ -10380,18 +10226,13 @@
               <a:t>CurrentUser</a:t>
             </a:r>
             <a:r>
-              <a:rPr lang="en-GB" sz="1000" dirty="0" smtClean="0">
+              <a:rPr lang="en-GB" sz="1000" dirty="0">
                 <a:solidFill>
                   <a:schemeClr val="tx1"/>
                 </a:solidFill>
               </a:rPr>
               <a:t> as “student”</a:t>
             </a:r>
-            <a:endParaRPr lang="en-GB" sz="1000" dirty="0">
-              <a:solidFill>
-                <a:schemeClr val="tx1"/>
-              </a:solidFill>
-            </a:endParaRPr>
           </a:p>
         </p:txBody>
       </p:sp>
@@ -10468,18 +10309,13 @@
           <a:p>
             <a:pPr algn="ctr"/>
             <a:r>
-              <a:rPr lang="en-GB" sz="1000" dirty="0" smtClean="0">
+              <a:rPr lang="en-GB" sz="1000" dirty="0">
                 <a:solidFill>
                   <a:schemeClr val="tx1"/>
                 </a:solidFill>
               </a:rPr>
               <a:t>Set student</a:t>
             </a:r>
-            <a:endParaRPr lang="en-GB" sz="1000" dirty="0">
-              <a:solidFill>
-                <a:schemeClr val="tx1"/>
-              </a:solidFill>
-            </a:endParaRPr>
           </a:p>
         </p:txBody>
       </p:sp>
@@ -10557,18 +10393,13 @@
           <a:p>
             <a:pPr algn="ctr"/>
             <a:r>
-              <a:rPr lang="en-GB" sz="1000" dirty="0" smtClean="0">
+              <a:rPr lang="en-GB" sz="1000" dirty="0">
                 <a:solidFill>
                   <a:schemeClr val="tx1"/>
                 </a:solidFill>
               </a:rPr>
               <a:t>Mentor Home</a:t>
             </a:r>
-            <a:endParaRPr lang="en-GB" sz="1000" dirty="0">
-              <a:solidFill>
-                <a:schemeClr val="tx1"/>
-              </a:solidFill>
-            </a:endParaRPr>
           </a:p>
         </p:txBody>
       </p:sp>
@@ -10645,18 +10476,13 @@
           <a:p>
             <a:pPr algn="ctr"/>
             <a:r>
-              <a:rPr lang="en-GB" sz="1000" dirty="0" smtClean="0">
+              <a:rPr lang="en-GB" sz="1000" dirty="0">
                 <a:solidFill>
                   <a:schemeClr val="tx1"/>
                 </a:solidFill>
               </a:rPr>
               <a:t>Using mentor</a:t>
             </a:r>
-            <a:endParaRPr lang="en-GB" sz="1000" dirty="0">
-              <a:solidFill>
-                <a:schemeClr val="tx1"/>
-              </a:solidFill>
-            </a:endParaRPr>
           </a:p>
         </p:txBody>
       </p:sp>
@@ -10733,34 +10559,13 @@
           <a:p>
             <a:pPr algn="ctr"/>
             <a:r>
-              <a:rPr lang="en-GB" sz="1000" dirty="0" smtClean="0">
-                <a:solidFill>
-                  <a:schemeClr val="tx1"/>
-                </a:solidFill>
-              </a:rPr>
-              <a:t>Enter </a:t>
-            </a:r>
-            <a:r>
               <a:rPr lang="en-GB" sz="1000" dirty="0">
                 <a:solidFill>
                   <a:schemeClr val="tx1"/>
                 </a:solidFill>
               </a:rPr>
-              <a:t>S</a:t>
-            </a:r>
-            <a:r>
-              <a:rPr lang="en-GB" sz="1000" dirty="0" smtClean="0">
-                <a:solidFill>
-                  <a:schemeClr val="tx1"/>
-                </a:solidFill>
-              </a:rPr>
-              <a:t>tudent Home</a:t>
-            </a:r>
-            <a:endParaRPr lang="en-GB" sz="1000" dirty="0">
-              <a:solidFill>
-                <a:schemeClr val="tx1"/>
-              </a:solidFill>
-            </a:endParaRPr>
+              <a:t>Enter Student Home</a:t>
+            </a:r>
           </a:p>
         </p:txBody>
       </p:sp>
@@ -10837,18 +10642,13 @@
           <a:p>
             <a:pPr algn="ctr"/>
             <a:r>
-              <a:rPr lang="en-GB" sz="1000" dirty="0" smtClean="0">
+              <a:rPr lang="en-GB" sz="1000" dirty="0">
                 <a:solidFill>
                   <a:schemeClr val="tx1"/>
                 </a:solidFill>
               </a:rPr>
               <a:t>Common Component</a:t>
             </a:r>
-            <a:endParaRPr lang="en-GB" sz="1000" dirty="0">
-              <a:solidFill>
-                <a:schemeClr val="tx1"/>
-              </a:solidFill>
-            </a:endParaRPr>
           </a:p>
         </p:txBody>
       </p:sp>
@@ -10890,7 +10690,7 @@
           <a:p>
             <a:pPr algn="ctr"/>
             <a:r>
-              <a:rPr lang="en-GB" sz="1000" dirty="0" smtClean="0">
+              <a:rPr lang="en-GB" sz="1000" dirty="0">
                 <a:solidFill>
                   <a:schemeClr val="tx1"/>
                 </a:solidFill>
@@ -10898,7 +10698,7 @@
               <a:t>Using </a:t>
             </a:r>
             <a:r>
-              <a:rPr lang="en-GB" sz="1000" dirty="0" err="1" smtClean="0">
+              <a:rPr lang="en-GB" sz="1000" dirty="0" err="1">
                 <a:solidFill>
                   <a:schemeClr val="tx1"/>
                 </a:solidFill>
@@ -11059,18 +10859,13 @@
           <a:p>
             <a:pPr algn="ctr"/>
             <a:r>
-              <a:rPr lang="en-GB" sz="1000" dirty="0" smtClean="0">
+              <a:rPr lang="en-GB" sz="1000" dirty="0">
                 <a:solidFill>
                   <a:schemeClr val="tx1"/>
                 </a:solidFill>
               </a:rPr>
               <a:t>Using student</a:t>
             </a:r>
-            <a:endParaRPr lang="en-GB" sz="1000" dirty="0">
-              <a:solidFill>
-                <a:schemeClr val="tx1"/>
-              </a:solidFill>
-            </a:endParaRPr>
           </a:p>
         </p:txBody>
       </p:sp>
@@ -11155,10 +10950,9 @@
           <a:lstStyle/>
           <a:p>
             <a:r>
-              <a:rPr lang="en-GB" dirty="0" smtClean="0"/>
+              <a:rPr lang="en-GB" dirty="0"/>
               <a:t>Version 1</a:t>
             </a:r>
-            <a:endParaRPr lang="en-GB" dirty="0"/>
           </a:p>
         </p:txBody>
       </p:sp>
@@ -11180,65 +10974,65 @@
           <a:lstStyle/>
           <a:p>
             <a:r>
-              <a:rPr lang="en-GB" dirty="0" smtClean="0"/>
+              <a:rPr lang="en-GB" dirty="0"/>
               <a:t>Defined student </a:t>
             </a:r>
           </a:p>
           <a:p>
             <a:r>
-              <a:rPr lang="en-GB" dirty="0" smtClean="0"/>
+              <a:rPr lang="en-GB" dirty="0"/>
               <a:t>Defined question bank</a:t>
             </a:r>
           </a:p>
           <a:p>
             <a:r>
-              <a:rPr lang="en-GB" dirty="0" smtClean="0"/>
+              <a:rPr lang="en-GB" dirty="0"/>
               <a:t>Has three pages, </a:t>
             </a:r>
           </a:p>
           <a:p>
             <a:pPr lvl="1"/>
             <a:r>
-              <a:rPr lang="en-GB" dirty="0" smtClean="0"/>
+              <a:rPr lang="en-GB" dirty="0"/>
               <a:t>home page for choose lesson and start button</a:t>
             </a:r>
           </a:p>
           <a:p>
             <a:pPr lvl="1"/>
             <a:r>
-              <a:rPr lang="en-GB" dirty="0" err="1" smtClean="0"/>
+              <a:rPr lang="en-GB" dirty="0" err="1"/>
               <a:t>runGame</a:t>
             </a:r>
             <a:r>
-              <a:rPr lang="en-GB" dirty="0" smtClean="0"/>
+              <a:rPr lang="en-GB" dirty="0"/>
               <a:t> page shows questions one by one</a:t>
             </a:r>
           </a:p>
           <a:p>
             <a:pPr lvl="2"/>
             <a:r>
-              <a:rPr lang="en-GB" dirty="0" smtClean="0"/>
+              <a:rPr lang="en-GB" dirty="0"/>
               <a:t>It has a timer</a:t>
             </a:r>
           </a:p>
           <a:p>
             <a:pPr lvl="2"/>
             <a:r>
-              <a:rPr lang="en-GB" dirty="0" smtClean="0"/>
+              <a:rPr lang="en-GB" dirty="0"/>
               <a:t>It has a label to count number of questions, correct answer, wrong answer</a:t>
             </a:r>
           </a:p>
           <a:p>
             <a:pPr lvl="2"/>
             <a:r>
-              <a:rPr lang="en-GB" dirty="0" smtClean="0"/>
+              <a:rPr lang="en-GB" dirty="0"/>
               <a:t>It has a wrong answer list</a:t>
             </a:r>
           </a:p>
           <a:p>
             <a:pPr lvl="1"/>
             <a:r>
-              <a:rPr lang="en-GB" dirty="0" smtClean="0"/>
+              <a:rPr lang="en-GB" dirty="0"/>
               <a:t>Result/complete page, show result</a:t>
             </a:r>
           </a:p>
@@ -11299,9 +11093,27 @@
                 <a:tableStyleId>{5C22544A-7EE6-4342-B048-85BDC9FD1C3A}</a:tableStyleId>
               </a:tblPr>
               <a:tblGrid>
-                <a:gridCol w="2362200"/>
-                <a:gridCol w="2362200"/>
-                <a:gridCol w="2362200"/>
+                <a:gridCol w="2362200">
+                  <a:extLst>
+                    <a:ext uri="{9D8B030D-6E8A-4147-A177-3AD203B41FA5}">
+                      <a16:colId xmlns:a16="http://schemas.microsoft.com/office/drawing/2014/main" val="20000"/>
+                    </a:ext>
+                  </a:extLst>
+                </a:gridCol>
+                <a:gridCol w="2362200">
+                  <a:extLst>
+                    <a:ext uri="{9D8B030D-6E8A-4147-A177-3AD203B41FA5}">
+                      <a16:colId xmlns:a16="http://schemas.microsoft.com/office/drawing/2014/main" val="20001"/>
+                    </a:ext>
+                  </a:extLst>
+                </a:gridCol>
+                <a:gridCol w="2362200">
+                  <a:extLst>
+                    <a:ext uri="{9D8B030D-6E8A-4147-A177-3AD203B41FA5}">
+                      <a16:colId xmlns:a16="http://schemas.microsoft.com/office/drawing/2014/main" val="20002"/>
+                    </a:ext>
+                  </a:extLst>
+                </a:gridCol>
               </a:tblGrid>
               <a:tr h="331304">
                 <a:tc>
@@ -11310,10 +11122,9 @@
                     <a:lstStyle/>
                     <a:p>
                       <a:r>
-                        <a:rPr lang="en-GB" dirty="0" smtClean="0"/>
+                        <a:rPr lang="en-GB" dirty="0"/>
                         <a:t>Project</a:t>
                       </a:r>
-                      <a:endParaRPr lang="en-GB" dirty="0"/>
                     </a:p>
                   </a:txBody>
                   <a:tcPr/>
@@ -11324,10 +11135,9 @@
                     <a:lstStyle/>
                     <a:p>
                       <a:r>
-                        <a:rPr lang="en-GB" dirty="0" smtClean="0"/>
+                        <a:rPr lang="en-GB" dirty="0"/>
                         <a:t>Technique</a:t>
                       </a:r>
-                      <a:endParaRPr lang="en-GB" dirty="0"/>
                     </a:p>
                   </a:txBody>
                   <a:tcPr/>
@@ -11338,14 +11148,18 @@
                     <a:lstStyle/>
                     <a:p>
                       <a:r>
-                        <a:rPr lang="en-GB" dirty="0" smtClean="0"/>
+                        <a:rPr lang="en-GB" dirty="0"/>
                         <a:t>Will need</a:t>
                       </a:r>
-                      <a:endParaRPr lang="en-GB" dirty="0"/>
                     </a:p>
                   </a:txBody>
                   <a:tcPr/>
                 </a:tc>
+                <a:extLst>
+                  <a:ext uri="{0D108BD9-81ED-4DB2-BD59-A6C34878D82A}">
+                    <a16:rowId xmlns:a16="http://schemas.microsoft.com/office/drawing/2014/main" val="10000"/>
+                  </a:ext>
+                </a:extLst>
               </a:tr>
               <a:tr h="728870">
                 <a:tc>
@@ -11354,7 +11168,7 @@
                     <a:lstStyle/>
                     <a:p>
                       <a:r>
-                        <a:rPr lang="en-GB" sz="1200" dirty="0" err="1" smtClean="0"/>
+                        <a:rPr lang="en-GB" sz="1200" dirty="0" err="1"/>
                         <a:t>Datebase</a:t>
                       </a:r>
                       <a:endParaRPr lang="en-GB" sz="1200" dirty="0"/>
@@ -11368,26 +11182,25 @@
                     <a:lstStyle/>
                     <a:p>
                       <a:r>
-                        <a:rPr lang="en-GB" sz="1200" dirty="0" smtClean="0"/>
+                        <a:rPr lang="en-GB" sz="1200" dirty="0"/>
                         <a:t>Python</a:t>
                       </a:r>
                     </a:p>
                     <a:p>
                       <a:r>
-                        <a:rPr lang="en-GB" sz="1200" dirty="0" smtClean="0"/>
+                        <a:rPr lang="en-GB" sz="1200" dirty="0"/>
                         <a:t>Sqlite3</a:t>
                       </a:r>
                     </a:p>
                     <a:p>
                       <a:r>
-                        <a:rPr lang="en-GB" sz="1200" dirty="0" err="1" smtClean="0"/>
+                        <a:rPr lang="en-GB" sz="1200" dirty="0" err="1"/>
                         <a:t>Csv</a:t>
                       </a:r>
                       <a:r>
-                        <a:rPr lang="en-GB" sz="1200" dirty="0" smtClean="0"/>
+                        <a:rPr lang="en-GB" sz="1200" dirty="0"/>
                         <a:t> process</a:t>
                       </a:r>
-                      <a:endParaRPr lang="en-GB" sz="1200" dirty="0"/>
                     </a:p>
                   </a:txBody>
                   <a:tcPr/>
@@ -11398,11 +11211,11 @@
                     <a:lstStyle/>
                     <a:p>
                       <a:r>
-                        <a:rPr lang="en-GB" sz="1200" dirty="0" smtClean="0"/>
+                        <a:rPr lang="en-GB" sz="1200" dirty="0"/>
                         <a:t>Web </a:t>
                       </a:r>
                       <a:r>
-                        <a:rPr lang="en-GB" sz="1200" dirty="0" err="1" smtClean="0"/>
+                        <a:rPr lang="en-GB" sz="1200" dirty="0" err="1"/>
                         <a:t>scraptor</a:t>
                       </a:r>
                       <a:endParaRPr lang="en-GB" sz="1200" dirty="0"/>
@@ -11410,6 +11223,11 @@
                   </a:txBody>
                   <a:tcPr/>
                 </a:tc>
+                <a:extLst>
+                  <a:ext uri="{0D108BD9-81ED-4DB2-BD59-A6C34878D82A}">
+                    <a16:rowId xmlns:a16="http://schemas.microsoft.com/office/drawing/2014/main" val="10001"/>
+                  </a:ext>
+                </a:extLst>
               </a:tr>
               <a:tr h="728870">
                 <a:tc>
@@ -11418,10 +11236,9 @@
                     <a:lstStyle/>
                     <a:p>
                       <a:r>
-                        <a:rPr lang="en-GB" sz="1200" dirty="0" smtClean="0"/>
+                        <a:rPr lang="en-GB" sz="1200" dirty="0"/>
                         <a:t>Back-end</a:t>
                       </a:r>
-                      <a:endParaRPr lang="en-GB" sz="1200" dirty="0"/>
                     </a:p>
                   </a:txBody>
                   <a:tcPr/>
@@ -11432,57 +11249,57 @@
                     <a:lstStyle/>
                     <a:p>
                       <a:r>
-                        <a:rPr lang="en-GB" sz="1200" dirty="0" err="1" smtClean="0"/>
+                        <a:rPr lang="en-GB" sz="1200" dirty="0" err="1"/>
                         <a:t>Golang</a:t>
                       </a:r>
-                      <a:endParaRPr lang="en-GB" sz="1200" dirty="0" smtClean="0"/>
+                      <a:endParaRPr lang="en-GB" sz="1200" dirty="0"/>
                     </a:p>
                     <a:p>
                       <a:r>
-                        <a:rPr lang="en-GB" sz="1200" dirty="0" smtClean="0"/>
+                        <a:rPr lang="en-GB" sz="1200" dirty="0"/>
                         <a:t>Go</a:t>
                       </a:r>
                       <a:r>
-                        <a:rPr lang="en-GB" sz="1200" baseline="0" dirty="0" smtClean="0"/>
+                        <a:rPr lang="en-GB" sz="1200" baseline="0" dirty="0"/>
                         <a:t> </a:t>
                       </a:r>
                       <a:r>
-                        <a:rPr lang="en-GB" sz="1200" baseline="0" dirty="0" err="1" smtClean="0"/>
+                        <a:rPr lang="en-GB" sz="1200" baseline="0" dirty="0" err="1"/>
                         <a:t>grame</a:t>
                       </a:r>
-                      <a:endParaRPr lang="en-GB" sz="1200" dirty="0" smtClean="0"/>
+                      <a:endParaRPr lang="en-GB" sz="1200" dirty="0"/>
                     </a:p>
                     <a:p>
                       <a:r>
-                        <a:rPr lang="en-GB" sz="1200" dirty="0" err="1" smtClean="0"/>
+                        <a:rPr lang="en-GB" sz="1200" dirty="0" err="1"/>
                         <a:t>Gqlgen</a:t>
                       </a:r>
                       <a:r>
-                        <a:rPr lang="en-GB" sz="1200" baseline="0" dirty="0" smtClean="0"/>
+                        <a:rPr lang="en-GB" sz="1200" baseline="0" dirty="0"/>
                         <a:t> </a:t>
                       </a:r>
                       <a:r>
-                        <a:rPr lang="en-GB" sz="1200" dirty="0" smtClean="0"/>
+                        <a:rPr lang="en-GB" sz="1200" dirty="0"/>
                         <a:t>(</a:t>
                       </a:r>
                       <a:r>
-                        <a:rPr lang="en-GB" sz="1200" dirty="0" err="1" smtClean="0"/>
+                        <a:rPr lang="en-GB" sz="1200" dirty="0" err="1"/>
                         <a:t>GraphQl</a:t>
                       </a:r>
                       <a:r>
-                        <a:rPr lang="en-GB" sz="1200" dirty="0" smtClean="0"/>
+                        <a:rPr lang="en-GB" sz="1200" dirty="0"/>
                         <a:t>)</a:t>
                       </a:r>
                     </a:p>
                     <a:p>
                       <a:r>
-                        <a:rPr lang="en-GB" sz="1200" dirty="0" smtClean="0"/>
+                        <a:rPr lang="en-GB" sz="1200" dirty="0"/>
                         <a:t>Sqlite3</a:t>
                       </a:r>
                     </a:p>
                     <a:p>
                       <a:r>
-                        <a:rPr lang="en-GB" sz="1200" dirty="0" err="1" smtClean="0"/>
+                        <a:rPr lang="en-GB" sz="1200" dirty="0" err="1"/>
                         <a:t>Jwt</a:t>
                       </a:r>
                       <a:endParaRPr lang="en-GB" sz="1200" dirty="0"/>
@@ -11496,18 +11313,18 @@
                     <a:lstStyle/>
                     <a:p>
                       <a:r>
-                        <a:rPr lang="en-GB" sz="1200" dirty="0" smtClean="0"/>
-                        <a:t>Graph </a:t>
+                        <a:rPr lang="en-GB" sz="1200" dirty="0"/>
+                        <a:t>Graph Database</a:t>
                       </a:r>
-                      <a:r>
-                        <a:rPr lang="en-GB" sz="1200" dirty="0" smtClean="0"/>
-                        <a:t>Database</a:t>
-                      </a:r>
-                      <a:endParaRPr lang="en-GB" sz="1200" dirty="0" smtClean="0"/>
                     </a:p>
                   </a:txBody>
                   <a:tcPr/>
                 </a:tc>
+                <a:extLst>
+                  <a:ext uri="{0D108BD9-81ED-4DB2-BD59-A6C34878D82A}">
+                    <a16:rowId xmlns:a16="http://schemas.microsoft.com/office/drawing/2014/main" val="10002"/>
+                  </a:ext>
+                </a:extLst>
               </a:tr>
               <a:tr h="1043609">
                 <a:tc>
@@ -11516,10 +11333,9 @@
                     <a:lstStyle/>
                     <a:p>
                       <a:r>
-                        <a:rPr lang="en-GB" sz="1200" dirty="0" smtClean="0"/>
+                        <a:rPr lang="en-GB" sz="1200" dirty="0"/>
                         <a:t>Front-end</a:t>
                       </a:r>
-                      <a:endParaRPr lang="en-GB" sz="1200" dirty="0"/>
                     </a:p>
                   </a:txBody>
                   <a:tcPr/>
@@ -11530,56 +11346,55 @@
                     <a:lstStyle/>
                     <a:p>
                       <a:r>
-                        <a:rPr lang="en-GB" sz="1200" dirty="0" smtClean="0"/>
+                        <a:rPr lang="en-GB" sz="1200" dirty="0"/>
                         <a:t>Vue.js</a:t>
                       </a:r>
                     </a:p>
                     <a:p>
                       <a:r>
-                        <a:rPr lang="en-GB" sz="1200" dirty="0" smtClean="0"/>
+                        <a:rPr lang="en-GB" sz="1200" dirty="0"/>
                         <a:t>Quasar</a:t>
                       </a:r>
                     </a:p>
                     <a:p>
                       <a:r>
-                        <a:rPr lang="en-GB" sz="1200" dirty="0" smtClean="0"/>
+                        <a:rPr lang="en-GB" sz="1200" dirty="0"/>
                         <a:t>Html, CSS</a:t>
                       </a:r>
                     </a:p>
                     <a:p>
                       <a:r>
-                        <a:rPr lang="en-GB" sz="1200" dirty="0" err="1" smtClean="0"/>
+                        <a:rPr lang="en-GB" sz="1200" dirty="0" err="1"/>
                         <a:t>Zrender</a:t>
                       </a:r>
                       <a:r>
-                        <a:rPr lang="en-GB" sz="1200" dirty="0" smtClean="0"/>
+                        <a:rPr lang="en-GB" sz="1200" dirty="0"/>
                         <a:t> (2D)</a:t>
                       </a:r>
                     </a:p>
                     <a:p>
                       <a:r>
-                        <a:rPr lang="en-GB" sz="1200" dirty="0" err="1" smtClean="0"/>
+                        <a:rPr lang="en-GB" sz="1200" dirty="0" err="1"/>
                         <a:t>Echarts</a:t>
                       </a:r>
                       <a:r>
-                        <a:rPr lang="en-GB" sz="1200" dirty="0" smtClean="0"/>
+                        <a:rPr lang="en-GB" sz="1200" dirty="0"/>
                         <a:t> (chart)</a:t>
                       </a:r>
                     </a:p>
                     <a:p>
                       <a:r>
-                        <a:rPr lang="en-GB" sz="1200" dirty="0" smtClean="0"/>
+                        <a:rPr lang="en-GB" sz="1200" dirty="0"/>
                         <a:t>Apollo (</a:t>
                       </a:r>
                       <a:r>
-                        <a:rPr lang="en-GB" sz="1200" dirty="0" err="1" smtClean="0"/>
+                        <a:rPr lang="en-GB" sz="1200" dirty="0" err="1"/>
                         <a:t>GraphQL</a:t>
                       </a:r>
                       <a:r>
-                        <a:rPr lang="en-GB" sz="1200" dirty="0" smtClean="0"/>
+                        <a:rPr lang="en-GB" sz="1200" dirty="0"/>
                         <a:t>)</a:t>
                       </a:r>
-                      <a:endParaRPr lang="en-GB" sz="1200" dirty="0"/>
                     </a:p>
                   </a:txBody>
                   <a:tcPr/>
@@ -11590,37 +11405,41 @@
                     <a:lstStyle/>
                     <a:p>
                       <a:r>
-                        <a:rPr lang="en-GB" sz="1200" dirty="0" smtClean="0"/>
+                        <a:rPr lang="en-GB" sz="1200" dirty="0"/>
                         <a:t>Three.js (3D)</a:t>
                       </a:r>
                     </a:p>
                     <a:p>
                       <a:r>
-                        <a:rPr lang="en-GB" sz="1200" dirty="0" smtClean="0"/>
+                        <a:rPr lang="en-GB" sz="1200" dirty="0"/>
                         <a:t>Cordova (Android App)</a:t>
                       </a:r>
                     </a:p>
                     <a:p>
                       <a:r>
-                        <a:rPr lang="en-GB" sz="1200" dirty="0" smtClean="0"/>
+                        <a:rPr lang="en-GB" sz="1200" dirty="0"/>
                         <a:t>Capacitor (</a:t>
                       </a:r>
                       <a:r>
-                        <a:rPr lang="en-GB" sz="1200" smtClean="0"/>
+                        <a:rPr lang="en-GB" sz="1200"/>
                         <a:t>IOS App)</a:t>
                       </a:r>
-                      <a:endParaRPr lang="en-GB" sz="1200" dirty="0" smtClean="0"/>
+                      <a:endParaRPr lang="en-GB" sz="1200" dirty="0"/>
                     </a:p>
                     <a:p>
                       <a:r>
-                        <a:rPr lang="en-GB" sz="1200" dirty="0" smtClean="0"/>
+                        <a:rPr lang="en-GB" sz="1200" dirty="0"/>
                         <a:t>Electron (Desktop App)</a:t>
                       </a:r>
-                      <a:endParaRPr lang="en-GB" sz="1200" dirty="0"/>
                     </a:p>
                   </a:txBody>
                   <a:tcPr/>
                 </a:tc>
+                <a:extLst>
+                  <a:ext uri="{0D108BD9-81ED-4DB2-BD59-A6C34878D82A}">
+                    <a16:rowId xmlns:a16="http://schemas.microsoft.com/office/drawing/2014/main" val="10003"/>
+                  </a:ext>
+                </a:extLst>
               </a:tr>
               <a:tr h="1043609">
                 <a:tc>
@@ -11629,10 +11448,9 @@
                     <a:lstStyle/>
                     <a:p>
                       <a:r>
-                        <a:rPr lang="en-GB" sz="1200" dirty="0" smtClean="0"/>
+                        <a:rPr lang="en-GB" sz="1200" dirty="0"/>
                         <a:t>Deployment</a:t>
                       </a:r>
-                      <a:endParaRPr lang="en-GB" sz="1200" dirty="0"/>
                     </a:p>
                   </a:txBody>
                   <a:tcPr/>
@@ -11643,35 +11461,34 @@
                     <a:lstStyle/>
                     <a:p>
                       <a:r>
-                        <a:rPr lang="en-GB" sz="1200" dirty="0" smtClean="0"/>
+                        <a:rPr lang="en-GB" sz="1200" dirty="0"/>
                         <a:t>AWS</a:t>
                       </a:r>
                     </a:p>
                     <a:p>
                       <a:r>
-                        <a:rPr lang="en-GB" sz="1200" dirty="0" smtClean="0"/>
+                        <a:rPr lang="en-GB" sz="1200" dirty="0"/>
                         <a:t>Ubuntu</a:t>
                       </a:r>
                     </a:p>
                     <a:p>
                       <a:r>
-                        <a:rPr lang="en-GB" sz="1200" dirty="0" err="1" smtClean="0"/>
+                        <a:rPr lang="en-GB" sz="1200" dirty="0" err="1"/>
                         <a:t>Nginx</a:t>
                       </a:r>
-                      <a:endParaRPr lang="en-GB" sz="1200" dirty="0" smtClean="0"/>
+                      <a:endParaRPr lang="en-GB" sz="1200" dirty="0"/>
                     </a:p>
                     <a:p>
                       <a:r>
-                        <a:rPr lang="en-GB" sz="1200" dirty="0" smtClean="0"/>
+                        <a:rPr lang="en-GB" sz="1200" dirty="0"/>
                         <a:t>Domain</a:t>
                       </a:r>
                     </a:p>
                     <a:p>
                       <a:r>
-                        <a:rPr lang="en-GB" sz="1200" dirty="0" smtClean="0"/>
+                        <a:rPr lang="en-GB" sz="1200" dirty="0"/>
                         <a:t>Git</a:t>
                       </a:r>
-                      <a:endParaRPr lang="en-GB" sz="1200" dirty="0"/>
                     </a:p>
                   </a:txBody>
                   <a:tcPr/>
@@ -11682,21 +11499,21 @@
                     <a:lstStyle/>
                     <a:p>
                       <a:r>
-                        <a:rPr lang="en-GB" sz="1200" dirty="0" err="1" smtClean="0"/>
+                        <a:rPr lang="en-GB" sz="1200" dirty="0" err="1"/>
                         <a:t>Docker</a:t>
                       </a:r>
-                      <a:endParaRPr lang="en-GB" sz="1200" dirty="0" smtClean="0"/>
+                      <a:endParaRPr lang="en-GB" sz="1200" dirty="0"/>
                     </a:p>
                     <a:p>
                       <a:r>
-                        <a:rPr lang="en-GB" sz="1200" dirty="0" err="1" smtClean="0"/>
+                        <a:rPr lang="en-GB" sz="1200" dirty="0" err="1"/>
                         <a:t>Redis</a:t>
                       </a:r>
-                      <a:endParaRPr lang="en-GB" sz="1200" dirty="0" smtClean="0"/>
+                      <a:endParaRPr lang="en-GB" sz="1200" dirty="0"/>
                     </a:p>
                     <a:p>
                       <a:r>
-                        <a:rPr lang="en-GB" sz="1200" dirty="0" err="1" smtClean="0"/>
+                        <a:rPr lang="en-GB" sz="1200" dirty="0" err="1"/>
                         <a:t>uWsgi</a:t>
                       </a:r>
                       <a:endParaRPr lang="en-GB" sz="1200" dirty="0"/>
@@ -11704,6 +11521,11 @@
                   </a:txBody>
                   <a:tcPr/>
                 </a:tc>
+                <a:extLst>
+                  <a:ext uri="{0D108BD9-81ED-4DB2-BD59-A6C34878D82A}">
+                    <a16:rowId xmlns:a16="http://schemas.microsoft.com/office/drawing/2014/main" val="10004"/>
+                  </a:ext>
+                </a:extLst>
               </a:tr>
             </a:tbl>
           </a:graphicData>
@@ -11713,6 +11535,1078 @@
     <p:extLst>
       <p:ext uri="{BB962C8B-B14F-4D97-AF65-F5344CB8AC3E}">
         <p14:creationId xmlns:p14="http://schemas.microsoft.com/office/powerpoint/2010/main" val="164991440"/>
+      </p:ext>
+    </p:extLst>
+  </p:cSld>
+  <p:clrMapOvr>
+    <a:masterClrMapping/>
+  </p:clrMapOvr>
+</p:sld>
+</file>
+
+<file path=ppt/slides/slide21.xml><?xml version="1.0" encoding="utf-8"?>
+<p:sld xmlns:a="http://schemas.openxmlformats.org/drawingml/2006/main" xmlns:r="http://schemas.openxmlformats.org/officeDocument/2006/relationships" xmlns:p="http://schemas.openxmlformats.org/presentationml/2006/main">
+  <p:cSld>
+    <p:spTree>
+      <p:nvGrpSpPr>
+        <p:cNvPr id="1" name=""/>
+        <p:cNvGrpSpPr/>
+        <p:nvPr/>
+      </p:nvGrpSpPr>
+      <p:grpSpPr>
+        <a:xfrm>
+          <a:off x="0" y="0"/>
+          <a:ext cx="0" cy="0"/>
+          <a:chOff x="0" y="0"/>
+          <a:chExt cx="0" cy="0"/>
+        </a:xfrm>
+      </p:grpSpPr>
+      <p:sp>
+        <p:nvSpPr>
+          <p:cNvPr id="4" name="Rectangle 3">
+            <a:extLst>
+              <a:ext uri="{FF2B5EF4-FFF2-40B4-BE49-F238E27FC236}">
+                <a16:creationId xmlns:a16="http://schemas.microsoft.com/office/drawing/2014/main" id="{94247AF8-6518-4668-A7F1-DD714AA4A252}"/>
+              </a:ext>
+            </a:extLst>
+          </p:cNvPr>
+          <p:cNvSpPr/>
+          <p:nvPr/>
+        </p:nvSpPr>
+        <p:spPr>
+          <a:xfrm>
+            <a:off x="3420070" y="990600"/>
+            <a:ext cx="1295400" cy="381000"/>
+          </a:xfrm>
+          <a:prstGeom prst="rect">
+            <a:avLst/>
+          </a:prstGeom>
+          <a:noFill/>
+        </p:spPr>
+        <p:style>
+          <a:lnRef idx="2">
+            <a:schemeClr val="accent1">
+              <a:shade val="50000"/>
+            </a:schemeClr>
+          </a:lnRef>
+          <a:fillRef idx="1">
+            <a:schemeClr val="accent1"/>
+          </a:fillRef>
+          <a:effectRef idx="0">
+            <a:schemeClr val="accent1"/>
+          </a:effectRef>
+          <a:fontRef idx="minor">
+            <a:schemeClr val="lt1"/>
+          </a:fontRef>
+        </p:style>
+        <p:txBody>
+          <a:bodyPr rtlCol="0" anchor="ctr"/>
+          <a:lstStyle/>
+          <a:p>
+            <a:pPr algn="ctr"/>
+            <a:r>
+              <a:rPr lang="en-GB" sz="1000" dirty="0">
+                <a:solidFill>
+                  <a:schemeClr val="tx1"/>
+                </a:solidFill>
+              </a:rPr>
+              <a:t>Router 53 (Domain Register)</a:t>
+            </a:r>
+          </a:p>
+        </p:txBody>
+      </p:sp>
+      <p:sp>
+        <p:nvSpPr>
+          <p:cNvPr id="5" name="Rectangle 4">
+            <a:extLst>
+              <a:ext uri="{FF2B5EF4-FFF2-40B4-BE49-F238E27FC236}">
+                <a16:creationId xmlns:a16="http://schemas.microsoft.com/office/drawing/2014/main" id="{A613CEC8-9044-43DB-85A4-E2E1F54E68C4}"/>
+              </a:ext>
+            </a:extLst>
+          </p:cNvPr>
+          <p:cNvSpPr/>
+          <p:nvPr/>
+        </p:nvSpPr>
+        <p:spPr>
+          <a:xfrm>
+            <a:off x="3420070" y="1828800"/>
+            <a:ext cx="1295400" cy="381000"/>
+          </a:xfrm>
+          <a:prstGeom prst="rect">
+            <a:avLst/>
+          </a:prstGeom>
+          <a:noFill/>
+        </p:spPr>
+        <p:style>
+          <a:lnRef idx="2">
+            <a:schemeClr val="accent1">
+              <a:shade val="50000"/>
+            </a:schemeClr>
+          </a:lnRef>
+          <a:fillRef idx="1">
+            <a:schemeClr val="accent1"/>
+          </a:fillRef>
+          <a:effectRef idx="0">
+            <a:schemeClr val="accent1"/>
+          </a:effectRef>
+          <a:fontRef idx="minor">
+            <a:schemeClr val="lt1"/>
+          </a:fontRef>
+        </p:style>
+        <p:txBody>
+          <a:bodyPr rtlCol="0" anchor="ctr"/>
+          <a:lstStyle/>
+          <a:p>
+            <a:pPr algn="ctr"/>
+            <a:r>
+              <a:rPr lang="en-GB" sz="1000" dirty="0">
+                <a:solidFill>
+                  <a:schemeClr val="tx1"/>
+                </a:solidFill>
+              </a:rPr>
+              <a:t>Cloud Front(DNS)</a:t>
+            </a:r>
+          </a:p>
+        </p:txBody>
+      </p:sp>
+      <p:cxnSp>
+        <p:nvCxnSpPr>
+          <p:cNvPr id="7" name="Straight Arrow Connector 6">
+            <a:extLst>
+              <a:ext uri="{FF2B5EF4-FFF2-40B4-BE49-F238E27FC236}">
+                <a16:creationId xmlns:a16="http://schemas.microsoft.com/office/drawing/2014/main" id="{4C24A9BA-A132-4676-9C1B-8C235A19EA8B}"/>
+              </a:ext>
+            </a:extLst>
+          </p:cNvPr>
+          <p:cNvCxnSpPr>
+            <a:stCxn id="4" idx="2"/>
+            <a:endCxn id="5" idx="0"/>
+          </p:cNvCxnSpPr>
+          <p:nvPr/>
+        </p:nvCxnSpPr>
+        <p:spPr>
+          <a:xfrm>
+            <a:off x="4067770" y="1371600"/>
+            <a:ext cx="0" cy="457200"/>
+          </a:xfrm>
+          <a:prstGeom prst="straightConnector1">
+            <a:avLst/>
+          </a:prstGeom>
+          <a:ln>
+            <a:tailEnd type="triangle"/>
+          </a:ln>
+        </p:spPr>
+        <p:style>
+          <a:lnRef idx="1">
+            <a:schemeClr val="accent1"/>
+          </a:lnRef>
+          <a:fillRef idx="0">
+            <a:schemeClr val="accent1"/>
+          </a:fillRef>
+          <a:effectRef idx="0">
+            <a:schemeClr val="accent1"/>
+          </a:effectRef>
+          <a:fontRef idx="minor">
+            <a:schemeClr val="tx1"/>
+          </a:fontRef>
+        </p:style>
+      </p:cxnSp>
+      <p:sp>
+        <p:nvSpPr>
+          <p:cNvPr id="8" name="Rectangle 7">
+            <a:extLst>
+              <a:ext uri="{FF2B5EF4-FFF2-40B4-BE49-F238E27FC236}">
+                <a16:creationId xmlns:a16="http://schemas.microsoft.com/office/drawing/2014/main" id="{82B1ED84-C3B8-4DB0-AB69-EBA7905C5C1B}"/>
+              </a:ext>
+            </a:extLst>
+          </p:cNvPr>
+          <p:cNvSpPr/>
+          <p:nvPr/>
+        </p:nvSpPr>
+        <p:spPr>
+          <a:xfrm>
+            <a:off x="1181194" y="1816768"/>
+            <a:ext cx="1295400" cy="381000"/>
+          </a:xfrm>
+          <a:prstGeom prst="rect">
+            <a:avLst/>
+          </a:prstGeom>
+          <a:noFill/>
+        </p:spPr>
+        <p:style>
+          <a:lnRef idx="2">
+            <a:schemeClr val="accent1">
+              <a:shade val="50000"/>
+            </a:schemeClr>
+          </a:lnRef>
+          <a:fillRef idx="1">
+            <a:schemeClr val="accent1"/>
+          </a:fillRef>
+          <a:effectRef idx="0">
+            <a:schemeClr val="accent1"/>
+          </a:effectRef>
+          <a:fontRef idx="minor">
+            <a:schemeClr val="lt1"/>
+          </a:fontRef>
+        </p:style>
+        <p:txBody>
+          <a:bodyPr rtlCol="0" anchor="ctr"/>
+          <a:lstStyle/>
+          <a:p>
+            <a:pPr algn="ctr"/>
+            <a:r>
+              <a:rPr lang="en-GB" sz="1000" dirty="0">
+                <a:solidFill>
+                  <a:schemeClr val="tx1"/>
+                </a:solidFill>
+              </a:rPr>
+              <a:t>User (PC/Mobile Web browser)</a:t>
+            </a:r>
+          </a:p>
+        </p:txBody>
+      </p:sp>
+      <p:cxnSp>
+        <p:nvCxnSpPr>
+          <p:cNvPr id="10" name="Straight Arrow Connector 9">
+            <a:extLst>
+              <a:ext uri="{FF2B5EF4-FFF2-40B4-BE49-F238E27FC236}">
+                <a16:creationId xmlns:a16="http://schemas.microsoft.com/office/drawing/2014/main" id="{7A1DFB49-83E6-4F7B-8DEC-7F3B7C60F1E0}"/>
+              </a:ext>
+            </a:extLst>
+          </p:cNvPr>
+          <p:cNvCxnSpPr>
+            <a:stCxn id="8" idx="3"/>
+            <a:endCxn id="5" idx="1"/>
+          </p:cNvCxnSpPr>
+          <p:nvPr/>
+        </p:nvCxnSpPr>
+        <p:spPr>
+          <a:xfrm>
+            <a:off x="2476594" y="2007268"/>
+            <a:ext cx="943476" cy="12032"/>
+          </a:xfrm>
+          <a:prstGeom prst="straightConnector1">
+            <a:avLst/>
+          </a:prstGeom>
+          <a:ln>
+            <a:tailEnd type="triangle"/>
+          </a:ln>
+        </p:spPr>
+        <p:style>
+          <a:lnRef idx="1">
+            <a:schemeClr val="accent1"/>
+          </a:lnRef>
+          <a:fillRef idx="0">
+            <a:schemeClr val="accent1"/>
+          </a:fillRef>
+          <a:effectRef idx="0">
+            <a:schemeClr val="accent1"/>
+          </a:effectRef>
+          <a:fontRef idx="minor">
+            <a:schemeClr val="tx1"/>
+          </a:fontRef>
+        </p:style>
+      </p:cxnSp>
+      <p:sp>
+        <p:nvSpPr>
+          <p:cNvPr id="11" name="Rectangle 10">
+            <a:extLst>
+              <a:ext uri="{FF2B5EF4-FFF2-40B4-BE49-F238E27FC236}">
+                <a16:creationId xmlns:a16="http://schemas.microsoft.com/office/drawing/2014/main" id="{88233D03-3FE7-4985-B598-2993A8FC4F8B}"/>
+              </a:ext>
+            </a:extLst>
+          </p:cNvPr>
+          <p:cNvSpPr/>
+          <p:nvPr/>
+        </p:nvSpPr>
+        <p:spPr>
+          <a:xfrm>
+            <a:off x="5867400" y="1828800"/>
+            <a:ext cx="1295400" cy="381000"/>
+          </a:xfrm>
+          <a:prstGeom prst="rect">
+            <a:avLst/>
+          </a:prstGeom>
+          <a:noFill/>
+        </p:spPr>
+        <p:style>
+          <a:lnRef idx="2">
+            <a:schemeClr val="accent1">
+              <a:shade val="50000"/>
+            </a:schemeClr>
+          </a:lnRef>
+          <a:fillRef idx="1">
+            <a:schemeClr val="accent1"/>
+          </a:fillRef>
+          <a:effectRef idx="0">
+            <a:schemeClr val="accent1"/>
+          </a:effectRef>
+          <a:fontRef idx="minor">
+            <a:schemeClr val="lt1"/>
+          </a:fontRef>
+        </p:style>
+        <p:txBody>
+          <a:bodyPr rtlCol="0" anchor="ctr"/>
+          <a:lstStyle/>
+          <a:p>
+            <a:pPr algn="ctr"/>
+            <a:r>
+              <a:rPr lang="en-GB" sz="1000" dirty="0">
+                <a:solidFill>
+                  <a:schemeClr val="tx1"/>
+                </a:solidFill>
+              </a:rPr>
+              <a:t>S3(SPA)</a:t>
+            </a:r>
+          </a:p>
+        </p:txBody>
+      </p:sp>
+      <p:cxnSp>
+        <p:nvCxnSpPr>
+          <p:cNvPr id="13" name="Straight Arrow Connector 12">
+            <a:extLst>
+              <a:ext uri="{FF2B5EF4-FFF2-40B4-BE49-F238E27FC236}">
+                <a16:creationId xmlns:a16="http://schemas.microsoft.com/office/drawing/2014/main" id="{9EE54B6A-DEDA-447D-8D89-FD7EC3869C39}"/>
+              </a:ext>
+            </a:extLst>
+          </p:cNvPr>
+          <p:cNvCxnSpPr>
+            <a:cxnSpLocks/>
+            <a:stCxn id="5" idx="3"/>
+            <a:endCxn id="11" idx="1"/>
+          </p:cNvCxnSpPr>
+          <p:nvPr/>
+        </p:nvCxnSpPr>
+        <p:spPr>
+          <a:xfrm>
+            <a:off x="4715470" y="2019300"/>
+            <a:ext cx="1151930" cy="0"/>
+          </a:xfrm>
+          <a:prstGeom prst="straightConnector1">
+            <a:avLst/>
+          </a:prstGeom>
+          <a:ln>
+            <a:tailEnd type="triangle"/>
+          </a:ln>
+        </p:spPr>
+        <p:style>
+          <a:lnRef idx="1">
+            <a:schemeClr val="accent1"/>
+          </a:lnRef>
+          <a:fillRef idx="0">
+            <a:schemeClr val="accent1"/>
+          </a:fillRef>
+          <a:effectRef idx="0">
+            <a:schemeClr val="accent1"/>
+          </a:effectRef>
+          <a:fontRef idx="minor">
+            <a:schemeClr val="tx1"/>
+          </a:fontRef>
+        </p:style>
+      </p:cxnSp>
+      <p:sp>
+        <p:nvSpPr>
+          <p:cNvPr id="15" name="TextBox 14">
+            <a:extLst>
+              <a:ext uri="{FF2B5EF4-FFF2-40B4-BE49-F238E27FC236}">
+                <a16:creationId xmlns:a16="http://schemas.microsoft.com/office/drawing/2014/main" id="{05EC21E8-8AED-4881-A50B-6D22067D0ABD}"/>
+              </a:ext>
+            </a:extLst>
+          </p:cNvPr>
+          <p:cNvSpPr txBox="1"/>
+          <p:nvPr/>
+        </p:nvSpPr>
+        <p:spPr>
+          <a:xfrm>
+            <a:off x="4831316" y="1727959"/>
+            <a:ext cx="405880" cy="246221"/>
+          </a:xfrm>
+          <a:prstGeom prst="rect">
+            <a:avLst/>
+          </a:prstGeom>
+          <a:noFill/>
+        </p:spPr>
+        <p:txBody>
+          <a:bodyPr wrap="none" rtlCol="0">
+            <a:spAutoFit/>
+          </a:bodyPr>
+          <a:lstStyle/>
+          <a:p>
+            <a:r>
+              <a:rPr lang="en-GB" sz="1000" dirty="0"/>
+              <a:t>http</a:t>
+            </a:r>
+          </a:p>
+        </p:txBody>
+      </p:sp>
+      <p:sp>
+        <p:nvSpPr>
+          <p:cNvPr id="16" name="TextBox 15">
+            <a:extLst>
+              <a:ext uri="{FF2B5EF4-FFF2-40B4-BE49-F238E27FC236}">
+                <a16:creationId xmlns:a16="http://schemas.microsoft.com/office/drawing/2014/main" id="{462BF16E-C367-4CE1-AC10-44C490A03B10}"/>
+              </a:ext>
+            </a:extLst>
+          </p:cNvPr>
+          <p:cNvSpPr txBox="1"/>
+          <p:nvPr/>
+        </p:nvSpPr>
+        <p:spPr>
+          <a:xfrm>
+            <a:off x="2429470" y="1752600"/>
+            <a:ext cx="1034257" cy="246221"/>
+          </a:xfrm>
+          <a:prstGeom prst="rect">
+            <a:avLst/>
+          </a:prstGeom>
+          <a:noFill/>
+        </p:spPr>
+        <p:txBody>
+          <a:bodyPr wrap="none" rtlCol="0">
+            <a:spAutoFit/>
+          </a:bodyPr>
+          <a:lstStyle/>
+          <a:p>
+            <a:r>
+              <a:rPr lang="en-GB" sz="1000" dirty="0"/>
+              <a:t>https://ttm.com</a:t>
+            </a:r>
+          </a:p>
+        </p:txBody>
+      </p:sp>
+      <p:cxnSp>
+        <p:nvCxnSpPr>
+          <p:cNvPr id="18" name="Connector: Elbow 17">
+            <a:extLst>
+              <a:ext uri="{FF2B5EF4-FFF2-40B4-BE49-F238E27FC236}">
+                <a16:creationId xmlns:a16="http://schemas.microsoft.com/office/drawing/2014/main" id="{FA0D2E31-D490-4D10-98FF-E2B7E15AAC76}"/>
+              </a:ext>
+            </a:extLst>
+          </p:cNvPr>
+          <p:cNvCxnSpPr>
+            <a:stCxn id="8" idx="2"/>
+            <a:endCxn id="11" idx="2"/>
+          </p:cNvCxnSpPr>
+          <p:nvPr/>
+        </p:nvCxnSpPr>
+        <p:spPr>
+          <a:xfrm rot="16200000" flipH="1">
+            <a:off x="4165981" y="-139319"/>
+            <a:ext cx="12032" cy="4686206"/>
+          </a:xfrm>
+          <a:prstGeom prst="bentConnector3">
+            <a:avLst>
+              <a:gd name="adj1" fmla="val 3866531"/>
+            </a:avLst>
+          </a:prstGeom>
+          <a:ln>
+            <a:tailEnd type="triangle"/>
+          </a:ln>
+        </p:spPr>
+        <p:style>
+          <a:lnRef idx="1">
+            <a:schemeClr val="accent1"/>
+          </a:lnRef>
+          <a:fillRef idx="0">
+            <a:schemeClr val="accent1"/>
+          </a:fillRef>
+          <a:effectRef idx="0">
+            <a:schemeClr val="accent1"/>
+          </a:effectRef>
+          <a:fontRef idx="minor">
+            <a:schemeClr val="tx1"/>
+          </a:fontRef>
+        </p:style>
+      </p:cxnSp>
+      <p:sp>
+        <p:nvSpPr>
+          <p:cNvPr id="20" name="TextBox 19">
+            <a:extLst>
+              <a:ext uri="{FF2B5EF4-FFF2-40B4-BE49-F238E27FC236}">
+                <a16:creationId xmlns:a16="http://schemas.microsoft.com/office/drawing/2014/main" id="{B3B0EF21-ACFD-4A6A-B310-94913BF9B49F}"/>
+              </a:ext>
+            </a:extLst>
+          </p:cNvPr>
+          <p:cNvSpPr txBox="1"/>
+          <p:nvPr/>
+        </p:nvSpPr>
+        <p:spPr>
+          <a:xfrm>
+            <a:off x="3724870" y="2400299"/>
+            <a:ext cx="663964" cy="246221"/>
+          </a:xfrm>
+          <a:prstGeom prst="rect">
+            <a:avLst/>
+          </a:prstGeom>
+          <a:noFill/>
+        </p:spPr>
+        <p:txBody>
+          <a:bodyPr wrap="none" rtlCol="0">
+            <a:spAutoFit/>
+          </a:bodyPr>
+          <a:lstStyle/>
+          <a:p>
+            <a:r>
+              <a:rPr lang="en-GB" sz="1000" dirty="0"/>
+              <a:t>http://S3</a:t>
+            </a:r>
+          </a:p>
+        </p:txBody>
+      </p:sp>
+      <p:sp>
+        <p:nvSpPr>
+          <p:cNvPr id="21" name="Rectangle 20">
+            <a:extLst>
+              <a:ext uri="{FF2B5EF4-FFF2-40B4-BE49-F238E27FC236}">
+                <a16:creationId xmlns:a16="http://schemas.microsoft.com/office/drawing/2014/main" id="{2FC9F650-FECE-4C02-9130-1B4B1A2EEB13}"/>
+              </a:ext>
+            </a:extLst>
+          </p:cNvPr>
+          <p:cNvSpPr/>
+          <p:nvPr/>
+        </p:nvSpPr>
+        <p:spPr>
+          <a:xfrm>
+            <a:off x="5935605" y="3239821"/>
+            <a:ext cx="1295400" cy="313032"/>
+          </a:xfrm>
+          <a:prstGeom prst="rect">
+            <a:avLst/>
+          </a:prstGeom>
+          <a:noFill/>
+        </p:spPr>
+        <p:style>
+          <a:lnRef idx="2">
+            <a:schemeClr val="accent1">
+              <a:shade val="50000"/>
+            </a:schemeClr>
+          </a:lnRef>
+          <a:fillRef idx="1">
+            <a:schemeClr val="accent1"/>
+          </a:fillRef>
+          <a:effectRef idx="0">
+            <a:schemeClr val="accent1"/>
+          </a:effectRef>
+          <a:fontRef idx="minor">
+            <a:schemeClr val="lt1"/>
+          </a:fontRef>
+        </p:style>
+        <p:txBody>
+          <a:bodyPr rtlCol="0" anchor="ctr"/>
+          <a:lstStyle/>
+          <a:p>
+            <a:pPr algn="ctr"/>
+            <a:r>
+              <a:rPr lang="en-GB" sz="1000" dirty="0">
+                <a:solidFill>
+                  <a:schemeClr val="tx1"/>
+                </a:solidFill>
+              </a:rPr>
+              <a:t>API Gateway</a:t>
+            </a:r>
+          </a:p>
+        </p:txBody>
+      </p:sp>
+      <p:cxnSp>
+        <p:nvCxnSpPr>
+          <p:cNvPr id="24" name="Connector: Elbow 23">
+            <a:extLst>
+              <a:ext uri="{FF2B5EF4-FFF2-40B4-BE49-F238E27FC236}">
+                <a16:creationId xmlns:a16="http://schemas.microsoft.com/office/drawing/2014/main" id="{6FD14409-AA9F-4751-877C-9157475EC5B3}"/>
+              </a:ext>
+            </a:extLst>
+          </p:cNvPr>
+          <p:cNvCxnSpPr>
+            <a:cxnSpLocks/>
+            <a:stCxn id="8" idx="1"/>
+            <a:endCxn id="21" idx="1"/>
+          </p:cNvCxnSpPr>
+          <p:nvPr/>
+        </p:nvCxnSpPr>
+        <p:spPr>
+          <a:xfrm rot="10800000" flipH="1" flipV="1">
+            <a:off x="1181193" y="2007267"/>
+            <a:ext cx="4754411" cy="1389069"/>
+          </a:xfrm>
+          <a:prstGeom prst="bentConnector3">
+            <a:avLst>
+              <a:gd name="adj1" fmla="val -4808"/>
+            </a:avLst>
+          </a:prstGeom>
+          <a:ln>
+            <a:tailEnd type="triangle"/>
+          </a:ln>
+        </p:spPr>
+        <p:style>
+          <a:lnRef idx="1">
+            <a:schemeClr val="accent1"/>
+          </a:lnRef>
+          <a:fillRef idx="0">
+            <a:schemeClr val="accent1"/>
+          </a:fillRef>
+          <a:effectRef idx="0">
+            <a:schemeClr val="accent1"/>
+          </a:effectRef>
+          <a:fontRef idx="minor">
+            <a:schemeClr val="tx1"/>
+          </a:fontRef>
+        </p:style>
+      </p:cxnSp>
+      <p:sp>
+        <p:nvSpPr>
+          <p:cNvPr id="25" name="TextBox 24">
+            <a:extLst>
+              <a:ext uri="{FF2B5EF4-FFF2-40B4-BE49-F238E27FC236}">
+                <a16:creationId xmlns:a16="http://schemas.microsoft.com/office/drawing/2014/main" id="{9FB79B33-2422-40F4-B434-F881E16066AD}"/>
+              </a:ext>
+            </a:extLst>
+          </p:cNvPr>
+          <p:cNvSpPr txBox="1"/>
+          <p:nvPr/>
+        </p:nvSpPr>
+        <p:spPr>
+          <a:xfrm>
+            <a:off x="1564161" y="2999799"/>
+            <a:ext cx="1236236" cy="246221"/>
+          </a:xfrm>
+          <a:prstGeom prst="rect">
+            <a:avLst/>
+          </a:prstGeom>
+          <a:noFill/>
+        </p:spPr>
+        <p:txBody>
+          <a:bodyPr wrap="none" rtlCol="0">
+            <a:spAutoFit/>
+          </a:bodyPr>
+          <a:lstStyle/>
+          <a:p>
+            <a:r>
+              <a:rPr lang="en-GB" sz="1000" dirty="0"/>
+              <a:t>https://api.aws.com</a:t>
+            </a:r>
+          </a:p>
+        </p:txBody>
+      </p:sp>
+      <p:sp>
+        <p:nvSpPr>
+          <p:cNvPr id="26" name="Rectangle 25">
+            <a:extLst>
+              <a:ext uri="{FF2B5EF4-FFF2-40B4-BE49-F238E27FC236}">
+                <a16:creationId xmlns:a16="http://schemas.microsoft.com/office/drawing/2014/main" id="{3A6B4219-26C3-4F5B-902B-B5F03B92EDFA}"/>
+              </a:ext>
+            </a:extLst>
+          </p:cNvPr>
+          <p:cNvSpPr/>
+          <p:nvPr/>
+        </p:nvSpPr>
+        <p:spPr>
+          <a:xfrm>
+            <a:off x="5943600" y="4114800"/>
+            <a:ext cx="1295400" cy="381000"/>
+          </a:xfrm>
+          <a:prstGeom prst="rect">
+            <a:avLst/>
+          </a:prstGeom>
+          <a:noFill/>
+        </p:spPr>
+        <p:style>
+          <a:lnRef idx="2">
+            <a:schemeClr val="accent1">
+              <a:shade val="50000"/>
+            </a:schemeClr>
+          </a:lnRef>
+          <a:fillRef idx="1">
+            <a:schemeClr val="accent1"/>
+          </a:fillRef>
+          <a:effectRef idx="0">
+            <a:schemeClr val="accent1"/>
+          </a:effectRef>
+          <a:fontRef idx="minor">
+            <a:schemeClr val="lt1"/>
+          </a:fontRef>
+        </p:style>
+        <p:txBody>
+          <a:bodyPr rtlCol="0" anchor="ctr"/>
+          <a:lstStyle/>
+          <a:p>
+            <a:pPr algn="ctr"/>
+            <a:r>
+              <a:rPr lang="en-GB" sz="1000" dirty="0">
+                <a:solidFill>
+                  <a:schemeClr val="tx1"/>
+                </a:solidFill>
+              </a:rPr>
+              <a:t>EC2(Server)</a:t>
+            </a:r>
+          </a:p>
+        </p:txBody>
+      </p:sp>
+      <p:sp>
+        <p:nvSpPr>
+          <p:cNvPr id="31" name="TextBox 30">
+            <a:extLst>
+              <a:ext uri="{FF2B5EF4-FFF2-40B4-BE49-F238E27FC236}">
+                <a16:creationId xmlns:a16="http://schemas.microsoft.com/office/drawing/2014/main" id="{4C0F408F-E2EC-4E37-9B12-82B121857C34}"/>
+              </a:ext>
+            </a:extLst>
+          </p:cNvPr>
+          <p:cNvSpPr txBox="1"/>
+          <p:nvPr/>
+        </p:nvSpPr>
+        <p:spPr>
+          <a:xfrm>
+            <a:off x="6636010" y="3817733"/>
+            <a:ext cx="1329210" cy="246221"/>
+          </a:xfrm>
+          <a:prstGeom prst="rect">
+            <a:avLst/>
+          </a:prstGeom>
+          <a:noFill/>
+        </p:spPr>
+        <p:txBody>
+          <a:bodyPr wrap="none" rtlCol="0">
+            <a:spAutoFit/>
+          </a:bodyPr>
+          <a:lstStyle/>
+          <a:p>
+            <a:r>
+              <a:rPr lang="en-GB" sz="1000" dirty="0"/>
+              <a:t>http://Localhost:5000</a:t>
+            </a:r>
+          </a:p>
+        </p:txBody>
+      </p:sp>
+      <p:sp>
+        <p:nvSpPr>
+          <p:cNvPr id="32" name="Rectangle 31">
+            <a:extLst>
+              <a:ext uri="{FF2B5EF4-FFF2-40B4-BE49-F238E27FC236}">
+                <a16:creationId xmlns:a16="http://schemas.microsoft.com/office/drawing/2014/main" id="{BC9C4308-00E8-4948-B7CA-D4833A39550E}"/>
+              </a:ext>
+            </a:extLst>
+          </p:cNvPr>
+          <p:cNvSpPr/>
+          <p:nvPr/>
+        </p:nvSpPr>
+        <p:spPr>
+          <a:xfrm>
+            <a:off x="5943600" y="4953000"/>
+            <a:ext cx="1295400" cy="381000"/>
+          </a:xfrm>
+          <a:prstGeom prst="rect">
+            <a:avLst/>
+          </a:prstGeom>
+          <a:noFill/>
+        </p:spPr>
+        <p:style>
+          <a:lnRef idx="2">
+            <a:schemeClr val="accent1">
+              <a:shade val="50000"/>
+            </a:schemeClr>
+          </a:lnRef>
+          <a:fillRef idx="1">
+            <a:schemeClr val="accent1"/>
+          </a:fillRef>
+          <a:effectRef idx="0">
+            <a:schemeClr val="accent1"/>
+          </a:effectRef>
+          <a:fontRef idx="minor">
+            <a:schemeClr val="lt1"/>
+          </a:fontRef>
+        </p:style>
+        <p:txBody>
+          <a:bodyPr rtlCol="0" anchor="ctr"/>
+          <a:lstStyle/>
+          <a:p>
+            <a:pPr algn="ctr"/>
+            <a:r>
+              <a:rPr lang="en-GB" sz="1000" dirty="0">
+                <a:solidFill>
+                  <a:schemeClr val="tx1"/>
+                </a:solidFill>
+              </a:rPr>
+              <a:t>RDS (</a:t>
+            </a:r>
+            <a:r>
+              <a:rPr lang="en-GB" sz="1000" dirty="0" err="1">
+                <a:solidFill>
+                  <a:schemeClr val="tx1"/>
+                </a:solidFill>
+              </a:rPr>
+              <a:t>Mysql</a:t>
+            </a:r>
+            <a:r>
+              <a:rPr lang="en-GB" sz="1000" dirty="0">
+                <a:solidFill>
+                  <a:schemeClr val="tx1"/>
+                </a:solidFill>
+              </a:rPr>
+              <a:t>)</a:t>
+            </a:r>
+          </a:p>
+        </p:txBody>
+      </p:sp>
+      <p:cxnSp>
+        <p:nvCxnSpPr>
+          <p:cNvPr id="34" name="Straight Arrow Connector 33">
+            <a:extLst>
+              <a:ext uri="{FF2B5EF4-FFF2-40B4-BE49-F238E27FC236}">
+                <a16:creationId xmlns:a16="http://schemas.microsoft.com/office/drawing/2014/main" id="{FDF8A35A-A9EB-4D8C-A21C-B0869F51EA05}"/>
+              </a:ext>
+            </a:extLst>
+          </p:cNvPr>
+          <p:cNvCxnSpPr>
+            <a:stCxn id="26" idx="2"/>
+            <a:endCxn id="32" idx="0"/>
+          </p:cNvCxnSpPr>
+          <p:nvPr/>
+        </p:nvCxnSpPr>
+        <p:spPr>
+          <a:xfrm>
+            <a:off x="6591300" y="4495800"/>
+            <a:ext cx="0" cy="457200"/>
+          </a:xfrm>
+          <a:prstGeom prst="straightConnector1">
+            <a:avLst/>
+          </a:prstGeom>
+          <a:ln>
+            <a:tailEnd type="triangle"/>
+          </a:ln>
+        </p:spPr>
+        <p:style>
+          <a:lnRef idx="1">
+            <a:schemeClr val="accent1"/>
+          </a:lnRef>
+          <a:fillRef idx="0">
+            <a:schemeClr val="accent1"/>
+          </a:fillRef>
+          <a:effectRef idx="0">
+            <a:schemeClr val="accent1"/>
+          </a:effectRef>
+          <a:fontRef idx="minor">
+            <a:schemeClr val="tx1"/>
+          </a:fontRef>
+        </p:style>
+      </p:cxnSp>
+      <p:sp>
+        <p:nvSpPr>
+          <p:cNvPr id="35" name="Rectangle 34">
+            <a:extLst>
+              <a:ext uri="{FF2B5EF4-FFF2-40B4-BE49-F238E27FC236}">
+                <a16:creationId xmlns:a16="http://schemas.microsoft.com/office/drawing/2014/main" id="{2AD6150F-6458-46A1-B5F2-40070A014480}"/>
+              </a:ext>
+            </a:extLst>
+          </p:cNvPr>
+          <p:cNvSpPr/>
+          <p:nvPr/>
+        </p:nvSpPr>
+        <p:spPr>
+          <a:xfrm>
+            <a:off x="3124200" y="685800"/>
+            <a:ext cx="2110819" cy="5081334"/>
+          </a:xfrm>
+          <a:prstGeom prst="rect">
+            <a:avLst/>
+          </a:prstGeom>
+          <a:noFill/>
+        </p:spPr>
+        <p:style>
+          <a:lnRef idx="2">
+            <a:schemeClr val="accent1">
+              <a:shade val="50000"/>
+            </a:schemeClr>
+          </a:lnRef>
+          <a:fillRef idx="1">
+            <a:schemeClr val="accent1"/>
+          </a:fillRef>
+          <a:effectRef idx="0">
+            <a:schemeClr val="accent1"/>
+          </a:effectRef>
+          <a:fontRef idx="minor">
+            <a:schemeClr val="lt1"/>
+          </a:fontRef>
+        </p:style>
+        <p:txBody>
+          <a:bodyPr rtlCol="0" anchor="ctr"/>
+          <a:lstStyle/>
+          <a:p>
+            <a:pPr algn="ctr"/>
+            <a:endParaRPr lang="en-GB" dirty="0"/>
+          </a:p>
+        </p:txBody>
+      </p:sp>
+      <p:sp>
+        <p:nvSpPr>
+          <p:cNvPr id="36" name="TextBox 35">
+            <a:extLst>
+              <a:ext uri="{FF2B5EF4-FFF2-40B4-BE49-F238E27FC236}">
+                <a16:creationId xmlns:a16="http://schemas.microsoft.com/office/drawing/2014/main" id="{25E55D9E-D74C-47E8-9FE0-2472104AA6FA}"/>
+              </a:ext>
+            </a:extLst>
+          </p:cNvPr>
+          <p:cNvSpPr txBox="1"/>
+          <p:nvPr/>
+        </p:nvSpPr>
+        <p:spPr>
+          <a:xfrm>
+            <a:off x="3799908" y="5468779"/>
+            <a:ext cx="535724" cy="246221"/>
+          </a:xfrm>
+          <a:prstGeom prst="rect">
+            <a:avLst/>
+          </a:prstGeom>
+          <a:noFill/>
+        </p:spPr>
+        <p:txBody>
+          <a:bodyPr wrap="none" rtlCol="0">
+            <a:spAutoFit/>
+          </a:bodyPr>
+          <a:lstStyle/>
+          <a:p>
+            <a:r>
+              <a:rPr lang="en-GB" sz="1000" dirty="0">
+                <a:solidFill>
+                  <a:srgbClr val="FF0000"/>
+                </a:solidFill>
+              </a:rPr>
+              <a:t>AWS-1</a:t>
+            </a:r>
+          </a:p>
+        </p:txBody>
+      </p:sp>
+      <p:sp>
+        <p:nvSpPr>
+          <p:cNvPr id="37" name="Rectangle 36">
+            <a:extLst>
+              <a:ext uri="{FF2B5EF4-FFF2-40B4-BE49-F238E27FC236}">
+                <a16:creationId xmlns:a16="http://schemas.microsoft.com/office/drawing/2014/main" id="{85A3AF79-120B-46BE-99CA-2201BCFF70B7}"/>
+              </a:ext>
+            </a:extLst>
+          </p:cNvPr>
+          <p:cNvSpPr/>
+          <p:nvPr/>
+        </p:nvSpPr>
+        <p:spPr>
+          <a:xfrm>
+            <a:off x="5684234" y="685800"/>
+            <a:ext cx="2325696" cy="5081334"/>
+          </a:xfrm>
+          <a:prstGeom prst="rect">
+            <a:avLst/>
+          </a:prstGeom>
+          <a:noFill/>
+        </p:spPr>
+        <p:style>
+          <a:lnRef idx="2">
+            <a:schemeClr val="accent1">
+              <a:shade val="50000"/>
+            </a:schemeClr>
+          </a:lnRef>
+          <a:fillRef idx="1">
+            <a:schemeClr val="accent1"/>
+          </a:fillRef>
+          <a:effectRef idx="0">
+            <a:schemeClr val="accent1"/>
+          </a:effectRef>
+          <a:fontRef idx="minor">
+            <a:schemeClr val="lt1"/>
+          </a:fontRef>
+        </p:style>
+        <p:txBody>
+          <a:bodyPr rtlCol="0" anchor="ctr"/>
+          <a:lstStyle/>
+          <a:p>
+            <a:pPr algn="ctr"/>
+            <a:endParaRPr lang="en-GB" dirty="0"/>
+          </a:p>
+        </p:txBody>
+      </p:sp>
+      <p:sp>
+        <p:nvSpPr>
+          <p:cNvPr id="39" name="TextBox 38">
+            <a:extLst>
+              <a:ext uri="{FF2B5EF4-FFF2-40B4-BE49-F238E27FC236}">
+                <a16:creationId xmlns:a16="http://schemas.microsoft.com/office/drawing/2014/main" id="{DA466C08-8B0F-4F7D-A746-01D7BC7E53CF}"/>
+              </a:ext>
+            </a:extLst>
+          </p:cNvPr>
+          <p:cNvSpPr txBox="1"/>
+          <p:nvPr/>
+        </p:nvSpPr>
+        <p:spPr>
+          <a:xfrm>
+            <a:off x="6474676" y="5468779"/>
+            <a:ext cx="535724" cy="246221"/>
+          </a:xfrm>
+          <a:prstGeom prst="rect">
+            <a:avLst/>
+          </a:prstGeom>
+          <a:noFill/>
+        </p:spPr>
+        <p:txBody>
+          <a:bodyPr wrap="none" rtlCol="0">
+            <a:spAutoFit/>
+          </a:bodyPr>
+          <a:lstStyle/>
+          <a:p>
+            <a:r>
+              <a:rPr lang="en-GB" sz="1000" dirty="0">
+                <a:solidFill>
+                  <a:srgbClr val="FF0000"/>
+                </a:solidFill>
+              </a:rPr>
+              <a:t>AWS-2</a:t>
+            </a:r>
+          </a:p>
+        </p:txBody>
+      </p:sp>
+      <p:cxnSp>
+        <p:nvCxnSpPr>
+          <p:cNvPr id="55" name="Straight Arrow Connector 54">
+            <a:extLst>
+              <a:ext uri="{FF2B5EF4-FFF2-40B4-BE49-F238E27FC236}">
+                <a16:creationId xmlns:a16="http://schemas.microsoft.com/office/drawing/2014/main" id="{24771162-FB36-4743-B1E0-5AC5EBC4D54F}"/>
+              </a:ext>
+            </a:extLst>
+          </p:cNvPr>
+          <p:cNvCxnSpPr>
+            <a:cxnSpLocks/>
+            <a:stCxn id="21" idx="2"/>
+            <a:endCxn id="26" idx="0"/>
+          </p:cNvCxnSpPr>
+          <p:nvPr/>
+        </p:nvCxnSpPr>
+        <p:spPr>
+          <a:xfrm>
+            <a:off x="6583305" y="3552853"/>
+            <a:ext cx="7995" cy="561947"/>
+          </a:xfrm>
+          <a:prstGeom prst="straightConnector1">
+            <a:avLst/>
+          </a:prstGeom>
+          <a:ln>
+            <a:tailEnd type="triangle"/>
+          </a:ln>
+        </p:spPr>
+        <p:style>
+          <a:lnRef idx="1">
+            <a:schemeClr val="accent1"/>
+          </a:lnRef>
+          <a:fillRef idx="0">
+            <a:schemeClr val="accent1"/>
+          </a:fillRef>
+          <a:effectRef idx="0">
+            <a:schemeClr val="accent1"/>
+          </a:effectRef>
+          <a:fontRef idx="minor">
+            <a:schemeClr val="tx1"/>
+          </a:fontRef>
+        </p:style>
+      </p:cxnSp>
+    </p:spTree>
+    <p:extLst>
+      <p:ext uri="{BB962C8B-B14F-4D97-AF65-F5344CB8AC3E}">
+        <p14:creationId xmlns:p14="http://schemas.microsoft.com/office/powerpoint/2010/main" val="2490384786"/>
       </p:ext>
     </p:extLst>
   </p:cSld>
@@ -11755,18 +12649,9 @@
           <a:lstStyle/>
           <a:p>
             <a:r>
-              <a:rPr lang="en-GB" dirty="0" smtClean="0"/>
-              <a:t>Student Home </a:t>
-            </a:r>
-            <a:r>
               <a:rPr lang="en-GB" dirty="0"/>
-              <a:t>P</a:t>
-            </a:r>
-            <a:r>
-              <a:rPr lang="en-GB" dirty="0" smtClean="0"/>
-              <a:t>age</a:t>
-            </a:r>
-            <a:endParaRPr lang="en-GB" dirty="0"/>
+              <a:t>Student Home Page</a:t>
+            </a:r>
           </a:p>
         </p:txBody>
       </p:sp>
@@ -11786,28 +12671,27 @@
           <a:lstStyle/>
           <a:p>
             <a:r>
-              <a:rPr lang="en-GB" dirty="0" smtClean="0"/>
+              <a:rPr lang="en-GB" dirty="0"/>
               <a:t>One radio button for decimal, current level</a:t>
             </a:r>
           </a:p>
           <a:p>
             <a:r>
-              <a:rPr lang="en-GB" dirty="0" smtClean="0"/>
+              <a:rPr lang="en-GB" dirty="0"/>
               <a:t>One button as Start</a:t>
             </a:r>
           </a:p>
           <a:p>
             <a:r>
-              <a:rPr lang="en-GB" dirty="0" smtClean="0"/>
+              <a:rPr lang="en-GB" dirty="0"/>
               <a:t>Title show student details, name, age, total score, year, place</a:t>
             </a:r>
           </a:p>
           <a:p>
             <a:r>
-              <a:rPr lang="en-GB" dirty="0" smtClean="0"/>
+              <a:rPr lang="en-GB" dirty="0"/>
               <a:t>Footer show Web home link</a:t>
             </a:r>
-            <a:endParaRPr lang="en-GB" dirty="0"/>
           </a:p>
         </p:txBody>
       </p:sp>
@@ -11857,7 +12741,7 @@
           <a:lstStyle/>
           <a:p>
             <a:r>
-              <a:rPr lang="en-GB" dirty="0" err="1" smtClean="0"/>
+              <a:rPr lang="en-GB" dirty="0" err="1"/>
               <a:t>runGame</a:t>
             </a:r>
             <a:endParaRPr lang="en-GB" dirty="0"/>
@@ -11882,49 +12766,49 @@
           <a:lstStyle/>
           <a:p>
             <a:r>
-              <a:rPr lang="en-GB" dirty="0" smtClean="0"/>
+              <a:rPr lang="en-GB" dirty="0"/>
               <a:t>Title should lesson name, progress bar, level and score</a:t>
             </a:r>
           </a:p>
           <a:p>
             <a:r>
-              <a:rPr lang="en-GB" dirty="0" smtClean="0"/>
+              <a:rPr lang="en-GB" dirty="0"/>
               <a:t>Timer on top right</a:t>
             </a:r>
           </a:p>
           <a:p>
             <a:r>
-              <a:rPr lang="en-GB" dirty="0" smtClean="0"/>
+              <a:rPr lang="en-GB" dirty="0"/>
               <a:t>Total question on right</a:t>
             </a:r>
           </a:p>
           <a:p>
             <a:r>
-              <a:rPr lang="en-GB" dirty="0" smtClean="0"/>
+              <a:rPr lang="en-GB" dirty="0"/>
               <a:t>Correct answer number</a:t>
             </a:r>
           </a:p>
           <a:p>
             <a:r>
-              <a:rPr lang="en-GB" dirty="0" smtClean="0"/>
+              <a:rPr lang="en-GB" dirty="0"/>
               <a:t>Failed question list</a:t>
             </a:r>
           </a:p>
           <a:p>
             <a:r>
-              <a:rPr lang="en-GB" dirty="0" smtClean="0"/>
+              <a:rPr lang="en-GB" dirty="0"/>
               <a:t>Pause button at the button</a:t>
             </a:r>
           </a:p>
           <a:p>
             <a:r>
-              <a:rPr lang="en-GB" dirty="0" smtClean="0"/>
+              <a:rPr lang="en-GB" dirty="0"/>
               <a:t>Question field in the middle</a:t>
             </a:r>
           </a:p>
           <a:p>
             <a:r>
-              <a:rPr lang="en-GB" dirty="0" smtClean="0"/>
+              <a:rPr lang="en-GB" dirty="0"/>
               <a:t>Next button under question, big button</a:t>
             </a:r>
           </a:p>
@@ -11976,10 +12860,9 @@
           <a:lstStyle/>
           <a:p>
             <a:r>
-              <a:rPr lang="en-GB" dirty="0" smtClean="0"/>
+              <a:rPr lang="en-GB" dirty="0"/>
               <a:t>Design of Lesson App</a:t>
             </a:r>
-            <a:endParaRPr lang="en-GB" dirty="0"/>
           </a:p>
         </p:txBody>
       </p:sp>
@@ -11999,50 +12882,49 @@
           <a:lstStyle/>
           <a:p>
             <a:r>
-              <a:rPr lang="en-GB" dirty="0" smtClean="0"/>
+              <a:rPr lang="en-GB" dirty="0"/>
               <a:t>Lesson App</a:t>
             </a:r>
           </a:p>
           <a:p>
             <a:pPr lvl="1"/>
             <a:r>
-              <a:rPr lang="en-GB" dirty="0" smtClean="0"/>
+              <a:rPr lang="en-GB" dirty="0"/>
               <a:t>Lesson Class</a:t>
             </a:r>
           </a:p>
           <a:p>
             <a:pPr lvl="2"/>
             <a:r>
-              <a:rPr lang="en-GB" dirty="0" smtClean="0"/>
+              <a:rPr lang="en-GB" dirty="0"/>
               <a:t>Math </a:t>
             </a:r>
           </a:p>
           <a:p>
             <a:pPr lvl="3"/>
             <a:r>
-              <a:rPr lang="en-GB" dirty="0" smtClean="0"/>
+              <a:rPr lang="en-GB" dirty="0"/>
               <a:t>Decimal (every item need be added in as an object)</a:t>
             </a:r>
-            <a:endParaRPr lang="en-GB" dirty="0"/>
           </a:p>
           <a:p>
             <a:pPr lvl="1"/>
             <a:r>
-              <a:rPr lang="en-GB" dirty="0" smtClean="0"/>
+              <a:rPr lang="en-GB" dirty="0"/>
               <a:t>Question Class</a:t>
             </a:r>
           </a:p>
           <a:p>
             <a:pPr lvl="2"/>
             <a:r>
-              <a:rPr lang="en-GB" dirty="0" smtClean="0"/>
+              <a:rPr lang="en-GB" dirty="0"/>
               <a:t>Single Choice and fill text question type</a:t>
             </a:r>
           </a:p>
           <a:p>
             <a:pPr lvl="2"/>
             <a:r>
-              <a:rPr lang="en-GB" dirty="0" smtClean="0"/>
+              <a:rPr lang="en-GB" dirty="0"/>
               <a:t>Has a foreign key from lesson id</a:t>
             </a:r>
           </a:p>
@@ -12100,10 +12982,9 @@
           <a:lstStyle/>
           <a:p>
             <a:r>
-              <a:rPr lang="en-GB" dirty="0" smtClean="0"/>
+              <a:rPr lang="en-GB" dirty="0"/>
               <a:t>Design of Student App</a:t>
             </a:r>
-            <a:endParaRPr lang="en-GB" dirty="0"/>
           </a:p>
         </p:txBody>
       </p:sp>
@@ -12125,72 +13006,72 @@
           <a:lstStyle/>
           <a:p>
             <a:r>
-              <a:rPr lang="en-GB" dirty="0" smtClean="0"/>
+              <a:rPr lang="en-GB" dirty="0"/>
               <a:t>Student Class</a:t>
             </a:r>
           </a:p>
           <a:p>
             <a:pPr lvl="1"/>
             <a:r>
-              <a:rPr lang="en-GB" dirty="0" smtClean="0"/>
+              <a:rPr lang="en-GB" dirty="0"/>
               <a:t>Need add student as an object</a:t>
             </a:r>
           </a:p>
           <a:p>
             <a:pPr lvl="1"/>
             <a:r>
-              <a:rPr lang="en-GB" dirty="0" smtClean="0"/>
+              <a:rPr lang="en-GB" dirty="0"/>
               <a:t>How to link to all available lesson automatically?</a:t>
             </a:r>
           </a:p>
           <a:p>
             <a:r>
-              <a:rPr lang="en-GB" dirty="0" smtClean="0"/>
+              <a:rPr lang="en-GB" dirty="0"/>
               <a:t>View.py: </a:t>
             </a:r>
           </a:p>
           <a:p>
             <a:pPr lvl="1"/>
             <a:r>
-              <a:rPr lang="en-GB" dirty="0" smtClean="0"/>
+              <a:rPr lang="en-GB" dirty="0"/>
               <a:t>Home page: list all available lessons, enabled lessons have Start button Green, otherwise Grey</a:t>
             </a:r>
           </a:p>
           <a:p>
             <a:pPr lvl="1"/>
             <a:r>
-              <a:rPr lang="en-GB" dirty="0" err="1" smtClean="0"/>
+              <a:rPr lang="en-GB" dirty="0" err="1"/>
               <a:t>runGame</a:t>
             </a:r>
             <a:r>
-              <a:rPr lang="en-GB" dirty="0" smtClean="0"/>
+              <a:rPr lang="en-GB" dirty="0"/>
               <a:t> page:</a:t>
             </a:r>
           </a:p>
           <a:p>
             <a:pPr lvl="2"/>
             <a:r>
-              <a:rPr lang="en-GB" dirty="0" smtClean="0"/>
+              <a:rPr lang="en-GB" dirty="0"/>
               <a:t>Define a html template</a:t>
             </a:r>
           </a:p>
           <a:p>
             <a:pPr lvl="2"/>
             <a:r>
-              <a:rPr lang="en-GB" dirty="0" smtClean="0"/>
+              <a:rPr lang="en-GB" dirty="0"/>
               <a:t>Show random picked questions one by one</a:t>
             </a:r>
           </a:p>
           <a:p>
             <a:pPr lvl="2"/>
             <a:r>
-              <a:rPr lang="en-GB" dirty="0" smtClean="0"/>
+              <a:rPr lang="en-GB" dirty="0"/>
               <a:t>Complete when correct answer number meet requirement</a:t>
             </a:r>
           </a:p>
           <a:p>
             <a:pPr lvl="2"/>
-            <a:endParaRPr lang="en-GB" dirty="0" smtClean="0"/>
+            <a:endParaRPr lang="en-GB" dirty="0"/>
           </a:p>
           <a:p>
             <a:pPr lvl="1"/>
@@ -12244,10 +13125,9 @@
           <a:lstStyle/>
           <a:p>
             <a:r>
-              <a:rPr lang="en-GB" dirty="0" smtClean="0"/>
+              <a:rPr lang="en-GB" dirty="0"/>
               <a:t>Home page (1)</a:t>
             </a:r>
-            <a:endParaRPr lang="en-GB" dirty="0"/>
           </a:p>
         </p:txBody>
       </p:sp>
@@ -12330,18 +13210,13 @@
           <a:p>
             <a:pPr algn="ctr"/>
             <a:r>
-              <a:rPr lang="en-GB" sz="1000" dirty="0" smtClean="0">
+              <a:rPr lang="en-GB" sz="1000" dirty="0">
                 <a:solidFill>
                   <a:schemeClr val="tx1"/>
                 </a:solidFill>
               </a:rPr>
               <a:t>Home</a:t>
             </a:r>
-            <a:endParaRPr lang="en-GB" sz="1000" dirty="0">
-              <a:solidFill>
-                <a:schemeClr val="tx1"/>
-              </a:solidFill>
-            </a:endParaRPr>
           </a:p>
         </p:txBody>
       </p:sp>
@@ -12383,18 +13258,13 @@
           <a:p>
             <a:pPr algn="ctr"/>
             <a:r>
-              <a:rPr lang="en-GB" sz="1000" dirty="0" smtClean="0">
+              <a:rPr lang="en-GB" sz="1000" dirty="0">
                 <a:solidFill>
                   <a:schemeClr val="tx1"/>
                 </a:solidFill>
               </a:rPr>
               <a:t>Our mission</a:t>
             </a:r>
-            <a:endParaRPr lang="en-GB" sz="1000" dirty="0">
-              <a:solidFill>
-                <a:schemeClr val="tx1"/>
-              </a:solidFill>
-            </a:endParaRPr>
           </a:p>
         </p:txBody>
       </p:sp>
@@ -12436,18 +13306,13 @@
           <a:p>
             <a:pPr algn="ctr"/>
             <a:r>
-              <a:rPr lang="en-GB" sz="1000" dirty="0" smtClean="0">
+              <a:rPr lang="en-GB" sz="1000" dirty="0">
                 <a:solidFill>
                   <a:schemeClr val="tx1"/>
                 </a:solidFill>
               </a:rPr>
               <a:t>Education</a:t>
             </a:r>
-            <a:endParaRPr lang="en-GB" sz="1000" dirty="0">
-              <a:solidFill>
-                <a:schemeClr val="tx1"/>
-              </a:solidFill>
-            </a:endParaRPr>
           </a:p>
         </p:txBody>
       </p:sp>
@@ -12489,18 +13354,13 @@
           <a:p>
             <a:pPr algn="ctr"/>
             <a:r>
-              <a:rPr lang="en-GB" sz="1000" dirty="0" smtClean="0">
+              <a:rPr lang="en-GB" sz="1000" dirty="0">
                 <a:solidFill>
                   <a:schemeClr val="tx1"/>
                 </a:solidFill>
               </a:rPr>
               <a:t>Price</a:t>
             </a:r>
-            <a:endParaRPr lang="en-GB" sz="1000" dirty="0">
-              <a:solidFill>
-                <a:schemeClr val="tx1"/>
-              </a:solidFill>
-            </a:endParaRPr>
           </a:p>
         </p:txBody>
       </p:sp>
@@ -12542,18 +13402,13 @@
           <a:p>
             <a:pPr algn="ctr"/>
             <a:r>
-              <a:rPr lang="en-GB" dirty="0" smtClean="0">
+              <a:rPr lang="en-GB" dirty="0">
                 <a:solidFill>
                   <a:schemeClr val="tx1"/>
                 </a:solidFill>
               </a:rPr>
               <a:t>Slide Shows</a:t>
             </a:r>
-            <a:endParaRPr lang="en-GB" dirty="0">
-              <a:solidFill>
-                <a:schemeClr val="tx1"/>
-              </a:solidFill>
-            </a:endParaRPr>
           </a:p>
         </p:txBody>
       </p:sp>
@@ -12595,18 +13450,13 @@
           <a:p>
             <a:pPr algn="ctr"/>
             <a:r>
-              <a:rPr lang="en-GB" dirty="0" smtClean="0">
+              <a:rPr lang="en-GB" dirty="0">
                 <a:solidFill>
                   <a:schemeClr val="tx1"/>
                 </a:solidFill>
               </a:rPr>
               <a:t>Customer Reviews</a:t>
             </a:r>
-            <a:endParaRPr lang="en-GB" dirty="0">
-              <a:solidFill>
-                <a:schemeClr val="tx1"/>
-              </a:solidFill>
-            </a:endParaRPr>
           </a:p>
         </p:txBody>
       </p:sp>
@@ -12648,7 +13498,7 @@
           <a:p>
             <a:pPr algn="ctr"/>
             <a:r>
-              <a:rPr lang="en-GB" sz="1000" dirty="0" err="1" smtClean="0">
+              <a:rPr lang="en-GB" sz="1000" dirty="0" err="1">
                 <a:solidFill>
                   <a:schemeClr val="tx1"/>
                 </a:solidFill>
@@ -12656,18 +13506,13 @@
               <a:t>DeCom</a:t>
             </a:r>
             <a:r>
-              <a:rPr lang="en-GB" sz="1000" dirty="0" smtClean="0">
+              <a:rPr lang="en-GB" sz="1000" dirty="0">
                 <a:solidFill>
                   <a:schemeClr val="tx1"/>
                 </a:solidFill>
               </a:rPr>
               <a:t> Technology Ltd 2018 - 2019</a:t>
             </a:r>
-            <a:endParaRPr lang="en-GB" sz="1000" dirty="0">
-              <a:solidFill>
-                <a:schemeClr val="tx1"/>
-              </a:solidFill>
-            </a:endParaRPr>
           </a:p>
         </p:txBody>
       </p:sp>
@@ -12709,18 +13554,13 @@
           <a:p>
             <a:pPr algn="ctr"/>
             <a:r>
-              <a:rPr lang="en-GB" dirty="0" smtClean="0">
+              <a:rPr lang="en-GB" dirty="0">
                 <a:solidFill>
                   <a:schemeClr val="tx1"/>
                 </a:solidFill>
               </a:rPr>
               <a:t>Student/ mentor Login</a:t>
             </a:r>
-            <a:endParaRPr lang="en-GB" dirty="0">
-              <a:solidFill>
-                <a:schemeClr val="tx1"/>
-              </a:solidFill>
-            </a:endParaRPr>
           </a:p>
         </p:txBody>
       </p:sp>
@@ -12762,18 +13602,13 @@
           <a:p>
             <a:pPr algn="ctr"/>
             <a:r>
-              <a:rPr lang="en-GB" dirty="0" smtClean="0">
+              <a:rPr lang="en-GB" dirty="0">
                 <a:solidFill>
                   <a:schemeClr val="tx1"/>
                 </a:solidFill>
               </a:rPr>
               <a:t>Logo</a:t>
             </a:r>
-            <a:endParaRPr lang="en-GB" dirty="0">
-              <a:solidFill>
-                <a:schemeClr val="tx1"/>
-              </a:solidFill>
-            </a:endParaRPr>
           </a:p>
         </p:txBody>
       </p:sp>
@@ -12823,10 +13658,9 @@
           <a:lstStyle/>
           <a:p>
             <a:r>
-              <a:rPr lang="en-GB" dirty="0" smtClean="0"/>
+              <a:rPr lang="en-GB" dirty="0"/>
               <a:t>Our Mission (2)</a:t>
             </a:r>
-            <a:endParaRPr lang="en-GB" dirty="0"/>
           </a:p>
         </p:txBody>
       </p:sp>
@@ -12909,18 +13743,13 @@
           <a:p>
             <a:pPr algn="ctr"/>
             <a:r>
-              <a:rPr lang="en-GB" sz="1000" dirty="0" smtClean="0">
+              <a:rPr lang="en-GB" sz="1000" dirty="0">
                 <a:solidFill>
                   <a:schemeClr val="tx1"/>
                 </a:solidFill>
               </a:rPr>
               <a:t>Home</a:t>
             </a:r>
-            <a:endParaRPr lang="en-GB" sz="1000" dirty="0">
-              <a:solidFill>
-                <a:schemeClr val="tx1"/>
-              </a:solidFill>
-            </a:endParaRPr>
           </a:p>
         </p:txBody>
       </p:sp>
@@ -12962,18 +13791,13 @@
           <a:p>
             <a:pPr algn="ctr"/>
             <a:r>
-              <a:rPr lang="en-GB" sz="1000" dirty="0" smtClean="0">
+              <a:rPr lang="en-GB" sz="1000" dirty="0">
                 <a:solidFill>
                   <a:schemeClr val="tx1"/>
                 </a:solidFill>
               </a:rPr>
               <a:t>Our mission</a:t>
             </a:r>
-            <a:endParaRPr lang="en-GB" sz="1000" dirty="0">
-              <a:solidFill>
-                <a:schemeClr val="tx1"/>
-              </a:solidFill>
-            </a:endParaRPr>
           </a:p>
         </p:txBody>
       </p:sp>
@@ -13015,18 +13839,13 @@
           <a:p>
             <a:pPr algn="ctr"/>
             <a:r>
-              <a:rPr lang="en-GB" sz="1000" dirty="0" smtClean="0">
+              <a:rPr lang="en-GB" sz="1000" dirty="0">
                 <a:solidFill>
                   <a:schemeClr val="tx1"/>
                 </a:solidFill>
               </a:rPr>
               <a:t>Education</a:t>
             </a:r>
-            <a:endParaRPr lang="en-GB" sz="1000" dirty="0">
-              <a:solidFill>
-                <a:schemeClr val="tx1"/>
-              </a:solidFill>
-            </a:endParaRPr>
           </a:p>
         </p:txBody>
       </p:sp>
@@ -13068,18 +13887,13 @@
           <a:p>
             <a:pPr algn="ctr"/>
             <a:r>
-              <a:rPr lang="en-GB" sz="1000" dirty="0" smtClean="0">
+              <a:rPr lang="en-GB" sz="1000" dirty="0">
                 <a:solidFill>
                   <a:schemeClr val="tx1"/>
                 </a:solidFill>
               </a:rPr>
               <a:t>Price</a:t>
             </a:r>
-            <a:endParaRPr lang="en-GB" sz="1000" dirty="0">
-              <a:solidFill>
-                <a:schemeClr val="tx1"/>
-              </a:solidFill>
-            </a:endParaRPr>
           </a:p>
         </p:txBody>
       </p:sp>
@@ -13121,18 +13935,13 @@
           <a:p>
             <a:pPr algn="ctr"/>
             <a:r>
-              <a:rPr lang="en-GB" sz="1000" dirty="0" smtClean="0">
+              <a:rPr lang="en-GB" sz="1000" dirty="0">
                 <a:solidFill>
                   <a:schemeClr val="tx1"/>
                 </a:solidFill>
               </a:rPr>
               <a:t>Student Login</a:t>
             </a:r>
-            <a:endParaRPr lang="en-GB" sz="1000" dirty="0">
-              <a:solidFill>
-                <a:schemeClr val="tx1"/>
-              </a:solidFill>
-            </a:endParaRPr>
           </a:p>
         </p:txBody>
       </p:sp>
@@ -13174,18 +13983,13 @@
           <a:p>
             <a:pPr algn="ctr"/>
             <a:r>
-              <a:rPr lang="en-GB" sz="1000" dirty="0" smtClean="0">
+              <a:rPr lang="en-GB" sz="1000" dirty="0">
                 <a:solidFill>
                   <a:schemeClr val="tx1"/>
                 </a:solidFill>
               </a:rPr>
               <a:t>Mentor Login</a:t>
             </a:r>
-            <a:endParaRPr lang="en-GB" sz="1000" dirty="0">
-              <a:solidFill>
-                <a:schemeClr val="tx1"/>
-              </a:solidFill>
-            </a:endParaRPr>
           </a:p>
         </p:txBody>
       </p:sp>
@@ -13227,7 +14031,7 @@
           <a:p>
             <a:pPr algn="ctr"/>
             <a:r>
-              <a:rPr lang="en-GB" dirty="0" err="1" smtClean="0">
+              <a:rPr lang="en-GB" dirty="0" err="1">
                 <a:solidFill>
                   <a:schemeClr val="tx1"/>
                 </a:solidFill>
@@ -13279,7 +14083,7 @@
           <a:lstStyle/>
           <a:p>
             <a:r>
-              <a:rPr lang="en-GB" sz="1200" dirty="0" smtClean="0">
+              <a:rPr lang="en-GB" sz="1200" dirty="0">
                 <a:solidFill>
                   <a:schemeClr val="tx1"/>
                 </a:solidFill>
@@ -13289,7 +14093,7 @@
           </a:p>
           <a:p>
             <a:r>
-              <a:rPr lang="en-GB" sz="1200" dirty="0" smtClean="0">
+              <a:rPr lang="en-GB" sz="1200" dirty="0">
                 <a:solidFill>
                   <a:schemeClr val="tx1"/>
                 </a:solidFill>
@@ -13297,14 +14101,14 @@
               <a:t>Forms </a:t>
             </a:r>
             <a:r>
-              <a:rPr lang="en-GB" sz="1200" dirty="0" err="1" smtClean="0">
+              <a:rPr lang="en-GB" sz="1200" dirty="0" err="1">
                 <a:solidFill>
                   <a:schemeClr val="tx1"/>
                 </a:solidFill>
               </a:rPr>
               <a:t>Downl</a:t>
             </a:r>
-            <a:endParaRPr lang="en-GB" sz="1200" dirty="0" smtClean="0">
+            <a:endParaRPr lang="en-GB" sz="1200" dirty="0">
               <a:solidFill>
                 <a:schemeClr val="tx1"/>
               </a:solidFill>
@@ -13312,7 +14116,7 @@
           </a:p>
           <a:p>
             <a:r>
-              <a:rPr lang="en-GB" sz="1200" dirty="0" smtClean="0">
+              <a:rPr lang="en-GB" sz="1200" dirty="0">
                 <a:solidFill>
                   <a:schemeClr val="tx1"/>
                 </a:solidFill>
@@ -13322,7 +14126,7 @@
           </a:p>
           <a:p>
             <a:r>
-              <a:rPr lang="en-GB" sz="1200" dirty="0" smtClean="0">
+              <a:rPr lang="en-GB" sz="1200" dirty="0">
                 <a:solidFill>
                   <a:schemeClr val="tx1"/>
                 </a:solidFill>
@@ -13338,13 +14142,6 @@
             </a:endParaRPr>
           </a:p>
           <a:p>
-            <a:endParaRPr lang="en-GB" sz="1200" dirty="0" smtClean="0">
-              <a:solidFill>
-                <a:schemeClr val="tx1"/>
-              </a:solidFill>
-            </a:endParaRPr>
-          </a:p>
-          <a:p>
             <a:endParaRPr lang="en-GB" sz="1200" dirty="0">
               <a:solidFill>
                 <a:schemeClr val="tx1"/>
@@ -13352,15 +14149,22 @@
             </a:endParaRPr>
           </a:p>
           <a:p>
-            <a:endParaRPr lang="en-GB" sz="1200" dirty="0" smtClean="0">
+            <a:endParaRPr lang="en-GB" sz="1200" dirty="0">
               <a:solidFill>
                 <a:schemeClr val="tx1"/>
               </a:solidFill>
             </a:endParaRPr>
           </a:p>
           <a:p>
-            <a:r>
-              <a:rPr lang="en-GB" sz="1200" dirty="0" smtClean="0">
+            <a:endParaRPr lang="en-GB" sz="1200" dirty="0">
+              <a:solidFill>
+                <a:schemeClr val="tx1"/>
+              </a:solidFill>
+            </a:endParaRPr>
+          </a:p>
+          <a:p>
+            <a:r>
+              <a:rPr lang="en-GB" sz="1200" dirty="0">
                 <a:solidFill>
                   <a:schemeClr val="tx1"/>
                 </a:solidFill>
@@ -13415,7 +14219,7 @@
           <a:p>
             <a:pPr algn="ctr"/>
             <a:r>
-              <a:rPr lang="en-GB" sz="1000" dirty="0" err="1" smtClean="0">
+              <a:rPr lang="en-GB" sz="1000" dirty="0" err="1">
                 <a:solidFill>
                   <a:schemeClr val="tx1"/>
                 </a:solidFill>
@@ -13423,18 +14227,13 @@
               <a:t>DeCom</a:t>
             </a:r>
             <a:r>
-              <a:rPr lang="en-GB" sz="1000" dirty="0" smtClean="0">
+              <a:rPr lang="en-GB" sz="1000" dirty="0">
                 <a:solidFill>
                   <a:schemeClr val="tx1"/>
                 </a:solidFill>
               </a:rPr>
               <a:t> Technology Ltd 2018 - 2019</a:t>
             </a:r>
-            <a:endParaRPr lang="en-GB" sz="1000" dirty="0">
-              <a:solidFill>
-                <a:schemeClr val="tx1"/>
-              </a:solidFill>
-            </a:endParaRPr>
           </a:p>
         </p:txBody>
       </p:sp>
@@ -13484,10 +14283,9 @@
           <a:lstStyle/>
           <a:p>
             <a:r>
-              <a:rPr lang="en-GB" dirty="0" smtClean="0"/>
+              <a:rPr lang="en-GB" dirty="0"/>
               <a:t>Education(3)</a:t>
             </a:r>
-            <a:endParaRPr lang="en-GB" dirty="0"/>
           </a:p>
         </p:txBody>
       </p:sp>
@@ -13570,18 +14368,13 @@
           <a:p>
             <a:pPr algn="ctr"/>
             <a:r>
-              <a:rPr lang="en-GB" sz="1000" dirty="0" smtClean="0">
+              <a:rPr lang="en-GB" sz="1000" dirty="0">
                 <a:solidFill>
                   <a:schemeClr val="tx1"/>
                 </a:solidFill>
               </a:rPr>
               <a:t>Home</a:t>
             </a:r>
-            <a:endParaRPr lang="en-GB" sz="1000" dirty="0">
-              <a:solidFill>
-                <a:schemeClr val="tx1"/>
-              </a:solidFill>
-            </a:endParaRPr>
           </a:p>
         </p:txBody>
       </p:sp>
@@ -13623,18 +14416,13 @@
           <a:p>
             <a:pPr algn="ctr"/>
             <a:r>
-              <a:rPr lang="en-GB" sz="1000" dirty="0" smtClean="0">
+              <a:rPr lang="en-GB" sz="1000" dirty="0">
                 <a:solidFill>
                   <a:schemeClr val="tx1"/>
                 </a:solidFill>
               </a:rPr>
               <a:t>Our mission</a:t>
             </a:r>
-            <a:endParaRPr lang="en-GB" sz="1000" dirty="0">
-              <a:solidFill>
-                <a:schemeClr val="tx1"/>
-              </a:solidFill>
-            </a:endParaRPr>
           </a:p>
         </p:txBody>
       </p:sp>
@@ -13676,18 +14464,13 @@
           <a:p>
             <a:pPr algn="ctr"/>
             <a:r>
-              <a:rPr lang="en-GB" sz="1000" dirty="0" smtClean="0">
+              <a:rPr lang="en-GB" sz="1000" dirty="0">
                 <a:solidFill>
                   <a:schemeClr val="tx1"/>
                 </a:solidFill>
               </a:rPr>
               <a:t>Education</a:t>
             </a:r>
-            <a:endParaRPr lang="en-GB" sz="1000" dirty="0">
-              <a:solidFill>
-                <a:schemeClr val="tx1"/>
-              </a:solidFill>
-            </a:endParaRPr>
           </a:p>
         </p:txBody>
       </p:sp>
@@ -13729,18 +14512,13 @@
           <a:p>
             <a:pPr algn="ctr"/>
             <a:r>
-              <a:rPr lang="en-GB" sz="1000" dirty="0" smtClean="0">
+              <a:rPr lang="en-GB" sz="1000" dirty="0">
                 <a:solidFill>
                   <a:schemeClr val="tx1"/>
                 </a:solidFill>
               </a:rPr>
               <a:t>Price</a:t>
             </a:r>
-            <a:endParaRPr lang="en-GB" sz="1000" dirty="0">
-              <a:solidFill>
-                <a:schemeClr val="tx1"/>
-              </a:solidFill>
-            </a:endParaRPr>
           </a:p>
         </p:txBody>
       </p:sp>
@@ -13782,18 +14560,13 @@
           <a:p>
             <a:pPr algn="ctr"/>
             <a:r>
-              <a:rPr lang="en-GB" sz="1000" dirty="0" smtClean="0">
+              <a:rPr lang="en-GB" sz="1000" dirty="0">
                 <a:solidFill>
                   <a:schemeClr val="tx1"/>
                 </a:solidFill>
               </a:rPr>
               <a:t>student Login</a:t>
             </a:r>
-            <a:endParaRPr lang="en-GB" sz="1000" dirty="0">
-              <a:solidFill>
-                <a:schemeClr val="tx1"/>
-              </a:solidFill>
-            </a:endParaRPr>
           </a:p>
         </p:txBody>
       </p:sp>
@@ -13835,18 +14608,13 @@
           <a:p>
             <a:pPr algn="ctr"/>
             <a:r>
-              <a:rPr lang="en-GB" sz="1000" dirty="0" smtClean="0">
+              <a:rPr lang="en-GB" sz="1000" dirty="0">
                 <a:solidFill>
                   <a:schemeClr val="tx1"/>
                 </a:solidFill>
               </a:rPr>
               <a:t>Mentor Login</a:t>
             </a:r>
-            <a:endParaRPr lang="en-GB" sz="1000" dirty="0">
-              <a:solidFill>
-                <a:schemeClr val="tx1"/>
-              </a:solidFill>
-            </a:endParaRPr>
           </a:p>
         </p:txBody>
       </p:sp>
@@ -13888,18 +14656,13 @@
           <a:p>
             <a:pPr algn="ctr"/>
             <a:r>
-              <a:rPr lang="en-GB" dirty="0" smtClean="0">
+              <a:rPr lang="en-GB" dirty="0">
                 <a:solidFill>
                   <a:schemeClr val="tx1"/>
                 </a:solidFill>
               </a:rPr>
               <a:t>Articles</a:t>
             </a:r>
-            <a:endParaRPr lang="en-GB" dirty="0">
-              <a:solidFill>
-                <a:schemeClr val="tx1"/>
-              </a:solidFill>
-            </a:endParaRPr>
           </a:p>
         </p:txBody>
       </p:sp>
@@ -13940,7 +14703,7 @@
           <a:lstStyle/>
           <a:p>
             <a:r>
-              <a:rPr lang="en-GB" sz="1200" dirty="0" smtClean="0">
+              <a:rPr lang="en-GB" sz="1200" dirty="0">
                 <a:solidFill>
                   <a:schemeClr val="tx1"/>
                 </a:solidFill>
@@ -13950,7 +14713,7 @@
           </a:p>
           <a:p>
             <a:r>
-              <a:rPr lang="en-GB" sz="1200" dirty="0" smtClean="0">
+              <a:rPr lang="en-GB" sz="1200" dirty="0">
                 <a:solidFill>
                   <a:schemeClr val="tx1"/>
                 </a:solidFill>
@@ -13960,7 +14723,7 @@
           </a:p>
           <a:p>
             <a:r>
-              <a:rPr lang="en-GB" sz="1200" dirty="0" smtClean="0">
+              <a:rPr lang="en-GB" sz="1200" dirty="0">
                 <a:solidFill>
                   <a:schemeClr val="tx1"/>
                 </a:solidFill>
@@ -13970,7 +14733,7 @@
           </a:p>
           <a:p>
             <a:r>
-              <a:rPr lang="en-GB" sz="1200" dirty="0" smtClean="0">
+              <a:rPr lang="en-GB" sz="1200" dirty="0">
                 <a:solidFill>
                   <a:schemeClr val="tx1"/>
                 </a:solidFill>
@@ -13980,7 +14743,7 @@
           </a:p>
           <a:p>
             <a:r>
-              <a:rPr lang="en-GB" sz="1200" dirty="0" smtClean="0">
+              <a:rPr lang="en-GB" sz="1200" dirty="0">
                 <a:solidFill>
                   <a:schemeClr val="tx1"/>
                 </a:solidFill>
@@ -13990,7 +14753,7 @@
           </a:p>
           <a:p>
             <a:r>
-              <a:rPr lang="en-GB" sz="1200" dirty="0" smtClean="0">
+              <a:rPr lang="en-GB" sz="1200" dirty="0">
                 <a:solidFill>
                   <a:schemeClr val="tx1"/>
                 </a:solidFill>
@@ -14045,7 +14808,7 @@
           <a:p>
             <a:pPr algn="ctr"/>
             <a:r>
-              <a:rPr lang="en-GB" sz="1000" dirty="0" err="1" smtClean="0">
+              <a:rPr lang="en-GB" sz="1000" dirty="0" err="1">
                 <a:solidFill>
                   <a:schemeClr val="tx1"/>
                 </a:solidFill>
@@ -14053,18 +14816,13 @@
               <a:t>DeCom</a:t>
             </a:r>
             <a:r>
-              <a:rPr lang="en-GB" sz="1000" dirty="0" smtClean="0">
+              <a:rPr lang="en-GB" sz="1000" dirty="0">
                 <a:solidFill>
                   <a:schemeClr val="tx1"/>
                 </a:solidFill>
               </a:rPr>
               <a:t> Technology Ltd 2018 - 2019</a:t>
             </a:r>
-            <a:endParaRPr lang="en-GB" sz="1000" dirty="0">
-              <a:solidFill>
-                <a:schemeClr val="tx1"/>
-              </a:solidFill>
-            </a:endParaRPr>
           </a:p>
         </p:txBody>
       </p:sp>
